--- a/webflex/响应式编程.pptx
+++ b/webflex/响应式编程.pptx
@@ -1,15 +1,21 @@
 
 <file path=ppt/presentation.xml><?xml version="1.0" encoding="utf-8"?>
-<p:presentation xmlns:a="http://schemas.openxmlformats.org/drawingml/2006/main" xmlns:r="http://schemas.openxmlformats.org/officeDocument/2006/relationships" xmlns:p="http://schemas.openxmlformats.org/presentationml/2006/main" saveSubsetFonts="1">
+<p:presentation xmlns:a="http://schemas.openxmlformats.org/drawingml/2006/main" xmlns:r="http://schemas.openxmlformats.org/officeDocument/2006/relationships" xmlns:p="http://schemas.openxmlformats.org/presentationml/2006/main">
   <p:sldMasterIdLst>
     <p:sldMasterId id="2147483648" r:id="rId1"/>
+    <p:sldMasterId id="2147483660" r:id="rId3"/>
   </p:sldMasterIdLst>
   <p:sldIdLst>
-    <p:sldId id="256" r:id="rId2"/>
-    <p:sldId id="257" r:id="rId3"/>
+    <p:sldId id="256" r:id="rId4"/>
+    <p:sldId id="257" r:id="rId5"/>
+    <p:sldId id="258" r:id="rId6"/>
+    <p:sldId id="259" r:id="rId7"/>
   </p:sldIdLst>
   <p:sldSz cx="12192000" cy="6858000"/>
   <p:notesSz cx="6858000" cy="9144000"/>
+  <p:custDataLst>
+    <p:tags r:id="rId11"/>
+  </p:custDataLst>
   <p:defaultTextStyle>
     <a:defPPr>
       <a:defRPr lang="zh-CN"/>
@@ -143,13 +149,7 @@
       </p:grpSpPr>
       <p:sp>
         <p:nvSpPr>
-          <p:cNvPr id="2" name="标题 1">
-            <a:extLst>
-              <a:ext uri="{FF2B5EF4-FFF2-40B4-BE49-F238E27FC236}">
-                <a16:creationId xmlns:a16="http://schemas.microsoft.com/office/drawing/2014/main" id="{C648D44A-1FE4-01CE-3FAA-82642F491005}"/>
-              </a:ext>
-            </a:extLst>
-          </p:cNvPr>
+          <p:cNvPr id="2" name="标题 1"/>
           <p:cNvSpPr>
             <a:spLocks noGrp="1"/>
           </p:cNvSpPr>
@@ -175,18 +175,13 @@
               <a:rPr lang="zh-CN" altLang="en-US"/>
               <a:t>单击此处编辑母版标题样式</a:t>
             </a:r>
-          </a:p>
-        </p:txBody>
-      </p:sp>
-      <p:sp>
-        <p:nvSpPr>
-          <p:cNvPr id="3" name="副标题 2">
-            <a:extLst>
-              <a:ext uri="{FF2B5EF4-FFF2-40B4-BE49-F238E27FC236}">
-                <a16:creationId xmlns:a16="http://schemas.microsoft.com/office/drawing/2014/main" id="{74E21518-7DC8-95C1-6C7E-3D7BD1E1EE17}"/>
-              </a:ext>
-            </a:extLst>
-          </p:cNvPr>
+            <a:endParaRPr lang="zh-CN" altLang="en-US"/>
+          </a:p>
+        </p:txBody>
+      </p:sp>
+      <p:sp>
+        <p:nvSpPr>
+          <p:cNvPr id="3" name="副标题 2"/>
           <p:cNvSpPr>
             <a:spLocks noGrp="1"/>
           </p:cNvSpPr>
@@ -245,18 +240,13 @@
               <a:rPr lang="zh-CN" altLang="en-US"/>
               <a:t>单击此处编辑母版副标题样式</a:t>
             </a:r>
-          </a:p>
-        </p:txBody>
-      </p:sp>
-      <p:sp>
-        <p:nvSpPr>
-          <p:cNvPr id="4" name="日期占位符 3">
-            <a:extLst>
-              <a:ext uri="{FF2B5EF4-FFF2-40B4-BE49-F238E27FC236}">
-                <a16:creationId xmlns:a16="http://schemas.microsoft.com/office/drawing/2014/main" id="{531E8A4A-22C6-F462-12A4-6252503E2E3F}"/>
-              </a:ext>
-            </a:extLst>
-          </p:cNvPr>
+            <a:endParaRPr lang="zh-CN" altLang="en-US"/>
+          </a:p>
+        </p:txBody>
+      </p:sp>
+      <p:sp>
+        <p:nvSpPr>
+          <p:cNvPr id="4" name="日期占位符 3"/>
           <p:cNvSpPr>
             <a:spLocks noGrp="1"/>
           </p:cNvSpPr>
@@ -271,7 +261,6 @@
           <a:p>
             <a:fld id="{4E848FD6-CBCA-4798-A37D-E4BA5F032C88}" type="datetimeFigureOut">
               <a:rPr lang="zh-CN" altLang="en-US" smtClean="0"/>
-              <a:t>2024/11/25</a:t>
             </a:fld>
             <a:endParaRPr lang="zh-CN" altLang="en-US"/>
           </a:p>
@@ -279,13 +268,7 @@
       </p:sp>
       <p:sp>
         <p:nvSpPr>
-          <p:cNvPr id="5" name="页脚占位符 4">
-            <a:extLst>
-              <a:ext uri="{FF2B5EF4-FFF2-40B4-BE49-F238E27FC236}">
-                <a16:creationId xmlns:a16="http://schemas.microsoft.com/office/drawing/2014/main" id="{0E857663-51E3-E5FC-1797-1A25B751F025}"/>
-              </a:ext>
-            </a:extLst>
-          </p:cNvPr>
+          <p:cNvPr id="5" name="页脚占位符 4"/>
           <p:cNvSpPr>
             <a:spLocks noGrp="1"/>
           </p:cNvSpPr>
@@ -304,13 +287,7 @@
       </p:sp>
       <p:sp>
         <p:nvSpPr>
-          <p:cNvPr id="6" name="灯片编号占位符 5">
-            <a:extLst>
-              <a:ext uri="{FF2B5EF4-FFF2-40B4-BE49-F238E27FC236}">
-                <a16:creationId xmlns:a16="http://schemas.microsoft.com/office/drawing/2014/main" id="{43CC2894-8927-F488-F049-9273ADD4DAA0}"/>
-              </a:ext>
-            </a:extLst>
-          </p:cNvPr>
+          <p:cNvPr id="6" name="灯片编号占位符 5"/>
           <p:cNvSpPr>
             <a:spLocks noGrp="1"/>
           </p:cNvSpPr>
@@ -325,18 +302,12 @@
           <a:p>
             <a:fld id="{FFE16F4A-DE78-4E18-AF46-8EE1141811D1}" type="slidenum">
               <a:rPr lang="zh-CN" altLang="en-US" smtClean="0"/>
-              <a:t>‹#›</a:t>
             </a:fld>
             <a:endParaRPr lang="zh-CN" altLang="en-US"/>
           </a:p>
         </p:txBody>
       </p:sp>
     </p:spTree>
-    <p:extLst>
-      <p:ext uri="{BB962C8B-B14F-4D97-AF65-F5344CB8AC3E}">
-        <p14:creationId xmlns:p14="http://schemas.microsoft.com/office/powerpoint/2010/main" val="1987367330"/>
-      </p:ext>
-    </p:extLst>
   </p:cSld>
   <p:clrMapOvr>
     <a:masterClrMapping/>
@@ -363,13 +334,7 @@
       </p:grpSpPr>
       <p:sp>
         <p:nvSpPr>
-          <p:cNvPr id="2" name="标题 1">
-            <a:extLst>
-              <a:ext uri="{FF2B5EF4-FFF2-40B4-BE49-F238E27FC236}">
-                <a16:creationId xmlns:a16="http://schemas.microsoft.com/office/drawing/2014/main" id="{AF3E431E-3387-B45F-C42C-BB8B2E3924DB}"/>
-              </a:ext>
-            </a:extLst>
-          </p:cNvPr>
+          <p:cNvPr id="2" name="标题 1"/>
           <p:cNvSpPr>
             <a:spLocks noGrp="1"/>
           </p:cNvSpPr>
@@ -386,18 +351,13 @@
               <a:rPr lang="zh-CN" altLang="en-US"/>
               <a:t>单击此处编辑母版标题样式</a:t>
             </a:r>
-          </a:p>
-        </p:txBody>
-      </p:sp>
-      <p:sp>
-        <p:nvSpPr>
-          <p:cNvPr id="3" name="竖排文字占位符 2">
-            <a:extLst>
-              <a:ext uri="{FF2B5EF4-FFF2-40B4-BE49-F238E27FC236}">
-                <a16:creationId xmlns:a16="http://schemas.microsoft.com/office/drawing/2014/main" id="{EA3E5BB3-1D60-6330-B5F7-82227C20D14A}"/>
-              </a:ext>
-            </a:extLst>
-          </p:cNvPr>
+            <a:endParaRPr lang="zh-CN" altLang="en-US"/>
+          </a:p>
+        </p:txBody>
+      </p:sp>
+      <p:sp>
+        <p:nvSpPr>
+          <p:cNvPr id="3" name="竖排文字占位符 2"/>
           <p:cNvSpPr>
             <a:spLocks noGrp="1"/>
           </p:cNvSpPr>
@@ -415,6 +375,7 @@
               <a:rPr lang="zh-CN" altLang="en-US"/>
               <a:t>单击此处编辑母版文本样式</a:t>
             </a:r>
+            <a:endParaRPr lang="zh-CN" altLang="en-US"/>
           </a:p>
           <a:p>
             <a:pPr lvl="1"/>
@@ -422,6 +383,7 @@
               <a:rPr lang="zh-CN" altLang="en-US"/>
               <a:t>二级</a:t>
             </a:r>
+            <a:endParaRPr lang="zh-CN" altLang="en-US"/>
           </a:p>
           <a:p>
             <a:pPr lvl="2"/>
@@ -429,6 +391,7 @@
               <a:rPr lang="zh-CN" altLang="en-US"/>
               <a:t>三级</a:t>
             </a:r>
+            <a:endParaRPr lang="zh-CN" altLang="en-US"/>
           </a:p>
           <a:p>
             <a:pPr lvl="3"/>
@@ -436,6 +399,7 @@
               <a:rPr lang="zh-CN" altLang="en-US"/>
               <a:t>四级</a:t>
             </a:r>
+            <a:endParaRPr lang="zh-CN" altLang="en-US"/>
           </a:p>
           <a:p>
             <a:pPr lvl="4"/>
@@ -443,18 +407,13 @@
               <a:rPr lang="zh-CN" altLang="en-US"/>
               <a:t>五级</a:t>
             </a:r>
-          </a:p>
-        </p:txBody>
-      </p:sp>
-      <p:sp>
-        <p:nvSpPr>
-          <p:cNvPr id="4" name="日期占位符 3">
-            <a:extLst>
-              <a:ext uri="{FF2B5EF4-FFF2-40B4-BE49-F238E27FC236}">
-                <a16:creationId xmlns:a16="http://schemas.microsoft.com/office/drawing/2014/main" id="{DD9D6BAE-935E-9C09-9478-13DD08E5273F}"/>
-              </a:ext>
-            </a:extLst>
-          </p:cNvPr>
+            <a:endParaRPr lang="zh-CN" altLang="en-US"/>
+          </a:p>
+        </p:txBody>
+      </p:sp>
+      <p:sp>
+        <p:nvSpPr>
+          <p:cNvPr id="4" name="日期占位符 3"/>
           <p:cNvSpPr>
             <a:spLocks noGrp="1"/>
           </p:cNvSpPr>
@@ -469,7 +428,6 @@
           <a:p>
             <a:fld id="{4E848FD6-CBCA-4798-A37D-E4BA5F032C88}" type="datetimeFigureOut">
               <a:rPr lang="zh-CN" altLang="en-US" smtClean="0"/>
-              <a:t>2024/11/25</a:t>
             </a:fld>
             <a:endParaRPr lang="zh-CN" altLang="en-US"/>
           </a:p>
@@ -477,13 +435,7 @@
       </p:sp>
       <p:sp>
         <p:nvSpPr>
-          <p:cNvPr id="5" name="页脚占位符 4">
-            <a:extLst>
-              <a:ext uri="{FF2B5EF4-FFF2-40B4-BE49-F238E27FC236}">
-                <a16:creationId xmlns:a16="http://schemas.microsoft.com/office/drawing/2014/main" id="{464002B0-67B1-0524-2BE0-AAD22B67A3F0}"/>
-              </a:ext>
-            </a:extLst>
-          </p:cNvPr>
+          <p:cNvPr id="5" name="页脚占位符 4"/>
           <p:cNvSpPr>
             <a:spLocks noGrp="1"/>
           </p:cNvSpPr>
@@ -502,13 +454,7 @@
       </p:sp>
       <p:sp>
         <p:nvSpPr>
-          <p:cNvPr id="6" name="灯片编号占位符 5">
-            <a:extLst>
-              <a:ext uri="{FF2B5EF4-FFF2-40B4-BE49-F238E27FC236}">
-                <a16:creationId xmlns:a16="http://schemas.microsoft.com/office/drawing/2014/main" id="{02920501-A701-303A-CBF6-1AC1ACF0DAB3}"/>
-              </a:ext>
-            </a:extLst>
-          </p:cNvPr>
+          <p:cNvPr id="6" name="灯片编号占位符 5"/>
           <p:cNvSpPr>
             <a:spLocks noGrp="1"/>
           </p:cNvSpPr>
@@ -523,18 +469,12 @@
           <a:p>
             <a:fld id="{FFE16F4A-DE78-4E18-AF46-8EE1141811D1}" type="slidenum">
               <a:rPr lang="zh-CN" altLang="en-US" smtClean="0"/>
-              <a:t>‹#›</a:t>
             </a:fld>
             <a:endParaRPr lang="zh-CN" altLang="en-US"/>
           </a:p>
         </p:txBody>
       </p:sp>
     </p:spTree>
-    <p:extLst>
-      <p:ext uri="{BB962C8B-B14F-4D97-AF65-F5344CB8AC3E}">
-        <p14:creationId xmlns:p14="http://schemas.microsoft.com/office/powerpoint/2010/main" val="1883202444"/>
-      </p:ext>
-    </p:extLst>
   </p:cSld>
   <p:clrMapOvr>
     <a:masterClrMapping/>
@@ -561,13 +501,7 @@
       </p:grpSpPr>
       <p:sp>
         <p:nvSpPr>
-          <p:cNvPr id="2" name="竖排标题 1">
-            <a:extLst>
-              <a:ext uri="{FF2B5EF4-FFF2-40B4-BE49-F238E27FC236}">
-                <a16:creationId xmlns:a16="http://schemas.microsoft.com/office/drawing/2014/main" id="{EC8FCA82-7DE6-1E53-496A-AB17E37E9A15}"/>
-              </a:ext>
-            </a:extLst>
-          </p:cNvPr>
+          <p:cNvPr id="2" name="竖排标题 1"/>
           <p:cNvSpPr>
             <a:spLocks noGrp="1"/>
           </p:cNvSpPr>
@@ -589,18 +523,13 @@
               <a:rPr lang="zh-CN" altLang="en-US"/>
               <a:t>单击此处编辑母版标题样式</a:t>
             </a:r>
-          </a:p>
-        </p:txBody>
-      </p:sp>
-      <p:sp>
-        <p:nvSpPr>
-          <p:cNvPr id="3" name="竖排文字占位符 2">
-            <a:extLst>
-              <a:ext uri="{FF2B5EF4-FFF2-40B4-BE49-F238E27FC236}">
-                <a16:creationId xmlns:a16="http://schemas.microsoft.com/office/drawing/2014/main" id="{F30D5177-D9B3-518F-52AD-9E3E9816CA09}"/>
-              </a:ext>
-            </a:extLst>
-          </p:cNvPr>
+            <a:endParaRPr lang="zh-CN" altLang="en-US"/>
+          </a:p>
+        </p:txBody>
+      </p:sp>
+      <p:sp>
+        <p:nvSpPr>
+          <p:cNvPr id="3" name="竖排文字占位符 2"/>
           <p:cNvSpPr>
             <a:spLocks noGrp="1"/>
           </p:cNvSpPr>
@@ -623,6 +552,7 @@
               <a:rPr lang="zh-CN" altLang="en-US"/>
               <a:t>单击此处编辑母版文本样式</a:t>
             </a:r>
+            <a:endParaRPr lang="zh-CN" altLang="en-US"/>
           </a:p>
           <a:p>
             <a:pPr lvl="1"/>
@@ -630,6 +560,7 @@
               <a:rPr lang="zh-CN" altLang="en-US"/>
               <a:t>二级</a:t>
             </a:r>
+            <a:endParaRPr lang="zh-CN" altLang="en-US"/>
           </a:p>
           <a:p>
             <a:pPr lvl="2"/>
@@ -637,6 +568,7 @@
               <a:rPr lang="zh-CN" altLang="en-US"/>
               <a:t>三级</a:t>
             </a:r>
+            <a:endParaRPr lang="zh-CN" altLang="en-US"/>
           </a:p>
           <a:p>
             <a:pPr lvl="3"/>
@@ -644,6 +576,7 @@
               <a:rPr lang="zh-CN" altLang="en-US"/>
               <a:t>四级</a:t>
             </a:r>
+            <a:endParaRPr lang="zh-CN" altLang="en-US"/>
           </a:p>
           <a:p>
             <a:pPr lvl="4"/>
@@ -651,18 +584,13 @@
               <a:rPr lang="zh-CN" altLang="en-US"/>
               <a:t>五级</a:t>
             </a:r>
-          </a:p>
-        </p:txBody>
-      </p:sp>
-      <p:sp>
-        <p:nvSpPr>
-          <p:cNvPr id="4" name="日期占位符 3">
-            <a:extLst>
-              <a:ext uri="{FF2B5EF4-FFF2-40B4-BE49-F238E27FC236}">
-                <a16:creationId xmlns:a16="http://schemas.microsoft.com/office/drawing/2014/main" id="{285840BE-83DB-F051-7787-31178956CB3A}"/>
-              </a:ext>
-            </a:extLst>
-          </p:cNvPr>
+            <a:endParaRPr lang="zh-CN" altLang="en-US"/>
+          </a:p>
+        </p:txBody>
+      </p:sp>
+      <p:sp>
+        <p:nvSpPr>
+          <p:cNvPr id="4" name="日期占位符 3"/>
           <p:cNvSpPr>
             <a:spLocks noGrp="1"/>
           </p:cNvSpPr>
@@ -677,7 +605,6 @@
           <a:p>
             <a:fld id="{4E848FD6-CBCA-4798-A37D-E4BA5F032C88}" type="datetimeFigureOut">
               <a:rPr lang="zh-CN" altLang="en-US" smtClean="0"/>
-              <a:t>2024/11/25</a:t>
             </a:fld>
             <a:endParaRPr lang="zh-CN" altLang="en-US"/>
           </a:p>
@@ -685,13 +612,7 @@
       </p:sp>
       <p:sp>
         <p:nvSpPr>
-          <p:cNvPr id="5" name="页脚占位符 4">
-            <a:extLst>
-              <a:ext uri="{FF2B5EF4-FFF2-40B4-BE49-F238E27FC236}">
-                <a16:creationId xmlns:a16="http://schemas.microsoft.com/office/drawing/2014/main" id="{7A0FB7D7-EF74-9502-45AC-C2EEEB4CB54D}"/>
-              </a:ext>
-            </a:extLst>
-          </p:cNvPr>
+          <p:cNvPr id="5" name="页脚占位符 4"/>
           <p:cNvSpPr>
             <a:spLocks noGrp="1"/>
           </p:cNvSpPr>
@@ -710,13 +631,7 @@
       </p:sp>
       <p:sp>
         <p:nvSpPr>
-          <p:cNvPr id="6" name="灯片编号占位符 5">
-            <a:extLst>
-              <a:ext uri="{FF2B5EF4-FFF2-40B4-BE49-F238E27FC236}">
-                <a16:creationId xmlns:a16="http://schemas.microsoft.com/office/drawing/2014/main" id="{80827847-47D1-B784-6ED1-FD22144B0186}"/>
-              </a:ext>
-            </a:extLst>
-          </p:cNvPr>
+          <p:cNvPr id="6" name="灯片编号占位符 5"/>
           <p:cNvSpPr>
             <a:spLocks noGrp="1"/>
           </p:cNvSpPr>
@@ -731,18 +646,12 @@
           <a:p>
             <a:fld id="{FFE16F4A-DE78-4E18-AF46-8EE1141811D1}" type="slidenum">
               <a:rPr lang="zh-CN" altLang="en-US" smtClean="0"/>
-              <a:t>‹#›</a:t>
             </a:fld>
             <a:endParaRPr lang="zh-CN" altLang="en-US"/>
           </a:p>
         </p:txBody>
       </p:sp>
     </p:spTree>
-    <p:extLst>
-      <p:ext uri="{BB962C8B-B14F-4D97-AF65-F5344CB8AC3E}">
-        <p14:creationId xmlns:p14="http://schemas.microsoft.com/office/powerpoint/2010/main" val="462707281"/>
-      </p:ext>
-    </p:extLst>
   </p:cSld>
   <p:clrMapOvr>
     <a:masterClrMapping/>
@@ -750,7 +659,192 @@
 </p:sldLayout>
 </file>
 
-<file path=ppt/slideLayouts/slideLayout2.xml><?xml version="1.0" encoding="utf-8"?>
+<file path=ppt/slideLayouts/slideLayout12.xml><?xml version="1.0" encoding="utf-8"?>
+<p:sldLayout xmlns:a="http://schemas.openxmlformats.org/drawingml/2006/main" xmlns:r="http://schemas.openxmlformats.org/officeDocument/2006/relationships" xmlns:p="http://schemas.openxmlformats.org/presentationml/2006/main" type="title" preserve="1">
+  <p:cSld name="标题幻灯片">
+    <p:spTree>
+      <p:nvGrpSpPr>
+        <p:cNvPr id="1" name=""/>
+        <p:cNvGrpSpPr/>
+        <p:nvPr/>
+      </p:nvGrpSpPr>
+      <p:grpSpPr>
+        <a:xfrm>
+          <a:off x="0" y="0"/>
+          <a:ext cx="0" cy="0"/>
+          <a:chOff x="0" y="0"/>
+          <a:chExt cx="0" cy="0"/>
+        </a:xfrm>
+      </p:grpSpPr>
+      <p:sp>
+        <p:nvSpPr>
+          <p:cNvPr id="2" name="标题 1"/>
+          <p:cNvSpPr>
+            <a:spLocks noGrp="1"/>
+          </p:cNvSpPr>
+          <p:nvPr>
+            <p:ph type="ctrTitle"/>
+          </p:nvPr>
+        </p:nvSpPr>
+        <p:spPr>
+          <a:xfrm>
+            <a:off x="1524000" y="1122363"/>
+            <a:ext cx="9144000" cy="2387600"/>
+          </a:xfrm>
+        </p:spPr>
+        <p:txBody>
+          <a:bodyPr anchor="b"/>
+          <a:lstStyle>
+            <a:lvl1pPr algn="ctr">
+              <a:defRPr sz="6000"/>
+            </a:lvl1pPr>
+          </a:lstStyle>
+          <a:p>
+            <a:r>
+              <a:rPr lang="zh-CN" altLang="en-US"/>
+              <a:t>单击此处编辑母版标题样式</a:t>
+            </a:r>
+            <a:endParaRPr lang="zh-CN" altLang="en-US"/>
+          </a:p>
+        </p:txBody>
+      </p:sp>
+      <p:sp>
+        <p:nvSpPr>
+          <p:cNvPr id="3" name="副标题 2"/>
+          <p:cNvSpPr>
+            <a:spLocks noGrp="1"/>
+          </p:cNvSpPr>
+          <p:nvPr>
+            <p:ph type="subTitle" idx="1"/>
+          </p:nvPr>
+        </p:nvSpPr>
+        <p:spPr>
+          <a:xfrm>
+            <a:off x="1524000" y="3602038"/>
+            <a:ext cx="9144000" cy="1655762"/>
+          </a:xfrm>
+        </p:spPr>
+        <p:txBody>
+          <a:bodyPr/>
+          <a:lstStyle>
+            <a:lvl1pPr marL="0" indent="0" algn="ctr">
+              <a:buNone/>
+              <a:defRPr sz="2400"/>
+            </a:lvl1pPr>
+            <a:lvl2pPr marL="457200" indent="0" algn="ctr">
+              <a:buNone/>
+              <a:defRPr sz="2000"/>
+            </a:lvl2pPr>
+            <a:lvl3pPr marL="914400" indent="0" algn="ctr">
+              <a:buNone/>
+              <a:defRPr sz="1800"/>
+            </a:lvl3pPr>
+            <a:lvl4pPr marL="1371600" indent="0" algn="ctr">
+              <a:buNone/>
+              <a:defRPr sz="1600"/>
+            </a:lvl4pPr>
+            <a:lvl5pPr marL="1828800" indent="0" algn="ctr">
+              <a:buNone/>
+              <a:defRPr sz="1600"/>
+            </a:lvl5pPr>
+            <a:lvl6pPr marL="2286000" indent="0" algn="ctr">
+              <a:buNone/>
+              <a:defRPr sz="1600"/>
+            </a:lvl6pPr>
+            <a:lvl7pPr marL="2743200" indent="0" algn="ctr">
+              <a:buNone/>
+              <a:defRPr sz="1600"/>
+            </a:lvl7pPr>
+            <a:lvl8pPr marL="3200400" indent="0" algn="ctr">
+              <a:buNone/>
+              <a:defRPr sz="1600"/>
+            </a:lvl8pPr>
+            <a:lvl9pPr marL="3657600" indent="0" algn="ctr">
+              <a:buNone/>
+              <a:defRPr sz="1600"/>
+            </a:lvl9pPr>
+          </a:lstStyle>
+          <a:p>
+            <a:r>
+              <a:rPr lang="zh-CN" altLang="en-US"/>
+              <a:t>单击此处编辑母版副标题样式</a:t>
+            </a:r>
+            <a:endParaRPr lang="zh-CN" altLang="en-US"/>
+          </a:p>
+        </p:txBody>
+      </p:sp>
+      <p:sp>
+        <p:nvSpPr>
+          <p:cNvPr id="4" name="日期占位符 3"/>
+          <p:cNvSpPr>
+            <a:spLocks noGrp="1"/>
+          </p:cNvSpPr>
+          <p:nvPr>
+            <p:ph type="dt" sz="half" idx="10"/>
+          </p:nvPr>
+        </p:nvSpPr>
+        <p:spPr/>
+        <p:txBody>
+          <a:bodyPr/>
+          <a:lstStyle/>
+          <a:p>
+            <a:fld id="{4E848FD6-CBCA-4798-A37D-E4BA5F032C88}" type="datetimeFigureOut">
+              <a:rPr lang="zh-CN" altLang="en-US" smtClean="0"/>
+            </a:fld>
+            <a:endParaRPr lang="zh-CN" altLang="en-US"/>
+          </a:p>
+        </p:txBody>
+      </p:sp>
+      <p:sp>
+        <p:nvSpPr>
+          <p:cNvPr id="5" name="页脚占位符 4"/>
+          <p:cNvSpPr>
+            <a:spLocks noGrp="1"/>
+          </p:cNvSpPr>
+          <p:nvPr>
+            <p:ph type="ftr" sz="quarter" idx="11"/>
+          </p:nvPr>
+        </p:nvSpPr>
+        <p:spPr/>
+        <p:txBody>
+          <a:bodyPr/>
+          <a:lstStyle/>
+          <a:p>
+            <a:endParaRPr lang="zh-CN" altLang="en-US"/>
+          </a:p>
+        </p:txBody>
+      </p:sp>
+      <p:sp>
+        <p:nvSpPr>
+          <p:cNvPr id="6" name="灯片编号占位符 5"/>
+          <p:cNvSpPr>
+            <a:spLocks noGrp="1"/>
+          </p:cNvSpPr>
+          <p:nvPr>
+            <p:ph type="sldNum" sz="quarter" idx="12"/>
+          </p:nvPr>
+        </p:nvSpPr>
+        <p:spPr/>
+        <p:txBody>
+          <a:bodyPr/>
+          <a:lstStyle/>
+          <a:p>
+            <a:fld id="{FFE16F4A-DE78-4E18-AF46-8EE1141811D1}" type="slidenum">
+              <a:rPr lang="zh-CN" altLang="en-US" smtClean="0"/>
+            </a:fld>
+            <a:endParaRPr lang="zh-CN" altLang="en-US"/>
+          </a:p>
+        </p:txBody>
+      </p:sp>
+    </p:spTree>
+  </p:cSld>
+  <p:clrMapOvr>
+    <a:masterClrMapping/>
+  </p:clrMapOvr>
+</p:sldLayout>
+</file>
+
+<file path=ppt/slideLayouts/slideLayout13.xml><?xml version="1.0" encoding="utf-8"?>
 <p:sldLayout xmlns:a="http://schemas.openxmlformats.org/drawingml/2006/main" xmlns:r="http://schemas.openxmlformats.org/officeDocument/2006/relationships" xmlns:p="http://schemas.openxmlformats.org/presentationml/2006/main" type="obj" preserve="1">
   <p:cSld name="标题和内容">
     <p:spTree>
@@ -769,13 +863,7 @@
       </p:grpSpPr>
       <p:sp>
         <p:nvSpPr>
-          <p:cNvPr id="2" name="标题 1">
-            <a:extLst>
-              <a:ext uri="{FF2B5EF4-FFF2-40B4-BE49-F238E27FC236}">
-                <a16:creationId xmlns:a16="http://schemas.microsoft.com/office/drawing/2014/main" id="{AD4DE2A5-2549-E1ED-4D52-5E1B80B6B084}"/>
-              </a:ext>
-            </a:extLst>
-          </p:cNvPr>
+          <p:cNvPr id="2" name="标题 1"/>
           <p:cNvSpPr>
             <a:spLocks noGrp="1"/>
           </p:cNvSpPr>
@@ -792,18 +880,13 @@
               <a:rPr lang="zh-CN" altLang="en-US"/>
               <a:t>单击此处编辑母版标题样式</a:t>
             </a:r>
-          </a:p>
-        </p:txBody>
-      </p:sp>
-      <p:sp>
-        <p:nvSpPr>
-          <p:cNvPr id="3" name="内容占位符 2">
-            <a:extLst>
-              <a:ext uri="{FF2B5EF4-FFF2-40B4-BE49-F238E27FC236}">
-                <a16:creationId xmlns:a16="http://schemas.microsoft.com/office/drawing/2014/main" id="{EF56CF3D-F857-4568-32BB-00C1F69D87E7}"/>
-              </a:ext>
-            </a:extLst>
-          </p:cNvPr>
+            <a:endParaRPr lang="zh-CN" altLang="en-US"/>
+          </a:p>
+        </p:txBody>
+      </p:sp>
+      <p:sp>
+        <p:nvSpPr>
+          <p:cNvPr id="3" name="内容占位符 2"/>
           <p:cNvSpPr>
             <a:spLocks noGrp="1"/>
           </p:cNvSpPr>
@@ -821,6 +904,7 @@
               <a:rPr lang="zh-CN" altLang="en-US"/>
               <a:t>单击此处编辑母版文本样式</a:t>
             </a:r>
+            <a:endParaRPr lang="zh-CN" altLang="en-US"/>
           </a:p>
           <a:p>
             <a:pPr lvl="1"/>
@@ -828,6 +912,7 @@
               <a:rPr lang="zh-CN" altLang="en-US"/>
               <a:t>二级</a:t>
             </a:r>
+            <a:endParaRPr lang="zh-CN" altLang="en-US"/>
           </a:p>
           <a:p>
             <a:pPr lvl="2"/>
@@ -835,6 +920,7 @@
               <a:rPr lang="zh-CN" altLang="en-US"/>
               <a:t>三级</a:t>
             </a:r>
+            <a:endParaRPr lang="zh-CN" altLang="en-US"/>
           </a:p>
           <a:p>
             <a:pPr lvl="3"/>
@@ -842,6 +928,7 @@
               <a:rPr lang="zh-CN" altLang="en-US"/>
               <a:t>四级</a:t>
             </a:r>
+            <a:endParaRPr lang="zh-CN" altLang="en-US"/>
           </a:p>
           <a:p>
             <a:pPr lvl="4"/>
@@ -849,18 +936,13 @@
               <a:rPr lang="zh-CN" altLang="en-US"/>
               <a:t>五级</a:t>
             </a:r>
-          </a:p>
-        </p:txBody>
-      </p:sp>
-      <p:sp>
-        <p:nvSpPr>
-          <p:cNvPr id="4" name="日期占位符 3">
-            <a:extLst>
-              <a:ext uri="{FF2B5EF4-FFF2-40B4-BE49-F238E27FC236}">
-                <a16:creationId xmlns:a16="http://schemas.microsoft.com/office/drawing/2014/main" id="{ED037805-9D5E-4836-D351-2BDF6B74CE6E}"/>
-              </a:ext>
-            </a:extLst>
-          </p:cNvPr>
+            <a:endParaRPr lang="zh-CN" altLang="en-US"/>
+          </a:p>
+        </p:txBody>
+      </p:sp>
+      <p:sp>
+        <p:nvSpPr>
+          <p:cNvPr id="4" name="日期占位符 3"/>
           <p:cNvSpPr>
             <a:spLocks noGrp="1"/>
           </p:cNvSpPr>
@@ -875,7 +957,6 @@
           <a:p>
             <a:fld id="{4E848FD6-CBCA-4798-A37D-E4BA5F032C88}" type="datetimeFigureOut">
               <a:rPr lang="zh-CN" altLang="en-US" smtClean="0"/>
-              <a:t>2024/11/25</a:t>
             </a:fld>
             <a:endParaRPr lang="zh-CN" altLang="en-US"/>
           </a:p>
@@ -883,13 +964,7 @@
       </p:sp>
       <p:sp>
         <p:nvSpPr>
-          <p:cNvPr id="5" name="页脚占位符 4">
-            <a:extLst>
-              <a:ext uri="{FF2B5EF4-FFF2-40B4-BE49-F238E27FC236}">
-                <a16:creationId xmlns:a16="http://schemas.microsoft.com/office/drawing/2014/main" id="{C1544DB0-6783-82DA-886F-1736687CDFCA}"/>
-              </a:ext>
-            </a:extLst>
-          </p:cNvPr>
+          <p:cNvPr id="5" name="页脚占位符 4"/>
           <p:cNvSpPr>
             <a:spLocks noGrp="1"/>
           </p:cNvSpPr>
@@ -908,13 +983,7 @@
       </p:sp>
       <p:sp>
         <p:nvSpPr>
-          <p:cNvPr id="6" name="灯片编号占位符 5">
-            <a:extLst>
-              <a:ext uri="{FF2B5EF4-FFF2-40B4-BE49-F238E27FC236}">
-                <a16:creationId xmlns:a16="http://schemas.microsoft.com/office/drawing/2014/main" id="{0BD646A9-2E67-8120-A41C-1B698EBB0573}"/>
-              </a:ext>
-            </a:extLst>
-          </p:cNvPr>
+          <p:cNvPr id="6" name="灯片编号占位符 5"/>
           <p:cNvSpPr>
             <a:spLocks noGrp="1"/>
           </p:cNvSpPr>
@@ -929,18 +998,12 @@
           <a:p>
             <a:fld id="{FFE16F4A-DE78-4E18-AF46-8EE1141811D1}" type="slidenum">
               <a:rPr lang="zh-CN" altLang="en-US" smtClean="0"/>
-              <a:t>‹#›</a:t>
             </a:fld>
             <a:endParaRPr lang="zh-CN" altLang="en-US"/>
           </a:p>
         </p:txBody>
       </p:sp>
     </p:spTree>
-    <p:extLst>
-      <p:ext uri="{BB962C8B-B14F-4D97-AF65-F5344CB8AC3E}">
-        <p14:creationId xmlns:p14="http://schemas.microsoft.com/office/powerpoint/2010/main" val="3403239865"/>
-      </p:ext>
-    </p:extLst>
   </p:cSld>
   <p:clrMapOvr>
     <a:masterClrMapping/>
@@ -948,7 +1011,7 @@
 </p:sldLayout>
 </file>
 
-<file path=ppt/slideLayouts/slideLayout3.xml><?xml version="1.0" encoding="utf-8"?>
+<file path=ppt/slideLayouts/slideLayout14.xml><?xml version="1.0" encoding="utf-8"?>
 <p:sldLayout xmlns:a="http://schemas.openxmlformats.org/drawingml/2006/main" xmlns:r="http://schemas.openxmlformats.org/officeDocument/2006/relationships" xmlns:p="http://schemas.openxmlformats.org/presentationml/2006/main" type="secHead" preserve="1">
   <p:cSld name="节标题">
     <p:spTree>
@@ -967,13 +1030,7 @@
       </p:grpSpPr>
       <p:sp>
         <p:nvSpPr>
-          <p:cNvPr id="2" name="标题 1">
-            <a:extLst>
-              <a:ext uri="{FF2B5EF4-FFF2-40B4-BE49-F238E27FC236}">
-                <a16:creationId xmlns:a16="http://schemas.microsoft.com/office/drawing/2014/main" id="{DD61AD3C-A6CE-C66F-7373-5FE688C2CCE8}"/>
-              </a:ext>
-            </a:extLst>
-          </p:cNvPr>
+          <p:cNvPr id="2" name="标题 1"/>
           <p:cNvSpPr>
             <a:spLocks noGrp="1"/>
           </p:cNvSpPr>
@@ -999,18 +1056,13 @@
               <a:rPr lang="zh-CN" altLang="en-US"/>
               <a:t>单击此处编辑母版标题样式</a:t>
             </a:r>
-          </a:p>
-        </p:txBody>
-      </p:sp>
-      <p:sp>
-        <p:nvSpPr>
-          <p:cNvPr id="3" name="文本占位符 2">
-            <a:extLst>
-              <a:ext uri="{FF2B5EF4-FFF2-40B4-BE49-F238E27FC236}">
-                <a16:creationId xmlns:a16="http://schemas.microsoft.com/office/drawing/2014/main" id="{BB3EBAA0-E698-1D70-C699-6E28AAADD15C}"/>
-              </a:ext>
-            </a:extLst>
-          </p:cNvPr>
+            <a:endParaRPr lang="zh-CN" altLang="en-US"/>
+          </a:p>
+        </p:txBody>
+      </p:sp>
+      <p:sp>
+        <p:nvSpPr>
+          <p:cNvPr id="3" name="文本占位符 2"/>
           <p:cNvSpPr>
             <a:spLocks noGrp="1"/>
           </p:cNvSpPr>
@@ -1124,18 +1176,13 @@
               <a:rPr lang="zh-CN" altLang="en-US"/>
               <a:t>单击此处编辑母版文本样式</a:t>
             </a:r>
-          </a:p>
-        </p:txBody>
-      </p:sp>
-      <p:sp>
-        <p:nvSpPr>
-          <p:cNvPr id="4" name="日期占位符 3">
-            <a:extLst>
-              <a:ext uri="{FF2B5EF4-FFF2-40B4-BE49-F238E27FC236}">
-                <a16:creationId xmlns:a16="http://schemas.microsoft.com/office/drawing/2014/main" id="{52C79567-1467-5F08-7BE6-6251ADA9B57A}"/>
-              </a:ext>
-            </a:extLst>
-          </p:cNvPr>
+            <a:endParaRPr lang="zh-CN" altLang="en-US"/>
+          </a:p>
+        </p:txBody>
+      </p:sp>
+      <p:sp>
+        <p:nvSpPr>
+          <p:cNvPr id="4" name="日期占位符 3"/>
           <p:cNvSpPr>
             <a:spLocks noGrp="1"/>
           </p:cNvSpPr>
@@ -1150,7 +1197,6 @@
           <a:p>
             <a:fld id="{4E848FD6-CBCA-4798-A37D-E4BA5F032C88}" type="datetimeFigureOut">
               <a:rPr lang="zh-CN" altLang="en-US" smtClean="0"/>
-              <a:t>2024/11/25</a:t>
             </a:fld>
             <a:endParaRPr lang="zh-CN" altLang="en-US"/>
           </a:p>
@@ -1158,13 +1204,7 @@
       </p:sp>
       <p:sp>
         <p:nvSpPr>
-          <p:cNvPr id="5" name="页脚占位符 4">
-            <a:extLst>
-              <a:ext uri="{FF2B5EF4-FFF2-40B4-BE49-F238E27FC236}">
-                <a16:creationId xmlns:a16="http://schemas.microsoft.com/office/drawing/2014/main" id="{53CFEBB2-239D-78C1-DB7C-328531DC2871}"/>
-              </a:ext>
-            </a:extLst>
-          </p:cNvPr>
+          <p:cNvPr id="5" name="页脚占位符 4"/>
           <p:cNvSpPr>
             <a:spLocks noGrp="1"/>
           </p:cNvSpPr>
@@ -1183,13 +1223,7 @@
       </p:sp>
       <p:sp>
         <p:nvSpPr>
-          <p:cNvPr id="6" name="灯片编号占位符 5">
-            <a:extLst>
-              <a:ext uri="{FF2B5EF4-FFF2-40B4-BE49-F238E27FC236}">
-                <a16:creationId xmlns:a16="http://schemas.microsoft.com/office/drawing/2014/main" id="{8B13364E-E66B-D8DE-6FA5-69954238672A}"/>
-              </a:ext>
-            </a:extLst>
-          </p:cNvPr>
+          <p:cNvPr id="6" name="灯片编号占位符 5"/>
           <p:cNvSpPr>
             <a:spLocks noGrp="1"/>
           </p:cNvSpPr>
@@ -1204,18 +1238,12 @@
           <a:p>
             <a:fld id="{FFE16F4A-DE78-4E18-AF46-8EE1141811D1}" type="slidenum">
               <a:rPr lang="zh-CN" altLang="en-US" smtClean="0"/>
-              <a:t>‹#›</a:t>
             </a:fld>
             <a:endParaRPr lang="zh-CN" altLang="en-US"/>
           </a:p>
         </p:txBody>
       </p:sp>
     </p:spTree>
-    <p:extLst>
-      <p:ext uri="{BB962C8B-B14F-4D97-AF65-F5344CB8AC3E}">
-        <p14:creationId xmlns:p14="http://schemas.microsoft.com/office/powerpoint/2010/main" val="3998784232"/>
-      </p:ext>
-    </p:extLst>
   </p:cSld>
   <p:clrMapOvr>
     <a:masterClrMapping/>
@@ -1223,7 +1251,7 @@
 </p:sldLayout>
 </file>
 
-<file path=ppt/slideLayouts/slideLayout4.xml><?xml version="1.0" encoding="utf-8"?>
+<file path=ppt/slideLayouts/slideLayout15.xml><?xml version="1.0" encoding="utf-8"?>
 <p:sldLayout xmlns:a="http://schemas.openxmlformats.org/drawingml/2006/main" xmlns:r="http://schemas.openxmlformats.org/officeDocument/2006/relationships" xmlns:p="http://schemas.openxmlformats.org/presentationml/2006/main" type="twoObj" preserve="1">
   <p:cSld name="两栏内容">
     <p:spTree>
@@ -1242,13 +1270,7 @@
       </p:grpSpPr>
       <p:sp>
         <p:nvSpPr>
-          <p:cNvPr id="2" name="标题 1">
-            <a:extLst>
-              <a:ext uri="{FF2B5EF4-FFF2-40B4-BE49-F238E27FC236}">
-                <a16:creationId xmlns:a16="http://schemas.microsoft.com/office/drawing/2014/main" id="{A815CB69-471C-30A1-5E3F-5F144AACA819}"/>
-              </a:ext>
-            </a:extLst>
-          </p:cNvPr>
+          <p:cNvPr id="2" name="标题 1"/>
           <p:cNvSpPr>
             <a:spLocks noGrp="1"/>
           </p:cNvSpPr>
@@ -1265,18 +1287,13 @@
               <a:rPr lang="zh-CN" altLang="en-US"/>
               <a:t>单击此处编辑母版标题样式</a:t>
             </a:r>
-          </a:p>
-        </p:txBody>
-      </p:sp>
-      <p:sp>
-        <p:nvSpPr>
-          <p:cNvPr id="3" name="内容占位符 2">
-            <a:extLst>
-              <a:ext uri="{FF2B5EF4-FFF2-40B4-BE49-F238E27FC236}">
-                <a16:creationId xmlns:a16="http://schemas.microsoft.com/office/drawing/2014/main" id="{6100E0E7-5CDD-1724-68FA-BA6FF61AC355}"/>
-              </a:ext>
-            </a:extLst>
-          </p:cNvPr>
+            <a:endParaRPr lang="zh-CN" altLang="en-US"/>
+          </a:p>
+        </p:txBody>
+      </p:sp>
+      <p:sp>
+        <p:nvSpPr>
+          <p:cNvPr id="3" name="内容占位符 2"/>
           <p:cNvSpPr>
             <a:spLocks noGrp="1"/>
           </p:cNvSpPr>
@@ -1299,6 +1316,7 @@
               <a:rPr lang="zh-CN" altLang="en-US"/>
               <a:t>单击此处编辑母版文本样式</a:t>
             </a:r>
+            <a:endParaRPr lang="zh-CN" altLang="en-US"/>
           </a:p>
           <a:p>
             <a:pPr lvl="1"/>
@@ -1306,6 +1324,7 @@
               <a:rPr lang="zh-CN" altLang="en-US"/>
               <a:t>二级</a:t>
             </a:r>
+            <a:endParaRPr lang="zh-CN" altLang="en-US"/>
           </a:p>
           <a:p>
             <a:pPr lvl="2"/>
@@ -1313,6 +1332,7 @@
               <a:rPr lang="zh-CN" altLang="en-US"/>
               <a:t>三级</a:t>
             </a:r>
+            <a:endParaRPr lang="zh-CN" altLang="en-US"/>
           </a:p>
           <a:p>
             <a:pPr lvl="3"/>
@@ -1320,6 +1340,7 @@
               <a:rPr lang="zh-CN" altLang="en-US"/>
               <a:t>四级</a:t>
             </a:r>
+            <a:endParaRPr lang="zh-CN" altLang="en-US"/>
           </a:p>
           <a:p>
             <a:pPr lvl="4"/>
@@ -1327,18 +1348,13 @@
               <a:rPr lang="zh-CN" altLang="en-US"/>
               <a:t>五级</a:t>
             </a:r>
-          </a:p>
-        </p:txBody>
-      </p:sp>
-      <p:sp>
-        <p:nvSpPr>
-          <p:cNvPr id="4" name="内容占位符 3">
-            <a:extLst>
-              <a:ext uri="{FF2B5EF4-FFF2-40B4-BE49-F238E27FC236}">
-                <a16:creationId xmlns:a16="http://schemas.microsoft.com/office/drawing/2014/main" id="{5A140911-8BC8-7E16-04B7-61AEBB8F1414}"/>
-              </a:ext>
-            </a:extLst>
-          </p:cNvPr>
+            <a:endParaRPr lang="zh-CN" altLang="en-US"/>
+          </a:p>
+        </p:txBody>
+      </p:sp>
+      <p:sp>
+        <p:nvSpPr>
+          <p:cNvPr id="4" name="内容占位符 3"/>
           <p:cNvSpPr>
             <a:spLocks noGrp="1"/>
           </p:cNvSpPr>
@@ -1361,6 +1377,7 @@
               <a:rPr lang="zh-CN" altLang="en-US"/>
               <a:t>单击此处编辑母版文本样式</a:t>
             </a:r>
+            <a:endParaRPr lang="zh-CN" altLang="en-US"/>
           </a:p>
           <a:p>
             <a:pPr lvl="1"/>
@@ -1368,6 +1385,7 @@
               <a:rPr lang="zh-CN" altLang="en-US"/>
               <a:t>二级</a:t>
             </a:r>
+            <a:endParaRPr lang="zh-CN" altLang="en-US"/>
           </a:p>
           <a:p>
             <a:pPr lvl="2"/>
@@ -1375,6 +1393,7 @@
               <a:rPr lang="zh-CN" altLang="en-US"/>
               <a:t>三级</a:t>
             </a:r>
+            <a:endParaRPr lang="zh-CN" altLang="en-US"/>
           </a:p>
           <a:p>
             <a:pPr lvl="3"/>
@@ -1382,6 +1401,7 @@
               <a:rPr lang="zh-CN" altLang="en-US"/>
               <a:t>四级</a:t>
             </a:r>
+            <a:endParaRPr lang="zh-CN" altLang="en-US"/>
           </a:p>
           <a:p>
             <a:pPr lvl="4"/>
@@ -1389,18 +1409,13 @@
               <a:rPr lang="zh-CN" altLang="en-US"/>
               <a:t>五级</a:t>
             </a:r>
-          </a:p>
-        </p:txBody>
-      </p:sp>
-      <p:sp>
-        <p:nvSpPr>
-          <p:cNvPr id="5" name="日期占位符 4">
-            <a:extLst>
-              <a:ext uri="{FF2B5EF4-FFF2-40B4-BE49-F238E27FC236}">
-                <a16:creationId xmlns:a16="http://schemas.microsoft.com/office/drawing/2014/main" id="{CBE5A1D6-7774-EDA3-1577-BCA83FC25D1E}"/>
-              </a:ext>
-            </a:extLst>
-          </p:cNvPr>
+            <a:endParaRPr lang="zh-CN" altLang="en-US"/>
+          </a:p>
+        </p:txBody>
+      </p:sp>
+      <p:sp>
+        <p:nvSpPr>
+          <p:cNvPr id="5" name="日期占位符 4"/>
           <p:cNvSpPr>
             <a:spLocks noGrp="1"/>
           </p:cNvSpPr>
@@ -1415,7 +1430,6 @@
           <a:p>
             <a:fld id="{4E848FD6-CBCA-4798-A37D-E4BA5F032C88}" type="datetimeFigureOut">
               <a:rPr lang="zh-CN" altLang="en-US" smtClean="0"/>
-              <a:t>2024/11/25</a:t>
             </a:fld>
             <a:endParaRPr lang="zh-CN" altLang="en-US"/>
           </a:p>
@@ -1423,13 +1437,7 @@
       </p:sp>
       <p:sp>
         <p:nvSpPr>
-          <p:cNvPr id="6" name="页脚占位符 5">
-            <a:extLst>
-              <a:ext uri="{FF2B5EF4-FFF2-40B4-BE49-F238E27FC236}">
-                <a16:creationId xmlns:a16="http://schemas.microsoft.com/office/drawing/2014/main" id="{94D8375B-7927-03F8-1F07-C531A1C400F0}"/>
-              </a:ext>
-            </a:extLst>
-          </p:cNvPr>
+          <p:cNvPr id="6" name="页脚占位符 5"/>
           <p:cNvSpPr>
             <a:spLocks noGrp="1"/>
           </p:cNvSpPr>
@@ -1448,13 +1456,7 @@
       </p:sp>
       <p:sp>
         <p:nvSpPr>
-          <p:cNvPr id="7" name="灯片编号占位符 6">
-            <a:extLst>
-              <a:ext uri="{FF2B5EF4-FFF2-40B4-BE49-F238E27FC236}">
-                <a16:creationId xmlns:a16="http://schemas.microsoft.com/office/drawing/2014/main" id="{18E8DF11-5801-DC24-2331-0447A7395B0C}"/>
-              </a:ext>
-            </a:extLst>
-          </p:cNvPr>
+          <p:cNvPr id="7" name="灯片编号占位符 6"/>
           <p:cNvSpPr>
             <a:spLocks noGrp="1"/>
           </p:cNvSpPr>
@@ -1469,18 +1471,12 @@
           <a:p>
             <a:fld id="{FFE16F4A-DE78-4E18-AF46-8EE1141811D1}" type="slidenum">
               <a:rPr lang="zh-CN" altLang="en-US" smtClean="0"/>
-              <a:t>‹#›</a:t>
             </a:fld>
             <a:endParaRPr lang="zh-CN" altLang="en-US"/>
           </a:p>
         </p:txBody>
       </p:sp>
     </p:spTree>
-    <p:extLst>
-      <p:ext uri="{BB962C8B-B14F-4D97-AF65-F5344CB8AC3E}">
-        <p14:creationId xmlns:p14="http://schemas.microsoft.com/office/powerpoint/2010/main" val="1449229702"/>
-      </p:ext>
-    </p:extLst>
   </p:cSld>
   <p:clrMapOvr>
     <a:masterClrMapping/>
@@ -1488,7 +1484,7 @@
 </p:sldLayout>
 </file>
 
-<file path=ppt/slideLayouts/slideLayout5.xml><?xml version="1.0" encoding="utf-8"?>
+<file path=ppt/slideLayouts/slideLayout16.xml><?xml version="1.0" encoding="utf-8"?>
 <p:sldLayout xmlns:a="http://schemas.openxmlformats.org/drawingml/2006/main" xmlns:r="http://schemas.openxmlformats.org/officeDocument/2006/relationships" xmlns:p="http://schemas.openxmlformats.org/presentationml/2006/main" type="twoTxTwoObj" preserve="1">
   <p:cSld name="比较">
     <p:spTree>
@@ -1507,13 +1503,7 @@
       </p:grpSpPr>
       <p:sp>
         <p:nvSpPr>
-          <p:cNvPr id="2" name="标题 1">
-            <a:extLst>
-              <a:ext uri="{FF2B5EF4-FFF2-40B4-BE49-F238E27FC236}">
-                <a16:creationId xmlns:a16="http://schemas.microsoft.com/office/drawing/2014/main" id="{0EEA70B3-1A3B-3205-BE10-B2BCC82A62BA}"/>
-              </a:ext>
-            </a:extLst>
-          </p:cNvPr>
+          <p:cNvPr id="2" name="标题 1"/>
           <p:cNvSpPr>
             <a:spLocks noGrp="1"/>
           </p:cNvSpPr>
@@ -1535,18 +1525,13 @@
               <a:rPr lang="zh-CN" altLang="en-US"/>
               <a:t>单击此处编辑母版标题样式</a:t>
             </a:r>
-          </a:p>
-        </p:txBody>
-      </p:sp>
-      <p:sp>
-        <p:nvSpPr>
-          <p:cNvPr id="3" name="文本占位符 2">
-            <a:extLst>
-              <a:ext uri="{FF2B5EF4-FFF2-40B4-BE49-F238E27FC236}">
-                <a16:creationId xmlns:a16="http://schemas.microsoft.com/office/drawing/2014/main" id="{ABC13EBB-DFC5-A48E-9EE1-E2C969835B6A}"/>
-              </a:ext>
-            </a:extLst>
-          </p:cNvPr>
+            <a:endParaRPr lang="zh-CN" altLang="en-US"/>
+          </a:p>
+        </p:txBody>
+      </p:sp>
+      <p:sp>
+        <p:nvSpPr>
+          <p:cNvPr id="3" name="文本占位符 2"/>
           <p:cNvSpPr>
             <a:spLocks noGrp="1"/>
           </p:cNvSpPr>
@@ -1606,18 +1591,13 @@
               <a:rPr lang="zh-CN" altLang="en-US"/>
               <a:t>单击此处编辑母版文本样式</a:t>
             </a:r>
-          </a:p>
-        </p:txBody>
-      </p:sp>
-      <p:sp>
-        <p:nvSpPr>
-          <p:cNvPr id="4" name="内容占位符 3">
-            <a:extLst>
-              <a:ext uri="{FF2B5EF4-FFF2-40B4-BE49-F238E27FC236}">
-                <a16:creationId xmlns:a16="http://schemas.microsoft.com/office/drawing/2014/main" id="{DBDABF4C-846E-3734-52BD-E20AC21BA732}"/>
-              </a:ext>
-            </a:extLst>
-          </p:cNvPr>
+            <a:endParaRPr lang="zh-CN" altLang="en-US"/>
+          </a:p>
+        </p:txBody>
+      </p:sp>
+      <p:sp>
+        <p:nvSpPr>
+          <p:cNvPr id="4" name="内容占位符 3"/>
           <p:cNvSpPr>
             <a:spLocks noGrp="1"/>
           </p:cNvSpPr>
@@ -1640,6 +1620,7 @@
               <a:rPr lang="zh-CN" altLang="en-US"/>
               <a:t>单击此处编辑母版文本样式</a:t>
             </a:r>
+            <a:endParaRPr lang="zh-CN" altLang="en-US"/>
           </a:p>
           <a:p>
             <a:pPr lvl="1"/>
@@ -1647,6 +1628,7 @@
               <a:rPr lang="zh-CN" altLang="en-US"/>
               <a:t>二级</a:t>
             </a:r>
+            <a:endParaRPr lang="zh-CN" altLang="en-US"/>
           </a:p>
           <a:p>
             <a:pPr lvl="2"/>
@@ -1654,6 +1636,7 @@
               <a:rPr lang="zh-CN" altLang="en-US"/>
               <a:t>三级</a:t>
             </a:r>
+            <a:endParaRPr lang="zh-CN" altLang="en-US"/>
           </a:p>
           <a:p>
             <a:pPr lvl="3"/>
@@ -1661,6 +1644,7 @@
               <a:rPr lang="zh-CN" altLang="en-US"/>
               <a:t>四级</a:t>
             </a:r>
+            <a:endParaRPr lang="zh-CN" altLang="en-US"/>
           </a:p>
           <a:p>
             <a:pPr lvl="4"/>
@@ -1668,18 +1652,13 @@
               <a:rPr lang="zh-CN" altLang="en-US"/>
               <a:t>五级</a:t>
             </a:r>
-          </a:p>
-        </p:txBody>
-      </p:sp>
-      <p:sp>
-        <p:nvSpPr>
-          <p:cNvPr id="5" name="文本占位符 4">
-            <a:extLst>
-              <a:ext uri="{FF2B5EF4-FFF2-40B4-BE49-F238E27FC236}">
-                <a16:creationId xmlns:a16="http://schemas.microsoft.com/office/drawing/2014/main" id="{8266F461-F6EE-A8A9-AEE6-C63E4A713C1D}"/>
-              </a:ext>
-            </a:extLst>
-          </p:cNvPr>
+            <a:endParaRPr lang="zh-CN" altLang="en-US"/>
+          </a:p>
+        </p:txBody>
+      </p:sp>
+      <p:sp>
+        <p:nvSpPr>
+          <p:cNvPr id="5" name="文本占位符 4"/>
           <p:cNvSpPr>
             <a:spLocks noGrp="1"/>
           </p:cNvSpPr>
@@ -1739,18 +1718,13 @@
               <a:rPr lang="zh-CN" altLang="en-US"/>
               <a:t>单击此处编辑母版文本样式</a:t>
             </a:r>
-          </a:p>
-        </p:txBody>
-      </p:sp>
-      <p:sp>
-        <p:nvSpPr>
-          <p:cNvPr id="6" name="内容占位符 5">
-            <a:extLst>
-              <a:ext uri="{FF2B5EF4-FFF2-40B4-BE49-F238E27FC236}">
-                <a16:creationId xmlns:a16="http://schemas.microsoft.com/office/drawing/2014/main" id="{B7741723-98FA-8774-2594-0BB02C3F01D2}"/>
-              </a:ext>
-            </a:extLst>
-          </p:cNvPr>
+            <a:endParaRPr lang="zh-CN" altLang="en-US"/>
+          </a:p>
+        </p:txBody>
+      </p:sp>
+      <p:sp>
+        <p:nvSpPr>
+          <p:cNvPr id="6" name="内容占位符 5"/>
           <p:cNvSpPr>
             <a:spLocks noGrp="1"/>
           </p:cNvSpPr>
@@ -1773,6 +1747,7 @@
               <a:rPr lang="zh-CN" altLang="en-US"/>
               <a:t>单击此处编辑母版文本样式</a:t>
             </a:r>
+            <a:endParaRPr lang="zh-CN" altLang="en-US"/>
           </a:p>
           <a:p>
             <a:pPr lvl="1"/>
@@ -1780,6 +1755,7 @@
               <a:rPr lang="zh-CN" altLang="en-US"/>
               <a:t>二级</a:t>
             </a:r>
+            <a:endParaRPr lang="zh-CN" altLang="en-US"/>
           </a:p>
           <a:p>
             <a:pPr lvl="2"/>
@@ -1787,6 +1763,7 @@
               <a:rPr lang="zh-CN" altLang="en-US"/>
               <a:t>三级</a:t>
             </a:r>
+            <a:endParaRPr lang="zh-CN" altLang="en-US"/>
           </a:p>
           <a:p>
             <a:pPr lvl="3"/>
@@ -1794,6 +1771,7 @@
               <a:rPr lang="zh-CN" altLang="en-US"/>
               <a:t>四级</a:t>
             </a:r>
+            <a:endParaRPr lang="zh-CN" altLang="en-US"/>
           </a:p>
           <a:p>
             <a:pPr lvl="4"/>
@@ -1801,18 +1779,13 @@
               <a:rPr lang="zh-CN" altLang="en-US"/>
               <a:t>五级</a:t>
             </a:r>
-          </a:p>
-        </p:txBody>
-      </p:sp>
-      <p:sp>
-        <p:nvSpPr>
-          <p:cNvPr id="7" name="日期占位符 6">
-            <a:extLst>
-              <a:ext uri="{FF2B5EF4-FFF2-40B4-BE49-F238E27FC236}">
-                <a16:creationId xmlns:a16="http://schemas.microsoft.com/office/drawing/2014/main" id="{90EB7347-EFAC-1CE7-9781-91E58B741218}"/>
-              </a:ext>
-            </a:extLst>
-          </p:cNvPr>
+            <a:endParaRPr lang="zh-CN" altLang="en-US"/>
+          </a:p>
+        </p:txBody>
+      </p:sp>
+      <p:sp>
+        <p:nvSpPr>
+          <p:cNvPr id="7" name="日期占位符 6"/>
           <p:cNvSpPr>
             <a:spLocks noGrp="1"/>
           </p:cNvSpPr>
@@ -1827,7 +1800,6 @@
           <a:p>
             <a:fld id="{4E848FD6-CBCA-4798-A37D-E4BA5F032C88}" type="datetimeFigureOut">
               <a:rPr lang="zh-CN" altLang="en-US" smtClean="0"/>
-              <a:t>2024/11/25</a:t>
             </a:fld>
             <a:endParaRPr lang="zh-CN" altLang="en-US"/>
           </a:p>
@@ -1835,13 +1807,7 @@
       </p:sp>
       <p:sp>
         <p:nvSpPr>
-          <p:cNvPr id="8" name="页脚占位符 7">
-            <a:extLst>
-              <a:ext uri="{FF2B5EF4-FFF2-40B4-BE49-F238E27FC236}">
-                <a16:creationId xmlns:a16="http://schemas.microsoft.com/office/drawing/2014/main" id="{B30614A3-ADD9-1CE3-E46B-40ED1F71C4DF}"/>
-              </a:ext>
-            </a:extLst>
-          </p:cNvPr>
+          <p:cNvPr id="8" name="页脚占位符 7"/>
           <p:cNvSpPr>
             <a:spLocks noGrp="1"/>
           </p:cNvSpPr>
@@ -1860,13 +1826,7 @@
       </p:sp>
       <p:sp>
         <p:nvSpPr>
-          <p:cNvPr id="9" name="灯片编号占位符 8">
-            <a:extLst>
-              <a:ext uri="{FF2B5EF4-FFF2-40B4-BE49-F238E27FC236}">
-                <a16:creationId xmlns:a16="http://schemas.microsoft.com/office/drawing/2014/main" id="{DA0D08E8-A73D-BB71-A4BC-5E40F6ADF007}"/>
-              </a:ext>
-            </a:extLst>
-          </p:cNvPr>
+          <p:cNvPr id="9" name="灯片编号占位符 8"/>
           <p:cNvSpPr>
             <a:spLocks noGrp="1"/>
           </p:cNvSpPr>
@@ -1881,18 +1841,12 @@
           <a:p>
             <a:fld id="{FFE16F4A-DE78-4E18-AF46-8EE1141811D1}" type="slidenum">
               <a:rPr lang="zh-CN" altLang="en-US" smtClean="0"/>
-              <a:t>‹#›</a:t>
             </a:fld>
             <a:endParaRPr lang="zh-CN" altLang="en-US"/>
           </a:p>
         </p:txBody>
       </p:sp>
     </p:spTree>
-    <p:extLst>
-      <p:ext uri="{BB962C8B-B14F-4D97-AF65-F5344CB8AC3E}">
-        <p14:creationId xmlns:p14="http://schemas.microsoft.com/office/powerpoint/2010/main" val="2520336998"/>
-      </p:ext>
-    </p:extLst>
   </p:cSld>
   <p:clrMapOvr>
     <a:masterClrMapping/>
@@ -1900,7 +1854,7 @@
 </p:sldLayout>
 </file>
 
-<file path=ppt/slideLayouts/slideLayout6.xml><?xml version="1.0" encoding="utf-8"?>
+<file path=ppt/slideLayouts/slideLayout17.xml><?xml version="1.0" encoding="utf-8"?>
 <p:sldLayout xmlns:a="http://schemas.openxmlformats.org/drawingml/2006/main" xmlns:r="http://schemas.openxmlformats.org/officeDocument/2006/relationships" xmlns:p="http://schemas.openxmlformats.org/presentationml/2006/main" type="titleOnly" preserve="1">
   <p:cSld name="仅标题">
     <p:spTree>
@@ -1919,13 +1873,7 @@
       </p:grpSpPr>
       <p:sp>
         <p:nvSpPr>
-          <p:cNvPr id="2" name="标题 1">
-            <a:extLst>
-              <a:ext uri="{FF2B5EF4-FFF2-40B4-BE49-F238E27FC236}">
-                <a16:creationId xmlns:a16="http://schemas.microsoft.com/office/drawing/2014/main" id="{792FAB88-FD6A-E182-11AA-566E9996193E}"/>
-              </a:ext>
-            </a:extLst>
-          </p:cNvPr>
+          <p:cNvPr id="2" name="标题 1"/>
           <p:cNvSpPr>
             <a:spLocks noGrp="1"/>
           </p:cNvSpPr>
@@ -1942,18 +1890,13 @@
               <a:rPr lang="zh-CN" altLang="en-US"/>
               <a:t>单击此处编辑母版标题样式</a:t>
             </a:r>
-          </a:p>
-        </p:txBody>
-      </p:sp>
-      <p:sp>
-        <p:nvSpPr>
-          <p:cNvPr id="3" name="日期占位符 2">
-            <a:extLst>
-              <a:ext uri="{FF2B5EF4-FFF2-40B4-BE49-F238E27FC236}">
-                <a16:creationId xmlns:a16="http://schemas.microsoft.com/office/drawing/2014/main" id="{E3120A58-17A2-337C-8DA2-27D1675A9B7F}"/>
-              </a:ext>
-            </a:extLst>
-          </p:cNvPr>
+            <a:endParaRPr lang="zh-CN" altLang="en-US"/>
+          </a:p>
+        </p:txBody>
+      </p:sp>
+      <p:sp>
+        <p:nvSpPr>
+          <p:cNvPr id="3" name="日期占位符 2"/>
           <p:cNvSpPr>
             <a:spLocks noGrp="1"/>
           </p:cNvSpPr>
@@ -1968,7 +1911,6 @@
           <a:p>
             <a:fld id="{4E848FD6-CBCA-4798-A37D-E4BA5F032C88}" type="datetimeFigureOut">
               <a:rPr lang="zh-CN" altLang="en-US" smtClean="0"/>
-              <a:t>2024/11/25</a:t>
             </a:fld>
             <a:endParaRPr lang="zh-CN" altLang="en-US"/>
           </a:p>
@@ -1976,13 +1918,7 @@
       </p:sp>
       <p:sp>
         <p:nvSpPr>
-          <p:cNvPr id="4" name="页脚占位符 3">
-            <a:extLst>
-              <a:ext uri="{FF2B5EF4-FFF2-40B4-BE49-F238E27FC236}">
-                <a16:creationId xmlns:a16="http://schemas.microsoft.com/office/drawing/2014/main" id="{0D10C33D-5812-25F0-826D-16237EE8CDD8}"/>
-              </a:ext>
-            </a:extLst>
-          </p:cNvPr>
+          <p:cNvPr id="4" name="页脚占位符 3"/>
           <p:cNvSpPr>
             <a:spLocks noGrp="1"/>
           </p:cNvSpPr>
@@ -2001,13 +1937,7 @@
       </p:sp>
       <p:sp>
         <p:nvSpPr>
-          <p:cNvPr id="5" name="灯片编号占位符 4">
-            <a:extLst>
-              <a:ext uri="{FF2B5EF4-FFF2-40B4-BE49-F238E27FC236}">
-                <a16:creationId xmlns:a16="http://schemas.microsoft.com/office/drawing/2014/main" id="{86848383-5DB6-74DC-DA52-38BF4116D06C}"/>
-              </a:ext>
-            </a:extLst>
-          </p:cNvPr>
+          <p:cNvPr id="5" name="灯片编号占位符 4"/>
           <p:cNvSpPr>
             <a:spLocks noGrp="1"/>
           </p:cNvSpPr>
@@ -2022,18 +1952,12 @@
           <a:p>
             <a:fld id="{FFE16F4A-DE78-4E18-AF46-8EE1141811D1}" type="slidenum">
               <a:rPr lang="zh-CN" altLang="en-US" smtClean="0"/>
-              <a:t>‹#›</a:t>
             </a:fld>
             <a:endParaRPr lang="zh-CN" altLang="en-US"/>
           </a:p>
         </p:txBody>
       </p:sp>
     </p:spTree>
-    <p:extLst>
-      <p:ext uri="{BB962C8B-B14F-4D97-AF65-F5344CB8AC3E}">
-        <p14:creationId xmlns:p14="http://schemas.microsoft.com/office/powerpoint/2010/main" val="467574429"/>
-      </p:ext>
-    </p:extLst>
   </p:cSld>
   <p:clrMapOvr>
     <a:masterClrMapping/>
@@ -2041,7 +1965,7 @@
 </p:sldLayout>
 </file>
 
-<file path=ppt/slideLayouts/slideLayout7.xml><?xml version="1.0" encoding="utf-8"?>
+<file path=ppt/slideLayouts/slideLayout18.xml><?xml version="1.0" encoding="utf-8"?>
 <p:sldLayout xmlns:a="http://schemas.openxmlformats.org/drawingml/2006/main" xmlns:r="http://schemas.openxmlformats.org/officeDocument/2006/relationships" xmlns:p="http://schemas.openxmlformats.org/presentationml/2006/main" type="blank" preserve="1">
   <p:cSld name="空白">
     <p:spTree>
@@ -2060,13 +1984,7 @@
       </p:grpSpPr>
       <p:sp>
         <p:nvSpPr>
-          <p:cNvPr id="2" name="日期占位符 1">
-            <a:extLst>
-              <a:ext uri="{FF2B5EF4-FFF2-40B4-BE49-F238E27FC236}">
-                <a16:creationId xmlns:a16="http://schemas.microsoft.com/office/drawing/2014/main" id="{D0A84982-3EFE-7520-1EA6-7D39FD7CCB17}"/>
-              </a:ext>
-            </a:extLst>
-          </p:cNvPr>
+          <p:cNvPr id="2" name="日期占位符 1"/>
           <p:cNvSpPr>
             <a:spLocks noGrp="1"/>
           </p:cNvSpPr>
@@ -2081,7 +1999,6 @@
           <a:p>
             <a:fld id="{4E848FD6-CBCA-4798-A37D-E4BA5F032C88}" type="datetimeFigureOut">
               <a:rPr lang="zh-CN" altLang="en-US" smtClean="0"/>
-              <a:t>2024/11/25</a:t>
             </a:fld>
             <a:endParaRPr lang="zh-CN" altLang="en-US"/>
           </a:p>
@@ -2089,13 +2006,7 @@
       </p:sp>
       <p:sp>
         <p:nvSpPr>
-          <p:cNvPr id="3" name="页脚占位符 2">
-            <a:extLst>
-              <a:ext uri="{FF2B5EF4-FFF2-40B4-BE49-F238E27FC236}">
-                <a16:creationId xmlns:a16="http://schemas.microsoft.com/office/drawing/2014/main" id="{5BB1721C-DE23-3F16-C355-DE0AE4C039C5}"/>
-              </a:ext>
-            </a:extLst>
-          </p:cNvPr>
+          <p:cNvPr id="3" name="页脚占位符 2"/>
           <p:cNvSpPr>
             <a:spLocks noGrp="1"/>
           </p:cNvSpPr>
@@ -2114,13 +2025,7 @@
       </p:sp>
       <p:sp>
         <p:nvSpPr>
-          <p:cNvPr id="4" name="灯片编号占位符 3">
-            <a:extLst>
-              <a:ext uri="{FF2B5EF4-FFF2-40B4-BE49-F238E27FC236}">
-                <a16:creationId xmlns:a16="http://schemas.microsoft.com/office/drawing/2014/main" id="{34AC6601-7895-BE7D-17EF-8854523B25B7}"/>
-              </a:ext>
-            </a:extLst>
-          </p:cNvPr>
+          <p:cNvPr id="4" name="灯片编号占位符 3"/>
           <p:cNvSpPr>
             <a:spLocks noGrp="1"/>
           </p:cNvSpPr>
@@ -2135,18 +2040,12 @@
           <a:p>
             <a:fld id="{FFE16F4A-DE78-4E18-AF46-8EE1141811D1}" type="slidenum">
               <a:rPr lang="zh-CN" altLang="en-US" smtClean="0"/>
-              <a:t>‹#›</a:t>
             </a:fld>
             <a:endParaRPr lang="zh-CN" altLang="en-US"/>
           </a:p>
         </p:txBody>
       </p:sp>
     </p:spTree>
-    <p:extLst>
-      <p:ext uri="{BB962C8B-B14F-4D97-AF65-F5344CB8AC3E}">
-        <p14:creationId xmlns:p14="http://schemas.microsoft.com/office/powerpoint/2010/main" val="3173805535"/>
-      </p:ext>
-    </p:extLst>
   </p:cSld>
   <p:clrMapOvr>
     <a:masterClrMapping/>
@@ -2154,7 +2053,7 @@
 </p:sldLayout>
 </file>
 
-<file path=ppt/slideLayouts/slideLayout8.xml><?xml version="1.0" encoding="utf-8"?>
+<file path=ppt/slideLayouts/slideLayout19.xml><?xml version="1.0" encoding="utf-8"?>
 <p:sldLayout xmlns:a="http://schemas.openxmlformats.org/drawingml/2006/main" xmlns:r="http://schemas.openxmlformats.org/officeDocument/2006/relationships" xmlns:p="http://schemas.openxmlformats.org/presentationml/2006/main" type="objTx" preserve="1">
   <p:cSld name="内容与标题">
     <p:spTree>
@@ -2173,13 +2072,7 @@
       </p:grpSpPr>
       <p:sp>
         <p:nvSpPr>
-          <p:cNvPr id="2" name="标题 1">
-            <a:extLst>
-              <a:ext uri="{FF2B5EF4-FFF2-40B4-BE49-F238E27FC236}">
-                <a16:creationId xmlns:a16="http://schemas.microsoft.com/office/drawing/2014/main" id="{D4CBCC85-8407-A9B7-4304-2BF5E30AD709}"/>
-              </a:ext>
-            </a:extLst>
-          </p:cNvPr>
+          <p:cNvPr id="2" name="标题 1"/>
           <p:cNvSpPr>
             <a:spLocks noGrp="1"/>
           </p:cNvSpPr>
@@ -2205,18 +2098,13 @@
               <a:rPr lang="zh-CN" altLang="en-US"/>
               <a:t>单击此处编辑母版标题样式</a:t>
             </a:r>
-          </a:p>
-        </p:txBody>
-      </p:sp>
-      <p:sp>
-        <p:nvSpPr>
-          <p:cNvPr id="3" name="内容占位符 2">
-            <a:extLst>
-              <a:ext uri="{FF2B5EF4-FFF2-40B4-BE49-F238E27FC236}">
-                <a16:creationId xmlns:a16="http://schemas.microsoft.com/office/drawing/2014/main" id="{6353234D-9277-297B-F243-4BFDB9F367C3}"/>
-              </a:ext>
-            </a:extLst>
-          </p:cNvPr>
+            <a:endParaRPr lang="zh-CN" altLang="en-US"/>
+          </a:p>
+        </p:txBody>
+      </p:sp>
+      <p:sp>
+        <p:nvSpPr>
+          <p:cNvPr id="3" name="内容占位符 2"/>
           <p:cNvSpPr>
             <a:spLocks noGrp="1"/>
           </p:cNvSpPr>
@@ -2267,6 +2155,7 @@
               <a:rPr lang="zh-CN" altLang="en-US"/>
               <a:t>单击此处编辑母版文本样式</a:t>
             </a:r>
+            <a:endParaRPr lang="zh-CN" altLang="en-US"/>
           </a:p>
           <a:p>
             <a:pPr lvl="1"/>
@@ -2274,6 +2163,7 @@
               <a:rPr lang="zh-CN" altLang="en-US"/>
               <a:t>二级</a:t>
             </a:r>
+            <a:endParaRPr lang="zh-CN" altLang="en-US"/>
           </a:p>
           <a:p>
             <a:pPr lvl="2"/>
@@ -2281,6 +2171,7 @@
               <a:rPr lang="zh-CN" altLang="en-US"/>
               <a:t>三级</a:t>
             </a:r>
+            <a:endParaRPr lang="zh-CN" altLang="en-US"/>
           </a:p>
           <a:p>
             <a:pPr lvl="3"/>
@@ -2288,6 +2179,7 @@
               <a:rPr lang="zh-CN" altLang="en-US"/>
               <a:t>四级</a:t>
             </a:r>
+            <a:endParaRPr lang="zh-CN" altLang="en-US"/>
           </a:p>
           <a:p>
             <a:pPr lvl="4"/>
@@ -2295,18 +2187,13 @@
               <a:rPr lang="zh-CN" altLang="en-US"/>
               <a:t>五级</a:t>
             </a:r>
-          </a:p>
-        </p:txBody>
-      </p:sp>
-      <p:sp>
-        <p:nvSpPr>
-          <p:cNvPr id="4" name="文本占位符 3">
-            <a:extLst>
-              <a:ext uri="{FF2B5EF4-FFF2-40B4-BE49-F238E27FC236}">
-                <a16:creationId xmlns:a16="http://schemas.microsoft.com/office/drawing/2014/main" id="{5AFE3EEF-88F5-60A9-DA94-FE1E016577A7}"/>
-              </a:ext>
-            </a:extLst>
-          </p:cNvPr>
+            <a:endParaRPr lang="zh-CN" altLang="en-US"/>
+          </a:p>
+        </p:txBody>
+      </p:sp>
+      <p:sp>
+        <p:nvSpPr>
+          <p:cNvPr id="4" name="文本占位符 3"/>
           <p:cNvSpPr>
             <a:spLocks noGrp="1"/>
           </p:cNvSpPr>
@@ -2366,18 +2253,13 @@
               <a:rPr lang="zh-CN" altLang="en-US"/>
               <a:t>单击此处编辑母版文本样式</a:t>
             </a:r>
-          </a:p>
-        </p:txBody>
-      </p:sp>
-      <p:sp>
-        <p:nvSpPr>
-          <p:cNvPr id="5" name="日期占位符 4">
-            <a:extLst>
-              <a:ext uri="{FF2B5EF4-FFF2-40B4-BE49-F238E27FC236}">
-                <a16:creationId xmlns:a16="http://schemas.microsoft.com/office/drawing/2014/main" id="{AE4CE174-94D3-BA11-1034-AE1D80FB2FF4}"/>
-              </a:ext>
-            </a:extLst>
-          </p:cNvPr>
+            <a:endParaRPr lang="zh-CN" altLang="en-US"/>
+          </a:p>
+        </p:txBody>
+      </p:sp>
+      <p:sp>
+        <p:nvSpPr>
+          <p:cNvPr id="5" name="日期占位符 4"/>
           <p:cNvSpPr>
             <a:spLocks noGrp="1"/>
           </p:cNvSpPr>
@@ -2392,7 +2274,6 @@
           <a:p>
             <a:fld id="{4E848FD6-CBCA-4798-A37D-E4BA5F032C88}" type="datetimeFigureOut">
               <a:rPr lang="zh-CN" altLang="en-US" smtClean="0"/>
-              <a:t>2024/11/25</a:t>
             </a:fld>
             <a:endParaRPr lang="zh-CN" altLang="en-US"/>
           </a:p>
@@ -2400,13 +2281,7 @@
       </p:sp>
       <p:sp>
         <p:nvSpPr>
-          <p:cNvPr id="6" name="页脚占位符 5">
-            <a:extLst>
-              <a:ext uri="{FF2B5EF4-FFF2-40B4-BE49-F238E27FC236}">
-                <a16:creationId xmlns:a16="http://schemas.microsoft.com/office/drawing/2014/main" id="{4500A8D0-31E6-CF4D-6C99-6926CDB30486}"/>
-              </a:ext>
-            </a:extLst>
-          </p:cNvPr>
+          <p:cNvPr id="6" name="页脚占位符 5"/>
           <p:cNvSpPr>
             <a:spLocks noGrp="1"/>
           </p:cNvSpPr>
@@ -2425,13 +2300,7 @@
       </p:sp>
       <p:sp>
         <p:nvSpPr>
-          <p:cNvPr id="7" name="灯片编号占位符 6">
-            <a:extLst>
-              <a:ext uri="{FF2B5EF4-FFF2-40B4-BE49-F238E27FC236}">
-                <a16:creationId xmlns:a16="http://schemas.microsoft.com/office/drawing/2014/main" id="{5488F2A0-AA54-B744-5880-21F8FF72D499}"/>
-              </a:ext>
-            </a:extLst>
-          </p:cNvPr>
+          <p:cNvPr id="7" name="灯片编号占位符 6"/>
           <p:cNvSpPr>
             <a:spLocks noGrp="1"/>
           </p:cNvSpPr>
@@ -2446,18 +2315,2087 @@
           <a:p>
             <a:fld id="{FFE16F4A-DE78-4E18-AF46-8EE1141811D1}" type="slidenum">
               <a:rPr lang="zh-CN" altLang="en-US" smtClean="0"/>
-              <a:t>‹#›</a:t>
             </a:fld>
             <a:endParaRPr lang="zh-CN" altLang="en-US"/>
           </a:p>
         </p:txBody>
       </p:sp>
     </p:spTree>
-    <p:extLst>
-      <p:ext uri="{BB962C8B-B14F-4D97-AF65-F5344CB8AC3E}">
-        <p14:creationId xmlns:p14="http://schemas.microsoft.com/office/powerpoint/2010/main" val="2195813575"/>
-      </p:ext>
-    </p:extLst>
+  </p:cSld>
+  <p:clrMapOvr>
+    <a:masterClrMapping/>
+  </p:clrMapOvr>
+</p:sldLayout>
+</file>
+
+<file path=ppt/slideLayouts/slideLayout2.xml><?xml version="1.0" encoding="utf-8"?>
+<p:sldLayout xmlns:a="http://schemas.openxmlformats.org/drawingml/2006/main" xmlns:r="http://schemas.openxmlformats.org/officeDocument/2006/relationships" xmlns:p="http://schemas.openxmlformats.org/presentationml/2006/main" type="obj" preserve="1">
+  <p:cSld name="标题和内容">
+    <p:spTree>
+      <p:nvGrpSpPr>
+        <p:cNvPr id="1" name=""/>
+        <p:cNvGrpSpPr/>
+        <p:nvPr/>
+      </p:nvGrpSpPr>
+      <p:grpSpPr>
+        <a:xfrm>
+          <a:off x="0" y="0"/>
+          <a:ext cx="0" cy="0"/>
+          <a:chOff x="0" y="0"/>
+          <a:chExt cx="0" cy="0"/>
+        </a:xfrm>
+      </p:grpSpPr>
+      <p:sp>
+        <p:nvSpPr>
+          <p:cNvPr id="2" name="标题 1"/>
+          <p:cNvSpPr>
+            <a:spLocks noGrp="1"/>
+          </p:cNvSpPr>
+          <p:nvPr>
+            <p:ph type="title"/>
+          </p:nvPr>
+        </p:nvSpPr>
+        <p:spPr/>
+        <p:txBody>
+          <a:bodyPr/>
+          <a:lstStyle/>
+          <a:p>
+            <a:r>
+              <a:rPr lang="zh-CN" altLang="en-US"/>
+              <a:t>单击此处编辑母版标题样式</a:t>
+            </a:r>
+            <a:endParaRPr lang="zh-CN" altLang="en-US"/>
+          </a:p>
+        </p:txBody>
+      </p:sp>
+      <p:sp>
+        <p:nvSpPr>
+          <p:cNvPr id="3" name="内容占位符 2"/>
+          <p:cNvSpPr>
+            <a:spLocks noGrp="1"/>
+          </p:cNvSpPr>
+          <p:nvPr>
+            <p:ph idx="1"/>
+          </p:nvPr>
+        </p:nvSpPr>
+        <p:spPr/>
+        <p:txBody>
+          <a:bodyPr/>
+          <a:lstStyle/>
+          <a:p>
+            <a:pPr lvl="0"/>
+            <a:r>
+              <a:rPr lang="zh-CN" altLang="en-US"/>
+              <a:t>单击此处编辑母版文本样式</a:t>
+            </a:r>
+            <a:endParaRPr lang="zh-CN" altLang="en-US"/>
+          </a:p>
+          <a:p>
+            <a:pPr lvl="1"/>
+            <a:r>
+              <a:rPr lang="zh-CN" altLang="en-US"/>
+              <a:t>二级</a:t>
+            </a:r>
+            <a:endParaRPr lang="zh-CN" altLang="en-US"/>
+          </a:p>
+          <a:p>
+            <a:pPr lvl="2"/>
+            <a:r>
+              <a:rPr lang="zh-CN" altLang="en-US"/>
+              <a:t>三级</a:t>
+            </a:r>
+            <a:endParaRPr lang="zh-CN" altLang="en-US"/>
+          </a:p>
+          <a:p>
+            <a:pPr lvl="3"/>
+            <a:r>
+              <a:rPr lang="zh-CN" altLang="en-US"/>
+              <a:t>四级</a:t>
+            </a:r>
+            <a:endParaRPr lang="zh-CN" altLang="en-US"/>
+          </a:p>
+          <a:p>
+            <a:pPr lvl="4"/>
+            <a:r>
+              <a:rPr lang="zh-CN" altLang="en-US"/>
+              <a:t>五级</a:t>
+            </a:r>
+            <a:endParaRPr lang="zh-CN" altLang="en-US"/>
+          </a:p>
+        </p:txBody>
+      </p:sp>
+      <p:sp>
+        <p:nvSpPr>
+          <p:cNvPr id="4" name="日期占位符 3"/>
+          <p:cNvSpPr>
+            <a:spLocks noGrp="1"/>
+          </p:cNvSpPr>
+          <p:nvPr>
+            <p:ph type="dt" sz="half" idx="10"/>
+          </p:nvPr>
+        </p:nvSpPr>
+        <p:spPr/>
+        <p:txBody>
+          <a:bodyPr/>
+          <a:lstStyle/>
+          <a:p>
+            <a:fld id="{4E848FD6-CBCA-4798-A37D-E4BA5F032C88}" type="datetimeFigureOut">
+              <a:rPr lang="zh-CN" altLang="en-US" smtClean="0"/>
+            </a:fld>
+            <a:endParaRPr lang="zh-CN" altLang="en-US"/>
+          </a:p>
+        </p:txBody>
+      </p:sp>
+      <p:sp>
+        <p:nvSpPr>
+          <p:cNvPr id="5" name="页脚占位符 4"/>
+          <p:cNvSpPr>
+            <a:spLocks noGrp="1"/>
+          </p:cNvSpPr>
+          <p:nvPr>
+            <p:ph type="ftr" sz="quarter" idx="11"/>
+          </p:nvPr>
+        </p:nvSpPr>
+        <p:spPr/>
+        <p:txBody>
+          <a:bodyPr/>
+          <a:lstStyle/>
+          <a:p>
+            <a:endParaRPr lang="zh-CN" altLang="en-US"/>
+          </a:p>
+        </p:txBody>
+      </p:sp>
+      <p:sp>
+        <p:nvSpPr>
+          <p:cNvPr id="6" name="灯片编号占位符 5"/>
+          <p:cNvSpPr>
+            <a:spLocks noGrp="1"/>
+          </p:cNvSpPr>
+          <p:nvPr>
+            <p:ph type="sldNum" sz="quarter" idx="12"/>
+          </p:nvPr>
+        </p:nvSpPr>
+        <p:spPr/>
+        <p:txBody>
+          <a:bodyPr/>
+          <a:lstStyle/>
+          <a:p>
+            <a:fld id="{FFE16F4A-DE78-4E18-AF46-8EE1141811D1}" type="slidenum">
+              <a:rPr lang="zh-CN" altLang="en-US" smtClean="0"/>
+            </a:fld>
+            <a:endParaRPr lang="zh-CN" altLang="en-US"/>
+          </a:p>
+        </p:txBody>
+      </p:sp>
+    </p:spTree>
+  </p:cSld>
+  <p:clrMapOvr>
+    <a:masterClrMapping/>
+  </p:clrMapOvr>
+</p:sldLayout>
+</file>
+
+<file path=ppt/slideLayouts/slideLayout20.xml><?xml version="1.0" encoding="utf-8"?>
+<p:sldLayout xmlns:a="http://schemas.openxmlformats.org/drawingml/2006/main" xmlns:r="http://schemas.openxmlformats.org/officeDocument/2006/relationships" xmlns:p="http://schemas.openxmlformats.org/presentationml/2006/main" type="picTx" preserve="1">
+  <p:cSld name="图片与标题">
+    <p:spTree>
+      <p:nvGrpSpPr>
+        <p:cNvPr id="1" name=""/>
+        <p:cNvGrpSpPr/>
+        <p:nvPr/>
+      </p:nvGrpSpPr>
+      <p:grpSpPr>
+        <a:xfrm>
+          <a:off x="0" y="0"/>
+          <a:ext cx="0" cy="0"/>
+          <a:chOff x="0" y="0"/>
+          <a:chExt cx="0" cy="0"/>
+        </a:xfrm>
+      </p:grpSpPr>
+      <p:sp>
+        <p:nvSpPr>
+          <p:cNvPr id="2" name="标题 1"/>
+          <p:cNvSpPr>
+            <a:spLocks noGrp="1"/>
+          </p:cNvSpPr>
+          <p:nvPr>
+            <p:ph type="title"/>
+          </p:nvPr>
+        </p:nvSpPr>
+        <p:spPr>
+          <a:xfrm>
+            <a:off x="839788" y="457200"/>
+            <a:ext cx="3932237" cy="1600200"/>
+          </a:xfrm>
+        </p:spPr>
+        <p:txBody>
+          <a:bodyPr anchor="b"/>
+          <a:lstStyle>
+            <a:lvl1pPr>
+              <a:defRPr sz="3200"/>
+            </a:lvl1pPr>
+          </a:lstStyle>
+          <a:p>
+            <a:r>
+              <a:rPr lang="zh-CN" altLang="en-US"/>
+              <a:t>单击此处编辑母版标题样式</a:t>
+            </a:r>
+            <a:endParaRPr lang="zh-CN" altLang="en-US"/>
+          </a:p>
+        </p:txBody>
+      </p:sp>
+      <p:sp>
+        <p:nvSpPr>
+          <p:cNvPr id="3" name="图片占位符 2"/>
+          <p:cNvSpPr>
+            <a:spLocks noGrp="1"/>
+          </p:cNvSpPr>
+          <p:nvPr>
+            <p:ph type="pic" idx="1"/>
+          </p:nvPr>
+        </p:nvSpPr>
+        <p:spPr>
+          <a:xfrm>
+            <a:off x="5183188" y="987425"/>
+            <a:ext cx="6172200" cy="4873625"/>
+          </a:xfrm>
+        </p:spPr>
+        <p:txBody>
+          <a:bodyPr/>
+          <a:lstStyle>
+            <a:lvl1pPr marL="0" indent="0">
+              <a:buNone/>
+              <a:defRPr sz="3200"/>
+            </a:lvl1pPr>
+            <a:lvl2pPr marL="457200" indent="0">
+              <a:buNone/>
+              <a:defRPr sz="2800"/>
+            </a:lvl2pPr>
+            <a:lvl3pPr marL="914400" indent="0">
+              <a:buNone/>
+              <a:defRPr sz="2400"/>
+            </a:lvl3pPr>
+            <a:lvl4pPr marL="1371600" indent="0">
+              <a:buNone/>
+              <a:defRPr sz="2000"/>
+            </a:lvl4pPr>
+            <a:lvl5pPr marL="1828800" indent="0">
+              <a:buNone/>
+              <a:defRPr sz="2000"/>
+            </a:lvl5pPr>
+            <a:lvl6pPr marL="2286000" indent="0">
+              <a:buNone/>
+              <a:defRPr sz="2000"/>
+            </a:lvl6pPr>
+            <a:lvl7pPr marL="2743200" indent="0">
+              <a:buNone/>
+              <a:defRPr sz="2000"/>
+            </a:lvl7pPr>
+            <a:lvl8pPr marL="3200400" indent="0">
+              <a:buNone/>
+              <a:defRPr sz="2000"/>
+            </a:lvl8pPr>
+            <a:lvl9pPr marL="3657600" indent="0">
+              <a:buNone/>
+              <a:defRPr sz="2000"/>
+            </a:lvl9pPr>
+          </a:lstStyle>
+          <a:p>
+            <a:endParaRPr lang="zh-CN" altLang="en-US"/>
+          </a:p>
+        </p:txBody>
+      </p:sp>
+      <p:sp>
+        <p:nvSpPr>
+          <p:cNvPr id="4" name="文本占位符 3"/>
+          <p:cNvSpPr>
+            <a:spLocks noGrp="1"/>
+          </p:cNvSpPr>
+          <p:nvPr>
+            <p:ph type="body" sz="half" idx="2"/>
+          </p:nvPr>
+        </p:nvSpPr>
+        <p:spPr>
+          <a:xfrm>
+            <a:off x="839788" y="2057400"/>
+            <a:ext cx="3932237" cy="3811588"/>
+          </a:xfrm>
+        </p:spPr>
+        <p:txBody>
+          <a:bodyPr/>
+          <a:lstStyle>
+            <a:lvl1pPr marL="0" indent="0">
+              <a:buNone/>
+              <a:defRPr sz="1600"/>
+            </a:lvl1pPr>
+            <a:lvl2pPr marL="457200" indent="0">
+              <a:buNone/>
+              <a:defRPr sz="1400"/>
+            </a:lvl2pPr>
+            <a:lvl3pPr marL="914400" indent="0">
+              <a:buNone/>
+              <a:defRPr sz="1200"/>
+            </a:lvl3pPr>
+            <a:lvl4pPr marL="1371600" indent="0">
+              <a:buNone/>
+              <a:defRPr sz="1000"/>
+            </a:lvl4pPr>
+            <a:lvl5pPr marL="1828800" indent="0">
+              <a:buNone/>
+              <a:defRPr sz="1000"/>
+            </a:lvl5pPr>
+            <a:lvl6pPr marL="2286000" indent="0">
+              <a:buNone/>
+              <a:defRPr sz="1000"/>
+            </a:lvl6pPr>
+            <a:lvl7pPr marL="2743200" indent="0">
+              <a:buNone/>
+              <a:defRPr sz="1000"/>
+            </a:lvl7pPr>
+            <a:lvl8pPr marL="3200400" indent="0">
+              <a:buNone/>
+              <a:defRPr sz="1000"/>
+            </a:lvl8pPr>
+            <a:lvl9pPr marL="3657600" indent="0">
+              <a:buNone/>
+              <a:defRPr sz="1000"/>
+            </a:lvl9pPr>
+          </a:lstStyle>
+          <a:p>
+            <a:pPr lvl="0"/>
+            <a:r>
+              <a:rPr lang="zh-CN" altLang="en-US"/>
+              <a:t>单击此处编辑母版文本样式</a:t>
+            </a:r>
+            <a:endParaRPr lang="zh-CN" altLang="en-US"/>
+          </a:p>
+        </p:txBody>
+      </p:sp>
+      <p:sp>
+        <p:nvSpPr>
+          <p:cNvPr id="5" name="日期占位符 4"/>
+          <p:cNvSpPr>
+            <a:spLocks noGrp="1"/>
+          </p:cNvSpPr>
+          <p:nvPr>
+            <p:ph type="dt" sz="half" idx="10"/>
+          </p:nvPr>
+        </p:nvSpPr>
+        <p:spPr/>
+        <p:txBody>
+          <a:bodyPr/>
+          <a:lstStyle/>
+          <a:p>
+            <a:fld id="{4E848FD6-CBCA-4798-A37D-E4BA5F032C88}" type="datetimeFigureOut">
+              <a:rPr lang="zh-CN" altLang="en-US" smtClean="0"/>
+            </a:fld>
+            <a:endParaRPr lang="zh-CN" altLang="en-US"/>
+          </a:p>
+        </p:txBody>
+      </p:sp>
+      <p:sp>
+        <p:nvSpPr>
+          <p:cNvPr id="6" name="页脚占位符 5"/>
+          <p:cNvSpPr>
+            <a:spLocks noGrp="1"/>
+          </p:cNvSpPr>
+          <p:nvPr>
+            <p:ph type="ftr" sz="quarter" idx="11"/>
+          </p:nvPr>
+        </p:nvSpPr>
+        <p:spPr/>
+        <p:txBody>
+          <a:bodyPr/>
+          <a:lstStyle/>
+          <a:p>
+            <a:endParaRPr lang="zh-CN" altLang="en-US"/>
+          </a:p>
+        </p:txBody>
+      </p:sp>
+      <p:sp>
+        <p:nvSpPr>
+          <p:cNvPr id="7" name="灯片编号占位符 6"/>
+          <p:cNvSpPr>
+            <a:spLocks noGrp="1"/>
+          </p:cNvSpPr>
+          <p:nvPr>
+            <p:ph type="sldNum" sz="quarter" idx="12"/>
+          </p:nvPr>
+        </p:nvSpPr>
+        <p:spPr/>
+        <p:txBody>
+          <a:bodyPr/>
+          <a:lstStyle/>
+          <a:p>
+            <a:fld id="{FFE16F4A-DE78-4E18-AF46-8EE1141811D1}" type="slidenum">
+              <a:rPr lang="zh-CN" altLang="en-US" smtClean="0"/>
+            </a:fld>
+            <a:endParaRPr lang="zh-CN" altLang="en-US"/>
+          </a:p>
+        </p:txBody>
+      </p:sp>
+    </p:spTree>
+  </p:cSld>
+  <p:clrMapOvr>
+    <a:masterClrMapping/>
+  </p:clrMapOvr>
+</p:sldLayout>
+</file>
+
+<file path=ppt/slideLayouts/slideLayout21.xml><?xml version="1.0" encoding="utf-8"?>
+<p:sldLayout xmlns:a="http://schemas.openxmlformats.org/drawingml/2006/main" xmlns:r="http://schemas.openxmlformats.org/officeDocument/2006/relationships" xmlns:p="http://schemas.openxmlformats.org/presentationml/2006/main" type="vertTx" preserve="1">
+  <p:cSld name="标题和竖排文字">
+    <p:spTree>
+      <p:nvGrpSpPr>
+        <p:cNvPr id="1" name=""/>
+        <p:cNvGrpSpPr/>
+        <p:nvPr/>
+      </p:nvGrpSpPr>
+      <p:grpSpPr>
+        <a:xfrm>
+          <a:off x="0" y="0"/>
+          <a:ext cx="0" cy="0"/>
+          <a:chOff x="0" y="0"/>
+          <a:chExt cx="0" cy="0"/>
+        </a:xfrm>
+      </p:grpSpPr>
+      <p:sp>
+        <p:nvSpPr>
+          <p:cNvPr id="2" name="标题 1"/>
+          <p:cNvSpPr>
+            <a:spLocks noGrp="1"/>
+          </p:cNvSpPr>
+          <p:nvPr>
+            <p:ph type="title"/>
+          </p:nvPr>
+        </p:nvSpPr>
+        <p:spPr/>
+        <p:txBody>
+          <a:bodyPr/>
+          <a:lstStyle/>
+          <a:p>
+            <a:r>
+              <a:rPr lang="zh-CN" altLang="en-US"/>
+              <a:t>单击此处编辑母版标题样式</a:t>
+            </a:r>
+            <a:endParaRPr lang="zh-CN" altLang="en-US"/>
+          </a:p>
+        </p:txBody>
+      </p:sp>
+      <p:sp>
+        <p:nvSpPr>
+          <p:cNvPr id="3" name="竖排文字占位符 2"/>
+          <p:cNvSpPr>
+            <a:spLocks noGrp="1"/>
+          </p:cNvSpPr>
+          <p:nvPr>
+            <p:ph type="body" orient="vert" idx="1"/>
+          </p:nvPr>
+        </p:nvSpPr>
+        <p:spPr/>
+        <p:txBody>
+          <a:bodyPr vert="eaVert"/>
+          <a:lstStyle/>
+          <a:p>
+            <a:pPr lvl="0"/>
+            <a:r>
+              <a:rPr lang="zh-CN" altLang="en-US"/>
+              <a:t>单击此处编辑母版文本样式</a:t>
+            </a:r>
+            <a:endParaRPr lang="zh-CN" altLang="en-US"/>
+          </a:p>
+          <a:p>
+            <a:pPr lvl="1"/>
+            <a:r>
+              <a:rPr lang="zh-CN" altLang="en-US"/>
+              <a:t>二级</a:t>
+            </a:r>
+            <a:endParaRPr lang="zh-CN" altLang="en-US"/>
+          </a:p>
+          <a:p>
+            <a:pPr lvl="2"/>
+            <a:r>
+              <a:rPr lang="zh-CN" altLang="en-US"/>
+              <a:t>三级</a:t>
+            </a:r>
+            <a:endParaRPr lang="zh-CN" altLang="en-US"/>
+          </a:p>
+          <a:p>
+            <a:pPr lvl="3"/>
+            <a:r>
+              <a:rPr lang="zh-CN" altLang="en-US"/>
+              <a:t>四级</a:t>
+            </a:r>
+            <a:endParaRPr lang="zh-CN" altLang="en-US"/>
+          </a:p>
+          <a:p>
+            <a:pPr lvl="4"/>
+            <a:r>
+              <a:rPr lang="zh-CN" altLang="en-US"/>
+              <a:t>五级</a:t>
+            </a:r>
+            <a:endParaRPr lang="zh-CN" altLang="en-US"/>
+          </a:p>
+        </p:txBody>
+      </p:sp>
+      <p:sp>
+        <p:nvSpPr>
+          <p:cNvPr id="4" name="日期占位符 3"/>
+          <p:cNvSpPr>
+            <a:spLocks noGrp="1"/>
+          </p:cNvSpPr>
+          <p:nvPr>
+            <p:ph type="dt" sz="half" idx="10"/>
+          </p:nvPr>
+        </p:nvSpPr>
+        <p:spPr/>
+        <p:txBody>
+          <a:bodyPr/>
+          <a:lstStyle/>
+          <a:p>
+            <a:fld id="{4E848FD6-CBCA-4798-A37D-E4BA5F032C88}" type="datetimeFigureOut">
+              <a:rPr lang="zh-CN" altLang="en-US" smtClean="0"/>
+            </a:fld>
+            <a:endParaRPr lang="zh-CN" altLang="en-US"/>
+          </a:p>
+        </p:txBody>
+      </p:sp>
+      <p:sp>
+        <p:nvSpPr>
+          <p:cNvPr id="5" name="页脚占位符 4"/>
+          <p:cNvSpPr>
+            <a:spLocks noGrp="1"/>
+          </p:cNvSpPr>
+          <p:nvPr>
+            <p:ph type="ftr" sz="quarter" idx="11"/>
+          </p:nvPr>
+        </p:nvSpPr>
+        <p:spPr/>
+        <p:txBody>
+          <a:bodyPr/>
+          <a:lstStyle/>
+          <a:p>
+            <a:endParaRPr lang="zh-CN" altLang="en-US"/>
+          </a:p>
+        </p:txBody>
+      </p:sp>
+      <p:sp>
+        <p:nvSpPr>
+          <p:cNvPr id="6" name="灯片编号占位符 5"/>
+          <p:cNvSpPr>
+            <a:spLocks noGrp="1"/>
+          </p:cNvSpPr>
+          <p:nvPr>
+            <p:ph type="sldNum" sz="quarter" idx="12"/>
+          </p:nvPr>
+        </p:nvSpPr>
+        <p:spPr/>
+        <p:txBody>
+          <a:bodyPr/>
+          <a:lstStyle/>
+          <a:p>
+            <a:fld id="{FFE16F4A-DE78-4E18-AF46-8EE1141811D1}" type="slidenum">
+              <a:rPr lang="zh-CN" altLang="en-US" smtClean="0"/>
+            </a:fld>
+            <a:endParaRPr lang="zh-CN" altLang="en-US"/>
+          </a:p>
+        </p:txBody>
+      </p:sp>
+    </p:spTree>
+  </p:cSld>
+  <p:clrMapOvr>
+    <a:masterClrMapping/>
+  </p:clrMapOvr>
+</p:sldLayout>
+</file>
+
+<file path=ppt/slideLayouts/slideLayout22.xml><?xml version="1.0" encoding="utf-8"?>
+<p:sldLayout xmlns:a="http://schemas.openxmlformats.org/drawingml/2006/main" xmlns:r="http://schemas.openxmlformats.org/officeDocument/2006/relationships" xmlns:p="http://schemas.openxmlformats.org/presentationml/2006/main" type="vertTitleAndTx" preserve="1">
+  <p:cSld name="竖排标题与文本">
+    <p:spTree>
+      <p:nvGrpSpPr>
+        <p:cNvPr id="1" name=""/>
+        <p:cNvGrpSpPr/>
+        <p:nvPr/>
+      </p:nvGrpSpPr>
+      <p:grpSpPr>
+        <a:xfrm>
+          <a:off x="0" y="0"/>
+          <a:ext cx="0" cy="0"/>
+          <a:chOff x="0" y="0"/>
+          <a:chExt cx="0" cy="0"/>
+        </a:xfrm>
+      </p:grpSpPr>
+      <p:sp>
+        <p:nvSpPr>
+          <p:cNvPr id="2" name="竖排标题 1"/>
+          <p:cNvSpPr>
+            <a:spLocks noGrp="1"/>
+          </p:cNvSpPr>
+          <p:nvPr>
+            <p:ph type="title" orient="vert"/>
+          </p:nvPr>
+        </p:nvSpPr>
+        <p:spPr>
+          <a:xfrm>
+            <a:off x="8724900" y="365125"/>
+            <a:ext cx="2628900" cy="5811838"/>
+          </a:xfrm>
+        </p:spPr>
+        <p:txBody>
+          <a:bodyPr vert="eaVert"/>
+          <a:lstStyle/>
+          <a:p>
+            <a:r>
+              <a:rPr lang="zh-CN" altLang="en-US"/>
+              <a:t>单击此处编辑母版标题样式</a:t>
+            </a:r>
+            <a:endParaRPr lang="zh-CN" altLang="en-US"/>
+          </a:p>
+        </p:txBody>
+      </p:sp>
+      <p:sp>
+        <p:nvSpPr>
+          <p:cNvPr id="3" name="竖排文字占位符 2"/>
+          <p:cNvSpPr>
+            <a:spLocks noGrp="1"/>
+          </p:cNvSpPr>
+          <p:nvPr>
+            <p:ph type="body" orient="vert" idx="1"/>
+          </p:nvPr>
+        </p:nvSpPr>
+        <p:spPr>
+          <a:xfrm>
+            <a:off x="838200" y="365125"/>
+            <a:ext cx="7734300" cy="5811838"/>
+          </a:xfrm>
+        </p:spPr>
+        <p:txBody>
+          <a:bodyPr vert="eaVert"/>
+          <a:lstStyle/>
+          <a:p>
+            <a:pPr lvl="0"/>
+            <a:r>
+              <a:rPr lang="zh-CN" altLang="en-US"/>
+              <a:t>单击此处编辑母版文本样式</a:t>
+            </a:r>
+            <a:endParaRPr lang="zh-CN" altLang="en-US"/>
+          </a:p>
+          <a:p>
+            <a:pPr lvl="1"/>
+            <a:r>
+              <a:rPr lang="zh-CN" altLang="en-US"/>
+              <a:t>二级</a:t>
+            </a:r>
+            <a:endParaRPr lang="zh-CN" altLang="en-US"/>
+          </a:p>
+          <a:p>
+            <a:pPr lvl="2"/>
+            <a:r>
+              <a:rPr lang="zh-CN" altLang="en-US"/>
+              <a:t>三级</a:t>
+            </a:r>
+            <a:endParaRPr lang="zh-CN" altLang="en-US"/>
+          </a:p>
+          <a:p>
+            <a:pPr lvl="3"/>
+            <a:r>
+              <a:rPr lang="zh-CN" altLang="en-US"/>
+              <a:t>四级</a:t>
+            </a:r>
+            <a:endParaRPr lang="zh-CN" altLang="en-US"/>
+          </a:p>
+          <a:p>
+            <a:pPr lvl="4"/>
+            <a:r>
+              <a:rPr lang="zh-CN" altLang="en-US"/>
+              <a:t>五级</a:t>
+            </a:r>
+            <a:endParaRPr lang="zh-CN" altLang="en-US"/>
+          </a:p>
+        </p:txBody>
+      </p:sp>
+      <p:sp>
+        <p:nvSpPr>
+          <p:cNvPr id="4" name="日期占位符 3"/>
+          <p:cNvSpPr>
+            <a:spLocks noGrp="1"/>
+          </p:cNvSpPr>
+          <p:nvPr>
+            <p:ph type="dt" sz="half" idx="10"/>
+          </p:nvPr>
+        </p:nvSpPr>
+        <p:spPr/>
+        <p:txBody>
+          <a:bodyPr/>
+          <a:lstStyle/>
+          <a:p>
+            <a:fld id="{4E848FD6-CBCA-4798-A37D-E4BA5F032C88}" type="datetimeFigureOut">
+              <a:rPr lang="zh-CN" altLang="en-US" smtClean="0"/>
+            </a:fld>
+            <a:endParaRPr lang="zh-CN" altLang="en-US"/>
+          </a:p>
+        </p:txBody>
+      </p:sp>
+      <p:sp>
+        <p:nvSpPr>
+          <p:cNvPr id="5" name="页脚占位符 4"/>
+          <p:cNvSpPr>
+            <a:spLocks noGrp="1"/>
+          </p:cNvSpPr>
+          <p:nvPr>
+            <p:ph type="ftr" sz="quarter" idx="11"/>
+          </p:nvPr>
+        </p:nvSpPr>
+        <p:spPr/>
+        <p:txBody>
+          <a:bodyPr/>
+          <a:lstStyle/>
+          <a:p>
+            <a:endParaRPr lang="zh-CN" altLang="en-US"/>
+          </a:p>
+        </p:txBody>
+      </p:sp>
+      <p:sp>
+        <p:nvSpPr>
+          <p:cNvPr id="6" name="灯片编号占位符 5"/>
+          <p:cNvSpPr>
+            <a:spLocks noGrp="1"/>
+          </p:cNvSpPr>
+          <p:nvPr>
+            <p:ph type="sldNum" sz="quarter" idx="12"/>
+          </p:nvPr>
+        </p:nvSpPr>
+        <p:spPr/>
+        <p:txBody>
+          <a:bodyPr/>
+          <a:lstStyle/>
+          <a:p>
+            <a:fld id="{FFE16F4A-DE78-4E18-AF46-8EE1141811D1}" type="slidenum">
+              <a:rPr lang="zh-CN" altLang="en-US" smtClean="0"/>
+            </a:fld>
+            <a:endParaRPr lang="zh-CN" altLang="en-US"/>
+          </a:p>
+        </p:txBody>
+      </p:sp>
+    </p:spTree>
+  </p:cSld>
+  <p:clrMapOvr>
+    <a:masterClrMapping/>
+  </p:clrMapOvr>
+</p:sldLayout>
+</file>
+
+<file path=ppt/slideLayouts/slideLayout3.xml><?xml version="1.0" encoding="utf-8"?>
+<p:sldLayout xmlns:a="http://schemas.openxmlformats.org/drawingml/2006/main" xmlns:r="http://schemas.openxmlformats.org/officeDocument/2006/relationships" xmlns:p="http://schemas.openxmlformats.org/presentationml/2006/main" type="secHead" preserve="1">
+  <p:cSld name="节标题">
+    <p:spTree>
+      <p:nvGrpSpPr>
+        <p:cNvPr id="1" name=""/>
+        <p:cNvGrpSpPr/>
+        <p:nvPr/>
+      </p:nvGrpSpPr>
+      <p:grpSpPr>
+        <a:xfrm>
+          <a:off x="0" y="0"/>
+          <a:ext cx="0" cy="0"/>
+          <a:chOff x="0" y="0"/>
+          <a:chExt cx="0" cy="0"/>
+        </a:xfrm>
+      </p:grpSpPr>
+      <p:sp>
+        <p:nvSpPr>
+          <p:cNvPr id="2" name="标题 1"/>
+          <p:cNvSpPr>
+            <a:spLocks noGrp="1"/>
+          </p:cNvSpPr>
+          <p:nvPr>
+            <p:ph type="title"/>
+          </p:nvPr>
+        </p:nvSpPr>
+        <p:spPr>
+          <a:xfrm>
+            <a:off x="831850" y="1709738"/>
+            <a:ext cx="10515600" cy="2852737"/>
+          </a:xfrm>
+        </p:spPr>
+        <p:txBody>
+          <a:bodyPr anchor="b"/>
+          <a:lstStyle>
+            <a:lvl1pPr>
+              <a:defRPr sz="6000"/>
+            </a:lvl1pPr>
+          </a:lstStyle>
+          <a:p>
+            <a:r>
+              <a:rPr lang="zh-CN" altLang="en-US"/>
+              <a:t>单击此处编辑母版标题样式</a:t>
+            </a:r>
+            <a:endParaRPr lang="zh-CN" altLang="en-US"/>
+          </a:p>
+        </p:txBody>
+      </p:sp>
+      <p:sp>
+        <p:nvSpPr>
+          <p:cNvPr id="3" name="文本占位符 2"/>
+          <p:cNvSpPr>
+            <a:spLocks noGrp="1"/>
+          </p:cNvSpPr>
+          <p:nvPr>
+            <p:ph type="body" idx="1"/>
+          </p:nvPr>
+        </p:nvSpPr>
+        <p:spPr>
+          <a:xfrm>
+            <a:off x="831850" y="4589463"/>
+            <a:ext cx="10515600" cy="1500187"/>
+          </a:xfrm>
+        </p:spPr>
+        <p:txBody>
+          <a:bodyPr/>
+          <a:lstStyle>
+            <a:lvl1pPr marL="0" indent="0">
+              <a:buNone/>
+              <a:defRPr sz="2400">
+                <a:solidFill>
+                  <a:schemeClr val="tx1">
+                    <a:tint val="75000"/>
+                  </a:schemeClr>
+                </a:solidFill>
+              </a:defRPr>
+            </a:lvl1pPr>
+            <a:lvl2pPr marL="457200" indent="0">
+              <a:buNone/>
+              <a:defRPr sz="2000">
+                <a:solidFill>
+                  <a:schemeClr val="tx1">
+                    <a:tint val="75000"/>
+                  </a:schemeClr>
+                </a:solidFill>
+              </a:defRPr>
+            </a:lvl2pPr>
+            <a:lvl3pPr marL="914400" indent="0">
+              <a:buNone/>
+              <a:defRPr sz="1800">
+                <a:solidFill>
+                  <a:schemeClr val="tx1">
+                    <a:tint val="75000"/>
+                  </a:schemeClr>
+                </a:solidFill>
+              </a:defRPr>
+            </a:lvl3pPr>
+            <a:lvl4pPr marL="1371600" indent="0">
+              <a:buNone/>
+              <a:defRPr sz="1600">
+                <a:solidFill>
+                  <a:schemeClr val="tx1">
+                    <a:tint val="75000"/>
+                  </a:schemeClr>
+                </a:solidFill>
+              </a:defRPr>
+            </a:lvl4pPr>
+            <a:lvl5pPr marL="1828800" indent="0">
+              <a:buNone/>
+              <a:defRPr sz="1600">
+                <a:solidFill>
+                  <a:schemeClr val="tx1">
+                    <a:tint val="75000"/>
+                  </a:schemeClr>
+                </a:solidFill>
+              </a:defRPr>
+            </a:lvl5pPr>
+            <a:lvl6pPr marL="2286000" indent="0">
+              <a:buNone/>
+              <a:defRPr sz="1600">
+                <a:solidFill>
+                  <a:schemeClr val="tx1">
+                    <a:tint val="75000"/>
+                  </a:schemeClr>
+                </a:solidFill>
+              </a:defRPr>
+            </a:lvl6pPr>
+            <a:lvl7pPr marL="2743200" indent="0">
+              <a:buNone/>
+              <a:defRPr sz="1600">
+                <a:solidFill>
+                  <a:schemeClr val="tx1">
+                    <a:tint val="75000"/>
+                  </a:schemeClr>
+                </a:solidFill>
+              </a:defRPr>
+            </a:lvl7pPr>
+            <a:lvl8pPr marL="3200400" indent="0">
+              <a:buNone/>
+              <a:defRPr sz="1600">
+                <a:solidFill>
+                  <a:schemeClr val="tx1">
+                    <a:tint val="75000"/>
+                  </a:schemeClr>
+                </a:solidFill>
+              </a:defRPr>
+            </a:lvl8pPr>
+            <a:lvl9pPr marL="3657600" indent="0">
+              <a:buNone/>
+              <a:defRPr sz="1600">
+                <a:solidFill>
+                  <a:schemeClr val="tx1">
+                    <a:tint val="75000"/>
+                  </a:schemeClr>
+                </a:solidFill>
+              </a:defRPr>
+            </a:lvl9pPr>
+          </a:lstStyle>
+          <a:p>
+            <a:pPr lvl="0"/>
+            <a:r>
+              <a:rPr lang="zh-CN" altLang="en-US"/>
+              <a:t>单击此处编辑母版文本样式</a:t>
+            </a:r>
+            <a:endParaRPr lang="zh-CN" altLang="en-US"/>
+          </a:p>
+        </p:txBody>
+      </p:sp>
+      <p:sp>
+        <p:nvSpPr>
+          <p:cNvPr id="4" name="日期占位符 3"/>
+          <p:cNvSpPr>
+            <a:spLocks noGrp="1"/>
+          </p:cNvSpPr>
+          <p:nvPr>
+            <p:ph type="dt" sz="half" idx="10"/>
+          </p:nvPr>
+        </p:nvSpPr>
+        <p:spPr/>
+        <p:txBody>
+          <a:bodyPr/>
+          <a:lstStyle/>
+          <a:p>
+            <a:fld id="{4E848FD6-CBCA-4798-A37D-E4BA5F032C88}" type="datetimeFigureOut">
+              <a:rPr lang="zh-CN" altLang="en-US" smtClean="0"/>
+            </a:fld>
+            <a:endParaRPr lang="zh-CN" altLang="en-US"/>
+          </a:p>
+        </p:txBody>
+      </p:sp>
+      <p:sp>
+        <p:nvSpPr>
+          <p:cNvPr id="5" name="页脚占位符 4"/>
+          <p:cNvSpPr>
+            <a:spLocks noGrp="1"/>
+          </p:cNvSpPr>
+          <p:nvPr>
+            <p:ph type="ftr" sz="quarter" idx="11"/>
+          </p:nvPr>
+        </p:nvSpPr>
+        <p:spPr/>
+        <p:txBody>
+          <a:bodyPr/>
+          <a:lstStyle/>
+          <a:p>
+            <a:endParaRPr lang="zh-CN" altLang="en-US"/>
+          </a:p>
+        </p:txBody>
+      </p:sp>
+      <p:sp>
+        <p:nvSpPr>
+          <p:cNvPr id="6" name="灯片编号占位符 5"/>
+          <p:cNvSpPr>
+            <a:spLocks noGrp="1"/>
+          </p:cNvSpPr>
+          <p:nvPr>
+            <p:ph type="sldNum" sz="quarter" idx="12"/>
+          </p:nvPr>
+        </p:nvSpPr>
+        <p:spPr/>
+        <p:txBody>
+          <a:bodyPr/>
+          <a:lstStyle/>
+          <a:p>
+            <a:fld id="{FFE16F4A-DE78-4E18-AF46-8EE1141811D1}" type="slidenum">
+              <a:rPr lang="zh-CN" altLang="en-US" smtClean="0"/>
+            </a:fld>
+            <a:endParaRPr lang="zh-CN" altLang="en-US"/>
+          </a:p>
+        </p:txBody>
+      </p:sp>
+    </p:spTree>
+  </p:cSld>
+  <p:clrMapOvr>
+    <a:masterClrMapping/>
+  </p:clrMapOvr>
+</p:sldLayout>
+</file>
+
+<file path=ppt/slideLayouts/slideLayout4.xml><?xml version="1.0" encoding="utf-8"?>
+<p:sldLayout xmlns:a="http://schemas.openxmlformats.org/drawingml/2006/main" xmlns:r="http://schemas.openxmlformats.org/officeDocument/2006/relationships" xmlns:p="http://schemas.openxmlformats.org/presentationml/2006/main" type="twoObj" preserve="1">
+  <p:cSld name="两栏内容">
+    <p:spTree>
+      <p:nvGrpSpPr>
+        <p:cNvPr id="1" name=""/>
+        <p:cNvGrpSpPr/>
+        <p:nvPr/>
+      </p:nvGrpSpPr>
+      <p:grpSpPr>
+        <a:xfrm>
+          <a:off x="0" y="0"/>
+          <a:ext cx="0" cy="0"/>
+          <a:chOff x="0" y="0"/>
+          <a:chExt cx="0" cy="0"/>
+        </a:xfrm>
+      </p:grpSpPr>
+      <p:sp>
+        <p:nvSpPr>
+          <p:cNvPr id="2" name="标题 1"/>
+          <p:cNvSpPr>
+            <a:spLocks noGrp="1"/>
+          </p:cNvSpPr>
+          <p:nvPr>
+            <p:ph type="title"/>
+          </p:nvPr>
+        </p:nvSpPr>
+        <p:spPr/>
+        <p:txBody>
+          <a:bodyPr/>
+          <a:lstStyle/>
+          <a:p>
+            <a:r>
+              <a:rPr lang="zh-CN" altLang="en-US"/>
+              <a:t>单击此处编辑母版标题样式</a:t>
+            </a:r>
+            <a:endParaRPr lang="zh-CN" altLang="en-US"/>
+          </a:p>
+        </p:txBody>
+      </p:sp>
+      <p:sp>
+        <p:nvSpPr>
+          <p:cNvPr id="3" name="内容占位符 2"/>
+          <p:cNvSpPr>
+            <a:spLocks noGrp="1"/>
+          </p:cNvSpPr>
+          <p:nvPr>
+            <p:ph sz="half" idx="1"/>
+          </p:nvPr>
+        </p:nvSpPr>
+        <p:spPr>
+          <a:xfrm>
+            <a:off x="838200" y="1825625"/>
+            <a:ext cx="5181600" cy="4351338"/>
+          </a:xfrm>
+        </p:spPr>
+        <p:txBody>
+          <a:bodyPr/>
+          <a:lstStyle/>
+          <a:p>
+            <a:pPr lvl="0"/>
+            <a:r>
+              <a:rPr lang="zh-CN" altLang="en-US"/>
+              <a:t>单击此处编辑母版文本样式</a:t>
+            </a:r>
+            <a:endParaRPr lang="zh-CN" altLang="en-US"/>
+          </a:p>
+          <a:p>
+            <a:pPr lvl="1"/>
+            <a:r>
+              <a:rPr lang="zh-CN" altLang="en-US"/>
+              <a:t>二级</a:t>
+            </a:r>
+            <a:endParaRPr lang="zh-CN" altLang="en-US"/>
+          </a:p>
+          <a:p>
+            <a:pPr lvl="2"/>
+            <a:r>
+              <a:rPr lang="zh-CN" altLang="en-US"/>
+              <a:t>三级</a:t>
+            </a:r>
+            <a:endParaRPr lang="zh-CN" altLang="en-US"/>
+          </a:p>
+          <a:p>
+            <a:pPr lvl="3"/>
+            <a:r>
+              <a:rPr lang="zh-CN" altLang="en-US"/>
+              <a:t>四级</a:t>
+            </a:r>
+            <a:endParaRPr lang="zh-CN" altLang="en-US"/>
+          </a:p>
+          <a:p>
+            <a:pPr lvl="4"/>
+            <a:r>
+              <a:rPr lang="zh-CN" altLang="en-US"/>
+              <a:t>五级</a:t>
+            </a:r>
+            <a:endParaRPr lang="zh-CN" altLang="en-US"/>
+          </a:p>
+        </p:txBody>
+      </p:sp>
+      <p:sp>
+        <p:nvSpPr>
+          <p:cNvPr id="4" name="内容占位符 3"/>
+          <p:cNvSpPr>
+            <a:spLocks noGrp="1"/>
+          </p:cNvSpPr>
+          <p:nvPr>
+            <p:ph sz="half" idx="2"/>
+          </p:nvPr>
+        </p:nvSpPr>
+        <p:spPr>
+          <a:xfrm>
+            <a:off x="6172200" y="1825625"/>
+            <a:ext cx="5181600" cy="4351338"/>
+          </a:xfrm>
+        </p:spPr>
+        <p:txBody>
+          <a:bodyPr/>
+          <a:lstStyle/>
+          <a:p>
+            <a:pPr lvl="0"/>
+            <a:r>
+              <a:rPr lang="zh-CN" altLang="en-US"/>
+              <a:t>单击此处编辑母版文本样式</a:t>
+            </a:r>
+            <a:endParaRPr lang="zh-CN" altLang="en-US"/>
+          </a:p>
+          <a:p>
+            <a:pPr lvl="1"/>
+            <a:r>
+              <a:rPr lang="zh-CN" altLang="en-US"/>
+              <a:t>二级</a:t>
+            </a:r>
+            <a:endParaRPr lang="zh-CN" altLang="en-US"/>
+          </a:p>
+          <a:p>
+            <a:pPr lvl="2"/>
+            <a:r>
+              <a:rPr lang="zh-CN" altLang="en-US"/>
+              <a:t>三级</a:t>
+            </a:r>
+            <a:endParaRPr lang="zh-CN" altLang="en-US"/>
+          </a:p>
+          <a:p>
+            <a:pPr lvl="3"/>
+            <a:r>
+              <a:rPr lang="zh-CN" altLang="en-US"/>
+              <a:t>四级</a:t>
+            </a:r>
+            <a:endParaRPr lang="zh-CN" altLang="en-US"/>
+          </a:p>
+          <a:p>
+            <a:pPr lvl="4"/>
+            <a:r>
+              <a:rPr lang="zh-CN" altLang="en-US"/>
+              <a:t>五级</a:t>
+            </a:r>
+            <a:endParaRPr lang="zh-CN" altLang="en-US"/>
+          </a:p>
+        </p:txBody>
+      </p:sp>
+      <p:sp>
+        <p:nvSpPr>
+          <p:cNvPr id="5" name="日期占位符 4"/>
+          <p:cNvSpPr>
+            <a:spLocks noGrp="1"/>
+          </p:cNvSpPr>
+          <p:nvPr>
+            <p:ph type="dt" sz="half" idx="10"/>
+          </p:nvPr>
+        </p:nvSpPr>
+        <p:spPr/>
+        <p:txBody>
+          <a:bodyPr/>
+          <a:lstStyle/>
+          <a:p>
+            <a:fld id="{4E848FD6-CBCA-4798-A37D-E4BA5F032C88}" type="datetimeFigureOut">
+              <a:rPr lang="zh-CN" altLang="en-US" smtClean="0"/>
+            </a:fld>
+            <a:endParaRPr lang="zh-CN" altLang="en-US"/>
+          </a:p>
+        </p:txBody>
+      </p:sp>
+      <p:sp>
+        <p:nvSpPr>
+          <p:cNvPr id="6" name="页脚占位符 5"/>
+          <p:cNvSpPr>
+            <a:spLocks noGrp="1"/>
+          </p:cNvSpPr>
+          <p:nvPr>
+            <p:ph type="ftr" sz="quarter" idx="11"/>
+          </p:nvPr>
+        </p:nvSpPr>
+        <p:spPr/>
+        <p:txBody>
+          <a:bodyPr/>
+          <a:lstStyle/>
+          <a:p>
+            <a:endParaRPr lang="zh-CN" altLang="en-US"/>
+          </a:p>
+        </p:txBody>
+      </p:sp>
+      <p:sp>
+        <p:nvSpPr>
+          <p:cNvPr id="7" name="灯片编号占位符 6"/>
+          <p:cNvSpPr>
+            <a:spLocks noGrp="1"/>
+          </p:cNvSpPr>
+          <p:nvPr>
+            <p:ph type="sldNum" sz="quarter" idx="12"/>
+          </p:nvPr>
+        </p:nvSpPr>
+        <p:spPr/>
+        <p:txBody>
+          <a:bodyPr/>
+          <a:lstStyle/>
+          <a:p>
+            <a:fld id="{FFE16F4A-DE78-4E18-AF46-8EE1141811D1}" type="slidenum">
+              <a:rPr lang="zh-CN" altLang="en-US" smtClean="0"/>
+            </a:fld>
+            <a:endParaRPr lang="zh-CN" altLang="en-US"/>
+          </a:p>
+        </p:txBody>
+      </p:sp>
+    </p:spTree>
+  </p:cSld>
+  <p:clrMapOvr>
+    <a:masterClrMapping/>
+  </p:clrMapOvr>
+</p:sldLayout>
+</file>
+
+<file path=ppt/slideLayouts/slideLayout5.xml><?xml version="1.0" encoding="utf-8"?>
+<p:sldLayout xmlns:a="http://schemas.openxmlformats.org/drawingml/2006/main" xmlns:r="http://schemas.openxmlformats.org/officeDocument/2006/relationships" xmlns:p="http://schemas.openxmlformats.org/presentationml/2006/main" type="twoTxTwoObj" preserve="1">
+  <p:cSld name="比较">
+    <p:spTree>
+      <p:nvGrpSpPr>
+        <p:cNvPr id="1" name=""/>
+        <p:cNvGrpSpPr/>
+        <p:nvPr/>
+      </p:nvGrpSpPr>
+      <p:grpSpPr>
+        <a:xfrm>
+          <a:off x="0" y="0"/>
+          <a:ext cx="0" cy="0"/>
+          <a:chOff x="0" y="0"/>
+          <a:chExt cx="0" cy="0"/>
+        </a:xfrm>
+      </p:grpSpPr>
+      <p:sp>
+        <p:nvSpPr>
+          <p:cNvPr id="2" name="标题 1"/>
+          <p:cNvSpPr>
+            <a:spLocks noGrp="1"/>
+          </p:cNvSpPr>
+          <p:nvPr>
+            <p:ph type="title"/>
+          </p:nvPr>
+        </p:nvSpPr>
+        <p:spPr>
+          <a:xfrm>
+            <a:off x="839788" y="365125"/>
+            <a:ext cx="10515600" cy="1325563"/>
+          </a:xfrm>
+        </p:spPr>
+        <p:txBody>
+          <a:bodyPr/>
+          <a:lstStyle/>
+          <a:p>
+            <a:r>
+              <a:rPr lang="zh-CN" altLang="en-US"/>
+              <a:t>单击此处编辑母版标题样式</a:t>
+            </a:r>
+            <a:endParaRPr lang="zh-CN" altLang="en-US"/>
+          </a:p>
+        </p:txBody>
+      </p:sp>
+      <p:sp>
+        <p:nvSpPr>
+          <p:cNvPr id="3" name="文本占位符 2"/>
+          <p:cNvSpPr>
+            <a:spLocks noGrp="1"/>
+          </p:cNvSpPr>
+          <p:nvPr>
+            <p:ph type="body" idx="1"/>
+          </p:nvPr>
+        </p:nvSpPr>
+        <p:spPr>
+          <a:xfrm>
+            <a:off x="839788" y="1681163"/>
+            <a:ext cx="5157787" cy="823912"/>
+          </a:xfrm>
+        </p:spPr>
+        <p:txBody>
+          <a:bodyPr anchor="b"/>
+          <a:lstStyle>
+            <a:lvl1pPr marL="0" indent="0">
+              <a:buNone/>
+              <a:defRPr sz="2400" b="1"/>
+            </a:lvl1pPr>
+            <a:lvl2pPr marL="457200" indent="0">
+              <a:buNone/>
+              <a:defRPr sz="2000" b="1"/>
+            </a:lvl2pPr>
+            <a:lvl3pPr marL="914400" indent="0">
+              <a:buNone/>
+              <a:defRPr sz="1800" b="1"/>
+            </a:lvl3pPr>
+            <a:lvl4pPr marL="1371600" indent="0">
+              <a:buNone/>
+              <a:defRPr sz="1600" b="1"/>
+            </a:lvl4pPr>
+            <a:lvl5pPr marL="1828800" indent="0">
+              <a:buNone/>
+              <a:defRPr sz="1600" b="1"/>
+            </a:lvl5pPr>
+            <a:lvl6pPr marL="2286000" indent="0">
+              <a:buNone/>
+              <a:defRPr sz="1600" b="1"/>
+            </a:lvl6pPr>
+            <a:lvl7pPr marL="2743200" indent="0">
+              <a:buNone/>
+              <a:defRPr sz="1600" b="1"/>
+            </a:lvl7pPr>
+            <a:lvl8pPr marL="3200400" indent="0">
+              <a:buNone/>
+              <a:defRPr sz="1600" b="1"/>
+            </a:lvl8pPr>
+            <a:lvl9pPr marL="3657600" indent="0">
+              <a:buNone/>
+              <a:defRPr sz="1600" b="1"/>
+            </a:lvl9pPr>
+          </a:lstStyle>
+          <a:p>
+            <a:pPr lvl="0"/>
+            <a:r>
+              <a:rPr lang="zh-CN" altLang="en-US"/>
+              <a:t>单击此处编辑母版文本样式</a:t>
+            </a:r>
+            <a:endParaRPr lang="zh-CN" altLang="en-US"/>
+          </a:p>
+        </p:txBody>
+      </p:sp>
+      <p:sp>
+        <p:nvSpPr>
+          <p:cNvPr id="4" name="内容占位符 3"/>
+          <p:cNvSpPr>
+            <a:spLocks noGrp="1"/>
+          </p:cNvSpPr>
+          <p:nvPr>
+            <p:ph sz="half" idx="2"/>
+          </p:nvPr>
+        </p:nvSpPr>
+        <p:spPr>
+          <a:xfrm>
+            <a:off x="839788" y="2505075"/>
+            <a:ext cx="5157787" cy="3684588"/>
+          </a:xfrm>
+        </p:spPr>
+        <p:txBody>
+          <a:bodyPr/>
+          <a:lstStyle/>
+          <a:p>
+            <a:pPr lvl="0"/>
+            <a:r>
+              <a:rPr lang="zh-CN" altLang="en-US"/>
+              <a:t>单击此处编辑母版文本样式</a:t>
+            </a:r>
+            <a:endParaRPr lang="zh-CN" altLang="en-US"/>
+          </a:p>
+          <a:p>
+            <a:pPr lvl="1"/>
+            <a:r>
+              <a:rPr lang="zh-CN" altLang="en-US"/>
+              <a:t>二级</a:t>
+            </a:r>
+            <a:endParaRPr lang="zh-CN" altLang="en-US"/>
+          </a:p>
+          <a:p>
+            <a:pPr lvl="2"/>
+            <a:r>
+              <a:rPr lang="zh-CN" altLang="en-US"/>
+              <a:t>三级</a:t>
+            </a:r>
+            <a:endParaRPr lang="zh-CN" altLang="en-US"/>
+          </a:p>
+          <a:p>
+            <a:pPr lvl="3"/>
+            <a:r>
+              <a:rPr lang="zh-CN" altLang="en-US"/>
+              <a:t>四级</a:t>
+            </a:r>
+            <a:endParaRPr lang="zh-CN" altLang="en-US"/>
+          </a:p>
+          <a:p>
+            <a:pPr lvl="4"/>
+            <a:r>
+              <a:rPr lang="zh-CN" altLang="en-US"/>
+              <a:t>五级</a:t>
+            </a:r>
+            <a:endParaRPr lang="zh-CN" altLang="en-US"/>
+          </a:p>
+        </p:txBody>
+      </p:sp>
+      <p:sp>
+        <p:nvSpPr>
+          <p:cNvPr id="5" name="文本占位符 4"/>
+          <p:cNvSpPr>
+            <a:spLocks noGrp="1"/>
+          </p:cNvSpPr>
+          <p:nvPr>
+            <p:ph type="body" sz="quarter" idx="3"/>
+          </p:nvPr>
+        </p:nvSpPr>
+        <p:spPr>
+          <a:xfrm>
+            <a:off x="6172200" y="1681163"/>
+            <a:ext cx="5183188" cy="823912"/>
+          </a:xfrm>
+        </p:spPr>
+        <p:txBody>
+          <a:bodyPr anchor="b"/>
+          <a:lstStyle>
+            <a:lvl1pPr marL="0" indent="0">
+              <a:buNone/>
+              <a:defRPr sz="2400" b="1"/>
+            </a:lvl1pPr>
+            <a:lvl2pPr marL="457200" indent="0">
+              <a:buNone/>
+              <a:defRPr sz="2000" b="1"/>
+            </a:lvl2pPr>
+            <a:lvl3pPr marL="914400" indent="0">
+              <a:buNone/>
+              <a:defRPr sz="1800" b="1"/>
+            </a:lvl3pPr>
+            <a:lvl4pPr marL="1371600" indent="0">
+              <a:buNone/>
+              <a:defRPr sz="1600" b="1"/>
+            </a:lvl4pPr>
+            <a:lvl5pPr marL="1828800" indent="0">
+              <a:buNone/>
+              <a:defRPr sz="1600" b="1"/>
+            </a:lvl5pPr>
+            <a:lvl6pPr marL="2286000" indent="0">
+              <a:buNone/>
+              <a:defRPr sz="1600" b="1"/>
+            </a:lvl6pPr>
+            <a:lvl7pPr marL="2743200" indent="0">
+              <a:buNone/>
+              <a:defRPr sz="1600" b="1"/>
+            </a:lvl7pPr>
+            <a:lvl8pPr marL="3200400" indent="0">
+              <a:buNone/>
+              <a:defRPr sz="1600" b="1"/>
+            </a:lvl8pPr>
+            <a:lvl9pPr marL="3657600" indent="0">
+              <a:buNone/>
+              <a:defRPr sz="1600" b="1"/>
+            </a:lvl9pPr>
+          </a:lstStyle>
+          <a:p>
+            <a:pPr lvl="0"/>
+            <a:r>
+              <a:rPr lang="zh-CN" altLang="en-US"/>
+              <a:t>单击此处编辑母版文本样式</a:t>
+            </a:r>
+            <a:endParaRPr lang="zh-CN" altLang="en-US"/>
+          </a:p>
+        </p:txBody>
+      </p:sp>
+      <p:sp>
+        <p:nvSpPr>
+          <p:cNvPr id="6" name="内容占位符 5"/>
+          <p:cNvSpPr>
+            <a:spLocks noGrp="1"/>
+          </p:cNvSpPr>
+          <p:nvPr>
+            <p:ph sz="quarter" idx="4"/>
+          </p:nvPr>
+        </p:nvSpPr>
+        <p:spPr>
+          <a:xfrm>
+            <a:off x="6172200" y="2505075"/>
+            <a:ext cx="5183188" cy="3684588"/>
+          </a:xfrm>
+        </p:spPr>
+        <p:txBody>
+          <a:bodyPr/>
+          <a:lstStyle/>
+          <a:p>
+            <a:pPr lvl="0"/>
+            <a:r>
+              <a:rPr lang="zh-CN" altLang="en-US"/>
+              <a:t>单击此处编辑母版文本样式</a:t>
+            </a:r>
+            <a:endParaRPr lang="zh-CN" altLang="en-US"/>
+          </a:p>
+          <a:p>
+            <a:pPr lvl="1"/>
+            <a:r>
+              <a:rPr lang="zh-CN" altLang="en-US"/>
+              <a:t>二级</a:t>
+            </a:r>
+            <a:endParaRPr lang="zh-CN" altLang="en-US"/>
+          </a:p>
+          <a:p>
+            <a:pPr lvl="2"/>
+            <a:r>
+              <a:rPr lang="zh-CN" altLang="en-US"/>
+              <a:t>三级</a:t>
+            </a:r>
+            <a:endParaRPr lang="zh-CN" altLang="en-US"/>
+          </a:p>
+          <a:p>
+            <a:pPr lvl="3"/>
+            <a:r>
+              <a:rPr lang="zh-CN" altLang="en-US"/>
+              <a:t>四级</a:t>
+            </a:r>
+            <a:endParaRPr lang="zh-CN" altLang="en-US"/>
+          </a:p>
+          <a:p>
+            <a:pPr lvl="4"/>
+            <a:r>
+              <a:rPr lang="zh-CN" altLang="en-US"/>
+              <a:t>五级</a:t>
+            </a:r>
+            <a:endParaRPr lang="zh-CN" altLang="en-US"/>
+          </a:p>
+        </p:txBody>
+      </p:sp>
+      <p:sp>
+        <p:nvSpPr>
+          <p:cNvPr id="7" name="日期占位符 6"/>
+          <p:cNvSpPr>
+            <a:spLocks noGrp="1"/>
+          </p:cNvSpPr>
+          <p:nvPr>
+            <p:ph type="dt" sz="half" idx="10"/>
+          </p:nvPr>
+        </p:nvSpPr>
+        <p:spPr/>
+        <p:txBody>
+          <a:bodyPr/>
+          <a:lstStyle/>
+          <a:p>
+            <a:fld id="{4E848FD6-CBCA-4798-A37D-E4BA5F032C88}" type="datetimeFigureOut">
+              <a:rPr lang="zh-CN" altLang="en-US" smtClean="0"/>
+            </a:fld>
+            <a:endParaRPr lang="zh-CN" altLang="en-US"/>
+          </a:p>
+        </p:txBody>
+      </p:sp>
+      <p:sp>
+        <p:nvSpPr>
+          <p:cNvPr id="8" name="页脚占位符 7"/>
+          <p:cNvSpPr>
+            <a:spLocks noGrp="1"/>
+          </p:cNvSpPr>
+          <p:nvPr>
+            <p:ph type="ftr" sz="quarter" idx="11"/>
+          </p:nvPr>
+        </p:nvSpPr>
+        <p:spPr/>
+        <p:txBody>
+          <a:bodyPr/>
+          <a:lstStyle/>
+          <a:p>
+            <a:endParaRPr lang="zh-CN" altLang="en-US"/>
+          </a:p>
+        </p:txBody>
+      </p:sp>
+      <p:sp>
+        <p:nvSpPr>
+          <p:cNvPr id="9" name="灯片编号占位符 8"/>
+          <p:cNvSpPr>
+            <a:spLocks noGrp="1"/>
+          </p:cNvSpPr>
+          <p:nvPr>
+            <p:ph type="sldNum" sz="quarter" idx="12"/>
+          </p:nvPr>
+        </p:nvSpPr>
+        <p:spPr/>
+        <p:txBody>
+          <a:bodyPr/>
+          <a:lstStyle/>
+          <a:p>
+            <a:fld id="{FFE16F4A-DE78-4E18-AF46-8EE1141811D1}" type="slidenum">
+              <a:rPr lang="zh-CN" altLang="en-US" smtClean="0"/>
+            </a:fld>
+            <a:endParaRPr lang="zh-CN" altLang="en-US"/>
+          </a:p>
+        </p:txBody>
+      </p:sp>
+    </p:spTree>
+  </p:cSld>
+  <p:clrMapOvr>
+    <a:masterClrMapping/>
+  </p:clrMapOvr>
+</p:sldLayout>
+</file>
+
+<file path=ppt/slideLayouts/slideLayout6.xml><?xml version="1.0" encoding="utf-8"?>
+<p:sldLayout xmlns:a="http://schemas.openxmlformats.org/drawingml/2006/main" xmlns:r="http://schemas.openxmlformats.org/officeDocument/2006/relationships" xmlns:p="http://schemas.openxmlformats.org/presentationml/2006/main" type="titleOnly" preserve="1">
+  <p:cSld name="仅标题">
+    <p:spTree>
+      <p:nvGrpSpPr>
+        <p:cNvPr id="1" name=""/>
+        <p:cNvGrpSpPr/>
+        <p:nvPr/>
+      </p:nvGrpSpPr>
+      <p:grpSpPr>
+        <a:xfrm>
+          <a:off x="0" y="0"/>
+          <a:ext cx="0" cy="0"/>
+          <a:chOff x="0" y="0"/>
+          <a:chExt cx="0" cy="0"/>
+        </a:xfrm>
+      </p:grpSpPr>
+      <p:sp>
+        <p:nvSpPr>
+          <p:cNvPr id="2" name="标题 1"/>
+          <p:cNvSpPr>
+            <a:spLocks noGrp="1"/>
+          </p:cNvSpPr>
+          <p:nvPr>
+            <p:ph type="title"/>
+          </p:nvPr>
+        </p:nvSpPr>
+        <p:spPr/>
+        <p:txBody>
+          <a:bodyPr/>
+          <a:lstStyle/>
+          <a:p>
+            <a:r>
+              <a:rPr lang="zh-CN" altLang="en-US"/>
+              <a:t>单击此处编辑母版标题样式</a:t>
+            </a:r>
+            <a:endParaRPr lang="zh-CN" altLang="en-US"/>
+          </a:p>
+        </p:txBody>
+      </p:sp>
+      <p:sp>
+        <p:nvSpPr>
+          <p:cNvPr id="3" name="日期占位符 2"/>
+          <p:cNvSpPr>
+            <a:spLocks noGrp="1"/>
+          </p:cNvSpPr>
+          <p:nvPr>
+            <p:ph type="dt" sz="half" idx="10"/>
+          </p:nvPr>
+        </p:nvSpPr>
+        <p:spPr/>
+        <p:txBody>
+          <a:bodyPr/>
+          <a:lstStyle/>
+          <a:p>
+            <a:fld id="{4E848FD6-CBCA-4798-A37D-E4BA5F032C88}" type="datetimeFigureOut">
+              <a:rPr lang="zh-CN" altLang="en-US" smtClean="0"/>
+            </a:fld>
+            <a:endParaRPr lang="zh-CN" altLang="en-US"/>
+          </a:p>
+        </p:txBody>
+      </p:sp>
+      <p:sp>
+        <p:nvSpPr>
+          <p:cNvPr id="4" name="页脚占位符 3"/>
+          <p:cNvSpPr>
+            <a:spLocks noGrp="1"/>
+          </p:cNvSpPr>
+          <p:nvPr>
+            <p:ph type="ftr" sz="quarter" idx="11"/>
+          </p:nvPr>
+        </p:nvSpPr>
+        <p:spPr/>
+        <p:txBody>
+          <a:bodyPr/>
+          <a:lstStyle/>
+          <a:p>
+            <a:endParaRPr lang="zh-CN" altLang="en-US"/>
+          </a:p>
+        </p:txBody>
+      </p:sp>
+      <p:sp>
+        <p:nvSpPr>
+          <p:cNvPr id="5" name="灯片编号占位符 4"/>
+          <p:cNvSpPr>
+            <a:spLocks noGrp="1"/>
+          </p:cNvSpPr>
+          <p:nvPr>
+            <p:ph type="sldNum" sz="quarter" idx="12"/>
+          </p:nvPr>
+        </p:nvSpPr>
+        <p:spPr/>
+        <p:txBody>
+          <a:bodyPr/>
+          <a:lstStyle/>
+          <a:p>
+            <a:fld id="{FFE16F4A-DE78-4E18-AF46-8EE1141811D1}" type="slidenum">
+              <a:rPr lang="zh-CN" altLang="en-US" smtClean="0"/>
+            </a:fld>
+            <a:endParaRPr lang="zh-CN" altLang="en-US"/>
+          </a:p>
+        </p:txBody>
+      </p:sp>
+    </p:spTree>
+  </p:cSld>
+  <p:clrMapOvr>
+    <a:masterClrMapping/>
+  </p:clrMapOvr>
+</p:sldLayout>
+</file>
+
+<file path=ppt/slideLayouts/slideLayout7.xml><?xml version="1.0" encoding="utf-8"?>
+<p:sldLayout xmlns:a="http://schemas.openxmlformats.org/drawingml/2006/main" xmlns:r="http://schemas.openxmlformats.org/officeDocument/2006/relationships" xmlns:p="http://schemas.openxmlformats.org/presentationml/2006/main" type="blank" preserve="1">
+  <p:cSld name="空白">
+    <p:spTree>
+      <p:nvGrpSpPr>
+        <p:cNvPr id="1" name=""/>
+        <p:cNvGrpSpPr/>
+        <p:nvPr/>
+      </p:nvGrpSpPr>
+      <p:grpSpPr>
+        <a:xfrm>
+          <a:off x="0" y="0"/>
+          <a:ext cx="0" cy="0"/>
+          <a:chOff x="0" y="0"/>
+          <a:chExt cx="0" cy="0"/>
+        </a:xfrm>
+      </p:grpSpPr>
+      <p:sp>
+        <p:nvSpPr>
+          <p:cNvPr id="2" name="日期占位符 1"/>
+          <p:cNvSpPr>
+            <a:spLocks noGrp="1"/>
+          </p:cNvSpPr>
+          <p:nvPr>
+            <p:ph type="dt" sz="half" idx="10"/>
+          </p:nvPr>
+        </p:nvSpPr>
+        <p:spPr/>
+        <p:txBody>
+          <a:bodyPr/>
+          <a:lstStyle/>
+          <a:p>
+            <a:fld id="{4E848FD6-CBCA-4798-A37D-E4BA5F032C88}" type="datetimeFigureOut">
+              <a:rPr lang="zh-CN" altLang="en-US" smtClean="0"/>
+            </a:fld>
+            <a:endParaRPr lang="zh-CN" altLang="en-US"/>
+          </a:p>
+        </p:txBody>
+      </p:sp>
+      <p:sp>
+        <p:nvSpPr>
+          <p:cNvPr id="3" name="页脚占位符 2"/>
+          <p:cNvSpPr>
+            <a:spLocks noGrp="1"/>
+          </p:cNvSpPr>
+          <p:nvPr>
+            <p:ph type="ftr" sz="quarter" idx="11"/>
+          </p:nvPr>
+        </p:nvSpPr>
+        <p:spPr/>
+        <p:txBody>
+          <a:bodyPr/>
+          <a:lstStyle/>
+          <a:p>
+            <a:endParaRPr lang="zh-CN" altLang="en-US"/>
+          </a:p>
+        </p:txBody>
+      </p:sp>
+      <p:sp>
+        <p:nvSpPr>
+          <p:cNvPr id="4" name="灯片编号占位符 3"/>
+          <p:cNvSpPr>
+            <a:spLocks noGrp="1"/>
+          </p:cNvSpPr>
+          <p:nvPr>
+            <p:ph type="sldNum" sz="quarter" idx="12"/>
+          </p:nvPr>
+        </p:nvSpPr>
+        <p:spPr/>
+        <p:txBody>
+          <a:bodyPr/>
+          <a:lstStyle/>
+          <a:p>
+            <a:fld id="{FFE16F4A-DE78-4E18-AF46-8EE1141811D1}" type="slidenum">
+              <a:rPr lang="zh-CN" altLang="en-US" smtClean="0"/>
+            </a:fld>
+            <a:endParaRPr lang="zh-CN" altLang="en-US"/>
+          </a:p>
+        </p:txBody>
+      </p:sp>
+    </p:spTree>
+  </p:cSld>
+  <p:clrMapOvr>
+    <a:masterClrMapping/>
+  </p:clrMapOvr>
+</p:sldLayout>
+</file>
+
+<file path=ppt/slideLayouts/slideLayout8.xml><?xml version="1.0" encoding="utf-8"?>
+<p:sldLayout xmlns:a="http://schemas.openxmlformats.org/drawingml/2006/main" xmlns:r="http://schemas.openxmlformats.org/officeDocument/2006/relationships" xmlns:p="http://schemas.openxmlformats.org/presentationml/2006/main" type="objTx" preserve="1">
+  <p:cSld name="内容与标题">
+    <p:spTree>
+      <p:nvGrpSpPr>
+        <p:cNvPr id="1" name=""/>
+        <p:cNvGrpSpPr/>
+        <p:nvPr/>
+      </p:nvGrpSpPr>
+      <p:grpSpPr>
+        <a:xfrm>
+          <a:off x="0" y="0"/>
+          <a:ext cx="0" cy="0"/>
+          <a:chOff x="0" y="0"/>
+          <a:chExt cx="0" cy="0"/>
+        </a:xfrm>
+      </p:grpSpPr>
+      <p:sp>
+        <p:nvSpPr>
+          <p:cNvPr id="2" name="标题 1"/>
+          <p:cNvSpPr>
+            <a:spLocks noGrp="1"/>
+          </p:cNvSpPr>
+          <p:nvPr>
+            <p:ph type="title"/>
+          </p:nvPr>
+        </p:nvSpPr>
+        <p:spPr>
+          <a:xfrm>
+            <a:off x="839788" y="457200"/>
+            <a:ext cx="3932237" cy="1600200"/>
+          </a:xfrm>
+        </p:spPr>
+        <p:txBody>
+          <a:bodyPr anchor="b"/>
+          <a:lstStyle>
+            <a:lvl1pPr>
+              <a:defRPr sz="3200"/>
+            </a:lvl1pPr>
+          </a:lstStyle>
+          <a:p>
+            <a:r>
+              <a:rPr lang="zh-CN" altLang="en-US"/>
+              <a:t>单击此处编辑母版标题样式</a:t>
+            </a:r>
+            <a:endParaRPr lang="zh-CN" altLang="en-US"/>
+          </a:p>
+        </p:txBody>
+      </p:sp>
+      <p:sp>
+        <p:nvSpPr>
+          <p:cNvPr id="3" name="内容占位符 2"/>
+          <p:cNvSpPr>
+            <a:spLocks noGrp="1"/>
+          </p:cNvSpPr>
+          <p:nvPr>
+            <p:ph idx="1"/>
+          </p:nvPr>
+        </p:nvSpPr>
+        <p:spPr>
+          <a:xfrm>
+            <a:off x="5183188" y="987425"/>
+            <a:ext cx="6172200" cy="4873625"/>
+          </a:xfrm>
+        </p:spPr>
+        <p:txBody>
+          <a:bodyPr/>
+          <a:lstStyle>
+            <a:lvl1pPr>
+              <a:defRPr sz="3200"/>
+            </a:lvl1pPr>
+            <a:lvl2pPr>
+              <a:defRPr sz="2800"/>
+            </a:lvl2pPr>
+            <a:lvl3pPr>
+              <a:defRPr sz="2400"/>
+            </a:lvl3pPr>
+            <a:lvl4pPr>
+              <a:defRPr sz="2000"/>
+            </a:lvl4pPr>
+            <a:lvl5pPr>
+              <a:defRPr sz="2000"/>
+            </a:lvl5pPr>
+            <a:lvl6pPr>
+              <a:defRPr sz="2000"/>
+            </a:lvl6pPr>
+            <a:lvl7pPr>
+              <a:defRPr sz="2000"/>
+            </a:lvl7pPr>
+            <a:lvl8pPr>
+              <a:defRPr sz="2000"/>
+            </a:lvl8pPr>
+            <a:lvl9pPr>
+              <a:defRPr sz="2000"/>
+            </a:lvl9pPr>
+          </a:lstStyle>
+          <a:p>
+            <a:pPr lvl="0"/>
+            <a:r>
+              <a:rPr lang="zh-CN" altLang="en-US"/>
+              <a:t>单击此处编辑母版文本样式</a:t>
+            </a:r>
+            <a:endParaRPr lang="zh-CN" altLang="en-US"/>
+          </a:p>
+          <a:p>
+            <a:pPr lvl="1"/>
+            <a:r>
+              <a:rPr lang="zh-CN" altLang="en-US"/>
+              <a:t>二级</a:t>
+            </a:r>
+            <a:endParaRPr lang="zh-CN" altLang="en-US"/>
+          </a:p>
+          <a:p>
+            <a:pPr lvl="2"/>
+            <a:r>
+              <a:rPr lang="zh-CN" altLang="en-US"/>
+              <a:t>三级</a:t>
+            </a:r>
+            <a:endParaRPr lang="zh-CN" altLang="en-US"/>
+          </a:p>
+          <a:p>
+            <a:pPr lvl="3"/>
+            <a:r>
+              <a:rPr lang="zh-CN" altLang="en-US"/>
+              <a:t>四级</a:t>
+            </a:r>
+            <a:endParaRPr lang="zh-CN" altLang="en-US"/>
+          </a:p>
+          <a:p>
+            <a:pPr lvl="4"/>
+            <a:r>
+              <a:rPr lang="zh-CN" altLang="en-US"/>
+              <a:t>五级</a:t>
+            </a:r>
+            <a:endParaRPr lang="zh-CN" altLang="en-US"/>
+          </a:p>
+        </p:txBody>
+      </p:sp>
+      <p:sp>
+        <p:nvSpPr>
+          <p:cNvPr id="4" name="文本占位符 3"/>
+          <p:cNvSpPr>
+            <a:spLocks noGrp="1"/>
+          </p:cNvSpPr>
+          <p:nvPr>
+            <p:ph type="body" sz="half" idx="2"/>
+          </p:nvPr>
+        </p:nvSpPr>
+        <p:spPr>
+          <a:xfrm>
+            <a:off x="839788" y="2057400"/>
+            <a:ext cx="3932237" cy="3811588"/>
+          </a:xfrm>
+        </p:spPr>
+        <p:txBody>
+          <a:bodyPr/>
+          <a:lstStyle>
+            <a:lvl1pPr marL="0" indent="0">
+              <a:buNone/>
+              <a:defRPr sz="1600"/>
+            </a:lvl1pPr>
+            <a:lvl2pPr marL="457200" indent="0">
+              <a:buNone/>
+              <a:defRPr sz="1400"/>
+            </a:lvl2pPr>
+            <a:lvl3pPr marL="914400" indent="0">
+              <a:buNone/>
+              <a:defRPr sz="1200"/>
+            </a:lvl3pPr>
+            <a:lvl4pPr marL="1371600" indent="0">
+              <a:buNone/>
+              <a:defRPr sz="1000"/>
+            </a:lvl4pPr>
+            <a:lvl5pPr marL="1828800" indent="0">
+              <a:buNone/>
+              <a:defRPr sz="1000"/>
+            </a:lvl5pPr>
+            <a:lvl6pPr marL="2286000" indent="0">
+              <a:buNone/>
+              <a:defRPr sz="1000"/>
+            </a:lvl6pPr>
+            <a:lvl7pPr marL="2743200" indent="0">
+              <a:buNone/>
+              <a:defRPr sz="1000"/>
+            </a:lvl7pPr>
+            <a:lvl8pPr marL="3200400" indent="0">
+              <a:buNone/>
+              <a:defRPr sz="1000"/>
+            </a:lvl8pPr>
+            <a:lvl9pPr marL="3657600" indent="0">
+              <a:buNone/>
+              <a:defRPr sz="1000"/>
+            </a:lvl9pPr>
+          </a:lstStyle>
+          <a:p>
+            <a:pPr lvl="0"/>
+            <a:r>
+              <a:rPr lang="zh-CN" altLang="en-US"/>
+              <a:t>单击此处编辑母版文本样式</a:t>
+            </a:r>
+            <a:endParaRPr lang="zh-CN" altLang="en-US"/>
+          </a:p>
+        </p:txBody>
+      </p:sp>
+      <p:sp>
+        <p:nvSpPr>
+          <p:cNvPr id="5" name="日期占位符 4"/>
+          <p:cNvSpPr>
+            <a:spLocks noGrp="1"/>
+          </p:cNvSpPr>
+          <p:nvPr>
+            <p:ph type="dt" sz="half" idx="10"/>
+          </p:nvPr>
+        </p:nvSpPr>
+        <p:spPr/>
+        <p:txBody>
+          <a:bodyPr/>
+          <a:lstStyle/>
+          <a:p>
+            <a:fld id="{4E848FD6-CBCA-4798-A37D-E4BA5F032C88}" type="datetimeFigureOut">
+              <a:rPr lang="zh-CN" altLang="en-US" smtClean="0"/>
+            </a:fld>
+            <a:endParaRPr lang="zh-CN" altLang="en-US"/>
+          </a:p>
+        </p:txBody>
+      </p:sp>
+      <p:sp>
+        <p:nvSpPr>
+          <p:cNvPr id="6" name="页脚占位符 5"/>
+          <p:cNvSpPr>
+            <a:spLocks noGrp="1"/>
+          </p:cNvSpPr>
+          <p:nvPr>
+            <p:ph type="ftr" sz="quarter" idx="11"/>
+          </p:nvPr>
+        </p:nvSpPr>
+        <p:spPr/>
+        <p:txBody>
+          <a:bodyPr/>
+          <a:lstStyle/>
+          <a:p>
+            <a:endParaRPr lang="zh-CN" altLang="en-US"/>
+          </a:p>
+        </p:txBody>
+      </p:sp>
+      <p:sp>
+        <p:nvSpPr>
+          <p:cNvPr id="7" name="灯片编号占位符 6"/>
+          <p:cNvSpPr>
+            <a:spLocks noGrp="1"/>
+          </p:cNvSpPr>
+          <p:nvPr>
+            <p:ph type="sldNum" sz="quarter" idx="12"/>
+          </p:nvPr>
+        </p:nvSpPr>
+        <p:spPr/>
+        <p:txBody>
+          <a:bodyPr/>
+          <a:lstStyle/>
+          <a:p>
+            <a:fld id="{FFE16F4A-DE78-4E18-AF46-8EE1141811D1}" type="slidenum">
+              <a:rPr lang="zh-CN" altLang="en-US" smtClean="0"/>
+            </a:fld>
+            <a:endParaRPr lang="zh-CN" altLang="en-US"/>
+          </a:p>
+        </p:txBody>
+      </p:sp>
+    </p:spTree>
   </p:cSld>
   <p:clrMapOvr>
     <a:masterClrMapping/>
@@ -2484,13 +4422,7 @@
       </p:grpSpPr>
       <p:sp>
         <p:nvSpPr>
-          <p:cNvPr id="2" name="标题 1">
-            <a:extLst>
-              <a:ext uri="{FF2B5EF4-FFF2-40B4-BE49-F238E27FC236}">
-                <a16:creationId xmlns:a16="http://schemas.microsoft.com/office/drawing/2014/main" id="{D21A537E-F306-BD1D-4C84-D934F7D88DCB}"/>
-              </a:ext>
-            </a:extLst>
-          </p:cNvPr>
+          <p:cNvPr id="2" name="标题 1"/>
           <p:cNvSpPr>
             <a:spLocks noGrp="1"/>
           </p:cNvSpPr>
@@ -2516,18 +4448,13 @@
               <a:rPr lang="zh-CN" altLang="en-US"/>
               <a:t>单击此处编辑母版标题样式</a:t>
             </a:r>
-          </a:p>
-        </p:txBody>
-      </p:sp>
-      <p:sp>
-        <p:nvSpPr>
-          <p:cNvPr id="3" name="图片占位符 2">
-            <a:extLst>
-              <a:ext uri="{FF2B5EF4-FFF2-40B4-BE49-F238E27FC236}">
-                <a16:creationId xmlns:a16="http://schemas.microsoft.com/office/drawing/2014/main" id="{598DA2AB-66B3-DEAA-F521-F32A50CDF76E}"/>
-              </a:ext>
-            </a:extLst>
-          </p:cNvPr>
+            <a:endParaRPr lang="zh-CN" altLang="en-US"/>
+          </a:p>
+        </p:txBody>
+      </p:sp>
+      <p:sp>
+        <p:nvSpPr>
+          <p:cNvPr id="3" name="图片占位符 2"/>
           <p:cNvSpPr>
             <a:spLocks noGrp="1"/>
           </p:cNvSpPr>
@@ -2588,13 +4515,7 @@
       </p:sp>
       <p:sp>
         <p:nvSpPr>
-          <p:cNvPr id="4" name="文本占位符 3">
-            <a:extLst>
-              <a:ext uri="{FF2B5EF4-FFF2-40B4-BE49-F238E27FC236}">
-                <a16:creationId xmlns:a16="http://schemas.microsoft.com/office/drawing/2014/main" id="{853AF306-60DB-C652-47F5-54D6435F83B1}"/>
-              </a:ext>
-            </a:extLst>
-          </p:cNvPr>
+          <p:cNvPr id="4" name="文本占位符 3"/>
           <p:cNvSpPr>
             <a:spLocks noGrp="1"/>
           </p:cNvSpPr>
@@ -2654,18 +4575,13 @@
               <a:rPr lang="zh-CN" altLang="en-US"/>
               <a:t>单击此处编辑母版文本样式</a:t>
             </a:r>
-          </a:p>
-        </p:txBody>
-      </p:sp>
-      <p:sp>
-        <p:nvSpPr>
-          <p:cNvPr id="5" name="日期占位符 4">
-            <a:extLst>
-              <a:ext uri="{FF2B5EF4-FFF2-40B4-BE49-F238E27FC236}">
-                <a16:creationId xmlns:a16="http://schemas.microsoft.com/office/drawing/2014/main" id="{5C0D1303-2609-16E3-9836-7721B2AE952B}"/>
-              </a:ext>
-            </a:extLst>
-          </p:cNvPr>
+            <a:endParaRPr lang="zh-CN" altLang="en-US"/>
+          </a:p>
+        </p:txBody>
+      </p:sp>
+      <p:sp>
+        <p:nvSpPr>
+          <p:cNvPr id="5" name="日期占位符 4"/>
           <p:cNvSpPr>
             <a:spLocks noGrp="1"/>
           </p:cNvSpPr>
@@ -2680,7 +4596,6 @@
           <a:p>
             <a:fld id="{4E848FD6-CBCA-4798-A37D-E4BA5F032C88}" type="datetimeFigureOut">
               <a:rPr lang="zh-CN" altLang="en-US" smtClean="0"/>
-              <a:t>2024/11/25</a:t>
             </a:fld>
             <a:endParaRPr lang="zh-CN" altLang="en-US"/>
           </a:p>
@@ -2688,13 +4603,7 @@
       </p:sp>
       <p:sp>
         <p:nvSpPr>
-          <p:cNvPr id="6" name="页脚占位符 5">
-            <a:extLst>
-              <a:ext uri="{FF2B5EF4-FFF2-40B4-BE49-F238E27FC236}">
-                <a16:creationId xmlns:a16="http://schemas.microsoft.com/office/drawing/2014/main" id="{B6DD34C3-101A-03CB-8B5C-CE865C51130C}"/>
-              </a:ext>
-            </a:extLst>
-          </p:cNvPr>
+          <p:cNvPr id="6" name="页脚占位符 5"/>
           <p:cNvSpPr>
             <a:spLocks noGrp="1"/>
           </p:cNvSpPr>
@@ -2713,13 +4622,7 @@
       </p:sp>
       <p:sp>
         <p:nvSpPr>
-          <p:cNvPr id="7" name="灯片编号占位符 6">
-            <a:extLst>
-              <a:ext uri="{FF2B5EF4-FFF2-40B4-BE49-F238E27FC236}">
-                <a16:creationId xmlns:a16="http://schemas.microsoft.com/office/drawing/2014/main" id="{6A39274A-C21E-2B37-8557-B56E60EF63BE}"/>
-              </a:ext>
-            </a:extLst>
-          </p:cNvPr>
+          <p:cNvPr id="7" name="灯片编号占位符 6"/>
           <p:cNvSpPr>
             <a:spLocks noGrp="1"/>
           </p:cNvSpPr>
@@ -2734,18 +4637,12 @@
           <a:p>
             <a:fld id="{FFE16F4A-DE78-4E18-AF46-8EE1141811D1}" type="slidenum">
               <a:rPr lang="zh-CN" altLang="en-US" smtClean="0"/>
-              <a:t>‹#›</a:t>
             </a:fld>
             <a:endParaRPr lang="zh-CN" altLang="en-US"/>
           </a:p>
         </p:txBody>
       </p:sp>
     </p:spTree>
-    <p:extLst>
-      <p:ext uri="{BB962C8B-B14F-4D97-AF65-F5344CB8AC3E}">
-        <p14:creationId xmlns:p14="http://schemas.microsoft.com/office/powerpoint/2010/main" val="3564753647"/>
-      </p:ext>
-    </p:extLst>
   </p:cSld>
   <p:clrMapOvr>
     <a:masterClrMapping/>
@@ -2777,13 +4674,7 @@
       </p:grpSpPr>
       <p:sp>
         <p:nvSpPr>
-          <p:cNvPr id="2" name="标题占位符 1">
-            <a:extLst>
-              <a:ext uri="{FF2B5EF4-FFF2-40B4-BE49-F238E27FC236}">
-                <a16:creationId xmlns:a16="http://schemas.microsoft.com/office/drawing/2014/main" id="{480519DE-2016-2580-4FFF-C985CAC0C2BA}"/>
-              </a:ext>
-            </a:extLst>
-          </p:cNvPr>
+          <p:cNvPr id="2" name="标题占位符 1"/>
           <p:cNvSpPr>
             <a:spLocks noGrp="1"/>
           </p:cNvSpPr>
@@ -2810,18 +4701,13 @@
               <a:rPr lang="zh-CN" altLang="en-US"/>
               <a:t>单击此处编辑母版标题样式</a:t>
             </a:r>
-          </a:p>
-        </p:txBody>
-      </p:sp>
-      <p:sp>
-        <p:nvSpPr>
-          <p:cNvPr id="3" name="文本占位符 2">
-            <a:extLst>
-              <a:ext uri="{FF2B5EF4-FFF2-40B4-BE49-F238E27FC236}">
-                <a16:creationId xmlns:a16="http://schemas.microsoft.com/office/drawing/2014/main" id="{88E3F60C-F38F-193A-3129-31BB5ED97CB4}"/>
-              </a:ext>
-            </a:extLst>
-          </p:cNvPr>
+            <a:endParaRPr lang="zh-CN" altLang="en-US"/>
+          </a:p>
+        </p:txBody>
+      </p:sp>
+      <p:sp>
+        <p:nvSpPr>
+          <p:cNvPr id="3" name="文本占位符 2"/>
           <p:cNvSpPr>
             <a:spLocks noGrp="1"/>
           </p:cNvSpPr>
@@ -2849,6 +4735,7 @@
               <a:rPr lang="zh-CN" altLang="en-US"/>
               <a:t>单击此处编辑母版文本样式</a:t>
             </a:r>
+            <a:endParaRPr lang="zh-CN" altLang="en-US"/>
           </a:p>
           <a:p>
             <a:pPr lvl="1"/>
@@ -2856,6 +4743,7 @@
               <a:rPr lang="zh-CN" altLang="en-US"/>
               <a:t>二级</a:t>
             </a:r>
+            <a:endParaRPr lang="zh-CN" altLang="en-US"/>
           </a:p>
           <a:p>
             <a:pPr lvl="2"/>
@@ -2863,6 +4751,7 @@
               <a:rPr lang="zh-CN" altLang="en-US"/>
               <a:t>三级</a:t>
             </a:r>
+            <a:endParaRPr lang="zh-CN" altLang="en-US"/>
           </a:p>
           <a:p>
             <a:pPr lvl="3"/>
@@ -2870,6 +4759,7 @@
               <a:rPr lang="zh-CN" altLang="en-US"/>
               <a:t>四级</a:t>
             </a:r>
+            <a:endParaRPr lang="zh-CN" altLang="en-US"/>
           </a:p>
           <a:p>
             <a:pPr lvl="4"/>
@@ -2877,18 +4767,13 @@
               <a:rPr lang="zh-CN" altLang="en-US"/>
               <a:t>五级</a:t>
             </a:r>
-          </a:p>
-        </p:txBody>
-      </p:sp>
-      <p:sp>
-        <p:nvSpPr>
-          <p:cNvPr id="4" name="日期占位符 3">
-            <a:extLst>
-              <a:ext uri="{FF2B5EF4-FFF2-40B4-BE49-F238E27FC236}">
-                <a16:creationId xmlns:a16="http://schemas.microsoft.com/office/drawing/2014/main" id="{B97CDDAD-0449-1C39-3AF5-3BDE8093325E}"/>
-              </a:ext>
-            </a:extLst>
-          </p:cNvPr>
+            <a:endParaRPr lang="zh-CN" altLang="en-US"/>
+          </a:p>
+        </p:txBody>
+      </p:sp>
+      <p:sp>
+        <p:nvSpPr>
+          <p:cNvPr id="4" name="日期占位符 3"/>
           <p:cNvSpPr>
             <a:spLocks noGrp="1"/>
           </p:cNvSpPr>
@@ -2921,7 +4806,6 @@
           <a:p>
             <a:fld id="{4E848FD6-CBCA-4798-A37D-E4BA5F032C88}" type="datetimeFigureOut">
               <a:rPr lang="zh-CN" altLang="en-US" smtClean="0"/>
-              <a:t>2024/11/25</a:t>
             </a:fld>
             <a:endParaRPr lang="zh-CN" altLang="en-US"/>
           </a:p>
@@ -2929,13 +4813,7 @@
       </p:sp>
       <p:sp>
         <p:nvSpPr>
-          <p:cNvPr id="5" name="页脚占位符 4">
-            <a:extLst>
-              <a:ext uri="{FF2B5EF4-FFF2-40B4-BE49-F238E27FC236}">
-                <a16:creationId xmlns:a16="http://schemas.microsoft.com/office/drawing/2014/main" id="{D09B76E9-6428-1676-546B-A093E0B8A481}"/>
-              </a:ext>
-            </a:extLst>
-          </p:cNvPr>
+          <p:cNvPr id="5" name="页脚占位符 4"/>
           <p:cNvSpPr>
             <a:spLocks noGrp="1"/>
           </p:cNvSpPr>
@@ -2972,13 +4850,7 @@
       </p:sp>
       <p:sp>
         <p:nvSpPr>
-          <p:cNvPr id="6" name="灯片编号占位符 5">
-            <a:extLst>
-              <a:ext uri="{FF2B5EF4-FFF2-40B4-BE49-F238E27FC236}">
-                <a16:creationId xmlns:a16="http://schemas.microsoft.com/office/drawing/2014/main" id="{A87BB0A2-79E3-4F37-BC60-5E26DFF58ADA}"/>
-              </a:ext>
-            </a:extLst>
-          </p:cNvPr>
+          <p:cNvPr id="6" name="灯片编号占位符 5"/>
           <p:cNvSpPr>
             <a:spLocks noGrp="1"/>
           </p:cNvSpPr>
@@ -3011,18 +4883,12 @@
           <a:p>
             <a:fld id="{FFE16F4A-DE78-4E18-AF46-8EE1141811D1}" type="slidenum">
               <a:rPr lang="zh-CN" altLang="en-US" smtClean="0"/>
-              <a:t>‹#›</a:t>
             </a:fld>
             <a:endParaRPr lang="zh-CN" altLang="en-US"/>
           </a:p>
         </p:txBody>
       </p:sp>
     </p:spTree>
-    <p:extLst>
-      <p:ext uri="{BB962C8B-B14F-4D97-AF65-F5344CB8AC3E}">
-        <p14:creationId xmlns:p14="http://schemas.microsoft.com/office/powerpoint/2010/main" val="196470425"/>
-      </p:ext>
-    </p:extLst>
   </p:cSld>
   <p:clrMap bg1="lt1" tx1="dk1" bg2="lt2" tx2="dk2" accent1="accent1" accent2="accent2" accent3="accent3" accent4="accent4" accent5="accent5" accent6="accent6" hlink="hlink" folHlink="folHlink"/>
   <p:sldLayoutIdLst>
@@ -3037,6 +4903,543 @@
     <p:sldLayoutId id="2147483657" r:id="rId9"/>
     <p:sldLayoutId id="2147483658" r:id="rId10"/>
     <p:sldLayoutId id="2147483659" r:id="rId11"/>
+  </p:sldLayoutIdLst>
+  <p:txStyles>
+    <p:titleStyle>
+      <a:lvl1pPr algn="l" defTabSz="914400" rtl="0" eaLnBrk="1" latinLnBrk="0" hangingPunct="1">
+        <a:lnSpc>
+          <a:spcPct val="90000"/>
+        </a:lnSpc>
+        <a:spcBef>
+          <a:spcPct val="0"/>
+        </a:spcBef>
+        <a:buNone/>
+        <a:defRPr sz="4400" kern="1200">
+          <a:solidFill>
+            <a:schemeClr val="tx1"/>
+          </a:solidFill>
+          <a:latin typeface="+mj-lt"/>
+          <a:ea typeface="+mj-ea"/>
+          <a:cs typeface="+mj-cs"/>
+        </a:defRPr>
+      </a:lvl1pPr>
+    </p:titleStyle>
+    <p:bodyStyle>
+      <a:lvl1pPr marL="228600" indent="-228600" algn="l" defTabSz="914400" rtl="0" eaLnBrk="1" latinLnBrk="0" hangingPunct="1">
+        <a:lnSpc>
+          <a:spcPct val="90000"/>
+        </a:lnSpc>
+        <a:spcBef>
+          <a:spcPts val="1000"/>
+        </a:spcBef>
+        <a:buFont typeface="Arial" panose="020B0604020202020204" pitchFamily="34" charset="0"/>
+        <a:buChar char="•"/>
+        <a:defRPr sz="2800" kern="1200">
+          <a:solidFill>
+            <a:schemeClr val="tx1"/>
+          </a:solidFill>
+          <a:latin typeface="+mn-lt"/>
+          <a:ea typeface="+mn-ea"/>
+          <a:cs typeface="+mn-cs"/>
+        </a:defRPr>
+      </a:lvl1pPr>
+      <a:lvl2pPr marL="685800" indent="-228600" algn="l" defTabSz="914400" rtl="0" eaLnBrk="1" latinLnBrk="0" hangingPunct="1">
+        <a:lnSpc>
+          <a:spcPct val="90000"/>
+        </a:lnSpc>
+        <a:spcBef>
+          <a:spcPts val="500"/>
+        </a:spcBef>
+        <a:buFont typeface="Arial" panose="020B0604020202020204" pitchFamily="34" charset="0"/>
+        <a:buChar char="•"/>
+        <a:defRPr sz="2400" kern="1200">
+          <a:solidFill>
+            <a:schemeClr val="tx1"/>
+          </a:solidFill>
+          <a:latin typeface="+mn-lt"/>
+          <a:ea typeface="+mn-ea"/>
+          <a:cs typeface="+mn-cs"/>
+        </a:defRPr>
+      </a:lvl2pPr>
+      <a:lvl3pPr marL="1143000" indent="-228600" algn="l" defTabSz="914400" rtl="0" eaLnBrk="1" latinLnBrk="0" hangingPunct="1">
+        <a:lnSpc>
+          <a:spcPct val="90000"/>
+        </a:lnSpc>
+        <a:spcBef>
+          <a:spcPts val="500"/>
+        </a:spcBef>
+        <a:buFont typeface="Arial" panose="020B0604020202020204" pitchFamily="34" charset="0"/>
+        <a:buChar char="•"/>
+        <a:defRPr sz="2000" kern="1200">
+          <a:solidFill>
+            <a:schemeClr val="tx1"/>
+          </a:solidFill>
+          <a:latin typeface="+mn-lt"/>
+          <a:ea typeface="+mn-ea"/>
+          <a:cs typeface="+mn-cs"/>
+        </a:defRPr>
+      </a:lvl3pPr>
+      <a:lvl4pPr marL="1600200" indent="-228600" algn="l" defTabSz="914400" rtl="0" eaLnBrk="1" latinLnBrk="0" hangingPunct="1">
+        <a:lnSpc>
+          <a:spcPct val="90000"/>
+        </a:lnSpc>
+        <a:spcBef>
+          <a:spcPts val="500"/>
+        </a:spcBef>
+        <a:buFont typeface="Arial" panose="020B0604020202020204" pitchFamily="34" charset="0"/>
+        <a:buChar char="•"/>
+        <a:defRPr sz="1800" kern="1200">
+          <a:solidFill>
+            <a:schemeClr val="tx1"/>
+          </a:solidFill>
+          <a:latin typeface="+mn-lt"/>
+          <a:ea typeface="+mn-ea"/>
+          <a:cs typeface="+mn-cs"/>
+        </a:defRPr>
+      </a:lvl4pPr>
+      <a:lvl5pPr marL="2057400" indent="-228600" algn="l" defTabSz="914400" rtl="0" eaLnBrk="1" latinLnBrk="0" hangingPunct="1">
+        <a:lnSpc>
+          <a:spcPct val="90000"/>
+        </a:lnSpc>
+        <a:spcBef>
+          <a:spcPts val="500"/>
+        </a:spcBef>
+        <a:buFont typeface="Arial" panose="020B0604020202020204" pitchFamily="34" charset="0"/>
+        <a:buChar char="•"/>
+        <a:defRPr sz="1800" kern="1200">
+          <a:solidFill>
+            <a:schemeClr val="tx1"/>
+          </a:solidFill>
+          <a:latin typeface="+mn-lt"/>
+          <a:ea typeface="+mn-ea"/>
+          <a:cs typeface="+mn-cs"/>
+        </a:defRPr>
+      </a:lvl5pPr>
+      <a:lvl6pPr marL="2514600" indent="-228600" algn="l" defTabSz="914400" rtl="0" eaLnBrk="1" latinLnBrk="0" hangingPunct="1">
+        <a:lnSpc>
+          <a:spcPct val="90000"/>
+        </a:lnSpc>
+        <a:spcBef>
+          <a:spcPts val="500"/>
+        </a:spcBef>
+        <a:buFont typeface="Arial" panose="020B0604020202020204" pitchFamily="34" charset="0"/>
+        <a:buChar char="•"/>
+        <a:defRPr sz="1800" kern="1200">
+          <a:solidFill>
+            <a:schemeClr val="tx1"/>
+          </a:solidFill>
+          <a:latin typeface="+mn-lt"/>
+          <a:ea typeface="+mn-ea"/>
+          <a:cs typeface="+mn-cs"/>
+        </a:defRPr>
+      </a:lvl6pPr>
+      <a:lvl7pPr marL="2971800" indent="-228600" algn="l" defTabSz="914400" rtl="0" eaLnBrk="1" latinLnBrk="0" hangingPunct="1">
+        <a:lnSpc>
+          <a:spcPct val="90000"/>
+        </a:lnSpc>
+        <a:spcBef>
+          <a:spcPts val="500"/>
+        </a:spcBef>
+        <a:buFont typeface="Arial" panose="020B0604020202020204" pitchFamily="34" charset="0"/>
+        <a:buChar char="•"/>
+        <a:defRPr sz="1800" kern="1200">
+          <a:solidFill>
+            <a:schemeClr val="tx1"/>
+          </a:solidFill>
+          <a:latin typeface="+mn-lt"/>
+          <a:ea typeface="+mn-ea"/>
+          <a:cs typeface="+mn-cs"/>
+        </a:defRPr>
+      </a:lvl7pPr>
+      <a:lvl8pPr marL="3429000" indent="-228600" algn="l" defTabSz="914400" rtl="0" eaLnBrk="1" latinLnBrk="0" hangingPunct="1">
+        <a:lnSpc>
+          <a:spcPct val="90000"/>
+        </a:lnSpc>
+        <a:spcBef>
+          <a:spcPts val="500"/>
+        </a:spcBef>
+        <a:buFont typeface="Arial" panose="020B0604020202020204" pitchFamily="34" charset="0"/>
+        <a:buChar char="•"/>
+        <a:defRPr sz="1800" kern="1200">
+          <a:solidFill>
+            <a:schemeClr val="tx1"/>
+          </a:solidFill>
+          <a:latin typeface="+mn-lt"/>
+          <a:ea typeface="+mn-ea"/>
+          <a:cs typeface="+mn-cs"/>
+        </a:defRPr>
+      </a:lvl8pPr>
+      <a:lvl9pPr marL="3886200" indent="-228600" algn="l" defTabSz="914400" rtl="0" eaLnBrk="1" latinLnBrk="0" hangingPunct="1">
+        <a:lnSpc>
+          <a:spcPct val="90000"/>
+        </a:lnSpc>
+        <a:spcBef>
+          <a:spcPts val="500"/>
+        </a:spcBef>
+        <a:buFont typeface="Arial" panose="020B0604020202020204" pitchFamily="34" charset="0"/>
+        <a:buChar char="•"/>
+        <a:defRPr sz="1800" kern="1200">
+          <a:solidFill>
+            <a:schemeClr val="tx1"/>
+          </a:solidFill>
+          <a:latin typeface="+mn-lt"/>
+          <a:ea typeface="+mn-ea"/>
+          <a:cs typeface="+mn-cs"/>
+        </a:defRPr>
+      </a:lvl9pPr>
+    </p:bodyStyle>
+    <p:otherStyle>
+      <a:defPPr>
+        <a:defRPr lang="zh-CN"/>
+      </a:defPPr>
+      <a:lvl1pPr marL="0" algn="l" defTabSz="914400" rtl="0" eaLnBrk="1" latinLnBrk="0" hangingPunct="1">
+        <a:defRPr sz="1800" kern="1200">
+          <a:solidFill>
+            <a:schemeClr val="tx1"/>
+          </a:solidFill>
+          <a:latin typeface="+mn-lt"/>
+          <a:ea typeface="+mn-ea"/>
+          <a:cs typeface="+mn-cs"/>
+        </a:defRPr>
+      </a:lvl1pPr>
+      <a:lvl2pPr marL="457200" algn="l" defTabSz="914400" rtl="0" eaLnBrk="1" latinLnBrk="0" hangingPunct="1">
+        <a:defRPr sz="1800" kern="1200">
+          <a:solidFill>
+            <a:schemeClr val="tx1"/>
+          </a:solidFill>
+          <a:latin typeface="+mn-lt"/>
+          <a:ea typeface="+mn-ea"/>
+          <a:cs typeface="+mn-cs"/>
+        </a:defRPr>
+      </a:lvl2pPr>
+      <a:lvl3pPr marL="914400" algn="l" defTabSz="914400" rtl="0" eaLnBrk="1" latinLnBrk="0" hangingPunct="1">
+        <a:defRPr sz="1800" kern="1200">
+          <a:solidFill>
+            <a:schemeClr val="tx1"/>
+          </a:solidFill>
+          <a:latin typeface="+mn-lt"/>
+          <a:ea typeface="+mn-ea"/>
+          <a:cs typeface="+mn-cs"/>
+        </a:defRPr>
+      </a:lvl3pPr>
+      <a:lvl4pPr marL="1371600" algn="l" defTabSz="914400" rtl="0" eaLnBrk="1" latinLnBrk="0" hangingPunct="1">
+        <a:defRPr sz="1800" kern="1200">
+          <a:solidFill>
+            <a:schemeClr val="tx1"/>
+          </a:solidFill>
+          <a:latin typeface="+mn-lt"/>
+          <a:ea typeface="+mn-ea"/>
+          <a:cs typeface="+mn-cs"/>
+        </a:defRPr>
+      </a:lvl4pPr>
+      <a:lvl5pPr marL="1828800" algn="l" defTabSz="914400" rtl="0" eaLnBrk="1" latinLnBrk="0" hangingPunct="1">
+        <a:defRPr sz="1800" kern="1200">
+          <a:solidFill>
+            <a:schemeClr val="tx1"/>
+          </a:solidFill>
+          <a:latin typeface="+mn-lt"/>
+          <a:ea typeface="+mn-ea"/>
+          <a:cs typeface="+mn-cs"/>
+        </a:defRPr>
+      </a:lvl5pPr>
+      <a:lvl6pPr marL="2286000" algn="l" defTabSz="914400" rtl="0" eaLnBrk="1" latinLnBrk="0" hangingPunct="1">
+        <a:defRPr sz="1800" kern="1200">
+          <a:solidFill>
+            <a:schemeClr val="tx1"/>
+          </a:solidFill>
+          <a:latin typeface="+mn-lt"/>
+          <a:ea typeface="+mn-ea"/>
+          <a:cs typeface="+mn-cs"/>
+        </a:defRPr>
+      </a:lvl6pPr>
+      <a:lvl7pPr marL="2743200" algn="l" defTabSz="914400" rtl="0" eaLnBrk="1" latinLnBrk="0" hangingPunct="1">
+        <a:defRPr sz="1800" kern="1200">
+          <a:solidFill>
+            <a:schemeClr val="tx1"/>
+          </a:solidFill>
+          <a:latin typeface="+mn-lt"/>
+          <a:ea typeface="+mn-ea"/>
+          <a:cs typeface="+mn-cs"/>
+        </a:defRPr>
+      </a:lvl7pPr>
+      <a:lvl8pPr marL="3200400" algn="l" defTabSz="914400" rtl="0" eaLnBrk="1" latinLnBrk="0" hangingPunct="1">
+        <a:defRPr sz="1800" kern="1200">
+          <a:solidFill>
+            <a:schemeClr val="tx1"/>
+          </a:solidFill>
+          <a:latin typeface="+mn-lt"/>
+          <a:ea typeface="+mn-ea"/>
+          <a:cs typeface="+mn-cs"/>
+        </a:defRPr>
+      </a:lvl8pPr>
+      <a:lvl9pPr marL="3657600" algn="l" defTabSz="914400" rtl="0" eaLnBrk="1" latinLnBrk="0" hangingPunct="1">
+        <a:defRPr sz="1800" kern="1200">
+          <a:solidFill>
+            <a:schemeClr val="tx1"/>
+          </a:solidFill>
+          <a:latin typeface="+mn-lt"/>
+          <a:ea typeface="+mn-ea"/>
+          <a:cs typeface="+mn-cs"/>
+        </a:defRPr>
+      </a:lvl9pPr>
+    </p:otherStyle>
+  </p:txStyles>
+</p:sldMaster>
+</file>
+
+<file path=ppt/slideMasters/slideMaster2.xml><?xml version="1.0" encoding="utf-8"?>
+<p:sldMaster xmlns:a="http://schemas.openxmlformats.org/drawingml/2006/main" xmlns:r="http://schemas.openxmlformats.org/officeDocument/2006/relationships" xmlns:p="http://schemas.openxmlformats.org/presentationml/2006/main">
+  <p:cSld>
+    <p:bg>
+      <p:bgRef idx="1001">
+        <a:schemeClr val="bg1"/>
+      </p:bgRef>
+    </p:bg>
+    <p:spTree>
+      <p:nvGrpSpPr>
+        <p:cNvPr id="1" name=""/>
+        <p:cNvGrpSpPr/>
+        <p:nvPr/>
+      </p:nvGrpSpPr>
+      <p:grpSpPr>
+        <a:xfrm>
+          <a:off x="0" y="0"/>
+          <a:ext cx="0" cy="0"/>
+          <a:chOff x="0" y="0"/>
+          <a:chExt cx="0" cy="0"/>
+        </a:xfrm>
+      </p:grpSpPr>
+      <p:sp>
+        <p:nvSpPr>
+          <p:cNvPr id="2" name="标题占位符 1"/>
+          <p:cNvSpPr>
+            <a:spLocks noGrp="1"/>
+          </p:cNvSpPr>
+          <p:nvPr>
+            <p:ph type="title"/>
+          </p:nvPr>
+        </p:nvSpPr>
+        <p:spPr>
+          <a:xfrm>
+            <a:off x="838200" y="365125"/>
+            <a:ext cx="10515600" cy="1325563"/>
+          </a:xfrm>
+          <a:prstGeom prst="rect">
+            <a:avLst/>
+          </a:prstGeom>
+        </p:spPr>
+        <p:txBody>
+          <a:bodyPr vert="horz" lIns="91440" tIns="45720" rIns="91440" bIns="45720" rtlCol="0" anchor="ctr">
+            <a:normAutofit/>
+          </a:bodyPr>
+          <a:lstStyle/>
+          <a:p>
+            <a:r>
+              <a:rPr lang="zh-CN" altLang="en-US"/>
+              <a:t>单击此处编辑母版标题样式</a:t>
+            </a:r>
+            <a:endParaRPr lang="zh-CN" altLang="en-US"/>
+          </a:p>
+        </p:txBody>
+      </p:sp>
+      <p:sp>
+        <p:nvSpPr>
+          <p:cNvPr id="3" name="文本占位符 2"/>
+          <p:cNvSpPr>
+            <a:spLocks noGrp="1"/>
+          </p:cNvSpPr>
+          <p:nvPr>
+            <p:ph type="body" idx="1"/>
+          </p:nvPr>
+        </p:nvSpPr>
+        <p:spPr>
+          <a:xfrm>
+            <a:off x="838200" y="1825625"/>
+            <a:ext cx="10515600" cy="4351338"/>
+          </a:xfrm>
+          <a:prstGeom prst="rect">
+            <a:avLst/>
+          </a:prstGeom>
+        </p:spPr>
+        <p:txBody>
+          <a:bodyPr vert="horz" lIns="91440" tIns="45720" rIns="91440" bIns="45720" rtlCol="0">
+            <a:normAutofit/>
+          </a:bodyPr>
+          <a:lstStyle/>
+          <a:p>
+            <a:pPr lvl="0"/>
+            <a:r>
+              <a:rPr lang="zh-CN" altLang="en-US"/>
+              <a:t>单击此处编辑母版文本样式</a:t>
+            </a:r>
+            <a:endParaRPr lang="zh-CN" altLang="en-US"/>
+          </a:p>
+          <a:p>
+            <a:pPr lvl="1"/>
+            <a:r>
+              <a:rPr lang="zh-CN" altLang="en-US"/>
+              <a:t>二级</a:t>
+            </a:r>
+            <a:endParaRPr lang="zh-CN" altLang="en-US"/>
+          </a:p>
+          <a:p>
+            <a:pPr lvl="2"/>
+            <a:r>
+              <a:rPr lang="zh-CN" altLang="en-US"/>
+              <a:t>三级</a:t>
+            </a:r>
+            <a:endParaRPr lang="zh-CN" altLang="en-US"/>
+          </a:p>
+          <a:p>
+            <a:pPr lvl="3"/>
+            <a:r>
+              <a:rPr lang="zh-CN" altLang="en-US"/>
+              <a:t>四级</a:t>
+            </a:r>
+            <a:endParaRPr lang="zh-CN" altLang="en-US"/>
+          </a:p>
+          <a:p>
+            <a:pPr lvl="4"/>
+            <a:r>
+              <a:rPr lang="zh-CN" altLang="en-US"/>
+              <a:t>五级</a:t>
+            </a:r>
+            <a:endParaRPr lang="zh-CN" altLang="en-US"/>
+          </a:p>
+        </p:txBody>
+      </p:sp>
+      <p:sp>
+        <p:nvSpPr>
+          <p:cNvPr id="4" name="日期占位符 3"/>
+          <p:cNvSpPr>
+            <a:spLocks noGrp="1"/>
+          </p:cNvSpPr>
+          <p:nvPr>
+            <p:ph type="dt" sz="half" idx="2"/>
+          </p:nvPr>
+        </p:nvSpPr>
+        <p:spPr>
+          <a:xfrm>
+            <a:off x="838200" y="6356350"/>
+            <a:ext cx="2743200" cy="365125"/>
+          </a:xfrm>
+          <a:prstGeom prst="rect">
+            <a:avLst/>
+          </a:prstGeom>
+        </p:spPr>
+        <p:txBody>
+          <a:bodyPr vert="horz" lIns="91440" tIns="45720" rIns="91440" bIns="45720" rtlCol="0" anchor="ctr"/>
+          <a:lstStyle>
+            <a:lvl1pPr algn="l">
+              <a:defRPr sz="1200">
+                <a:solidFill>
+                  <a:schemeClr val="tx1">
+                    <a:tint val="75000"/>
+                  </a:schemeClr>
+                </a:solidFill>
+              </a:defRPr>
+            </a:lvl1pPr>
+          </a:lstStyle>
+          <a:p>
+            <a:fld id="{4E848FD6-CBCA-4798-A37D-E4BA5F032C88}" type="datetimeFigureOut">
+              <a:rPr lang="zh-CN" altLang="en-US" smtClean="0"/>
+            </a:fld>
+            <a:endParaRPr lang="zh-CN" altLang="en-US"/>
+          </a:p>
+        </p:txBody>
+      </p:sp>
+      <p:sp>
+        <p:nvSpPr>
+          <p:cNvPr id="5" name="页脚占位符 4"/>
+          <p:cNvSpPr>
+            <a:spLocks noGrp="1"/>
+          </p:cNvSpPr>
+          <p:nvPr>
+            <p:ph type="ftr" sz="quarter" idx="3"/>
+          </p:nvPr>
+        </p:nvSpPr>
+        <p:spPr>
+          <a:xfrm>
+            <a:off x="4038600" y="6356350"/>
+            <a:ext cx="4114800" cy="365125"/>
+          </a:xfrm>
+          <a:prstGeom prst="rect">
+            <a:avLst/>
+          </a:prstGeom>
+        </p:spPr>
+        <p:txBody>
+          <a:bodyPr vert="horz" lIns="91440" tIns="45720" rIns="91440" bIns="45720" rtlCol="0" anchor="ctr"/>
+          <a:lstStyle>
+            <a:lvl1pPr algn="ctr">
+              <a:defRPr sz="1200">
+                <a:solidFill>
+                  <a:schemeClr val="tx1">
+                    <a:tint val="75000"/>
+                  </a:schemeClr>
+                </a:solidFill>
+              </a:defRPr>
+            </a:lvl1pPr>
+          </a:lstStyle>
+          <a:p>
+            <a:endParaRPr lang="zh-CN" altLang="en-US"/>
+          </a:p>
+        </p:txBody>
+      </p:sp>
+      <p:sp>
+        <p:nvSpPr>
+          <p:cNvPr id="6" name="灯片编号占位符 5"/>
+          <p:cNvSpPr>
+            <a:spLocks noGrp="1"/>
+          </p:cNvSpPr>
+          <p:nvPr>
+            <p:ph type="sldNum" sz="quarter" idx="4"/>
+          </p:nvPr>
+        </p:nvSpPr>
+        <p:spPr>
+          <a:xfrm>
+            <a:off x="8610600" y="6356350"/>
+            <a:ext cx="2743200" cy="365125"/>
+          </a:xfrm>
+          <a:prstGeom prst="rect">
+            <a:avLst/>
+          </a:prstGeom>
+        </p:spPr>
+        <p:txBody>
+          <a:bodyPr vert="horz" lIns="91440" tIns="45720" rIns="91440" bIns="45720" rtlCol="0" anchor="ctr"/>
+          <a:lstStyle>
+            <a:lvl1pPr algn="r">
+              <a:defRPr sz="1200">
+                <a:solidFill>
+                  <a:schemeClr val="tx1">
+                    <a:tint val="75000"/>
+                  </a:schemeClr>
+                </a:solidFill>
+              </a:defRPr>
+            </a:lvl1pPr>
+          </a:lstStyle>
+          <a:p>
+            <a:fld id="{FFE16F4A-DE78-4E18-AF46-8EE1141811D1}" type="slidenum">
+              <a:rPr lang="zh-CN" altLang="en-US" smtClean="0"/>
+            </a:fld>
+            <a:endParaRPr lang="zh-CN" altLang="en-US"/>
+          </a:p>
+        </p:txBody>
+      </p:sp>
+    </p:spTree>
+  </p:cSld>
+  <p:clrMap bg1="lt1" tx1="dk1" bg2="lt2" tx2="dk2" accent1="accent1" accent2="accent2" accent3="accent3" accent4="accent4" accent5="accent5" accent6="accent6" hlink="hlink" folHlink="folHlink"/>
+  <p:sldLayoutIdLst>
+    <p:sldLayoutId id="2147483661" r:id="rId1"/>
+    <p:sldLayoutId id="2147483662" r:id="rId2"/>
+    <p:sldLayoutId id="2147483663" r:id="rId3"/>
+    <p:sldLayoutId id="2147483664" r:id="rId4"/>
+    <p:sldLayoutId id="2147483665" r:id="rId5"/>
+    <p:sldLayoutId id="2147483666" r:id="rId6"/>
+    <p:sldLayoutId id="2147483667" r:id="rId7"/>
+    <p:sldLayoutId id="2147483668" r:id="rId8"/>
+    <p:sldLayoutId id="2147483669" r:id="rId9"/>
+    <p:sldLayoutId id="2147483670" r:id="rId10"/>
+    <p:sldLayoutId id="2147483671" r:id="rId11"/>
   </p:sldLayoutIdLst>
   <p:txStyles>
     <p:titleStyle>
@@ -3340,13 +5743,7 @@
       </p:grpSpPr>
       <p:sp>
         <p:nvSpPr>
-          <p:cNvPr id="2" name="标题 1">
-            <a:extLst>
-              <a:ext uri="{FF2B5EF4-FFF2-40B4-BE49-F238E27FC236}">
-                <a16:creationId xmlns:a16="http://schemas.microsoft.com/office/drawing/2014/main" id="{21A58FC4-A2B6-AA6A-459C-70DB23889EAB}"/>
-              </a:ext>
-            </a:extLst>
-          </p:cNvPr>
+          <p:cNvPr id="2" name="标题 1"/>
           <p:cNvSpPr>
             <a:spLocks noGrp="1"/>
           </p:cNvSpPr>
@@ -3363,18 +5760,13 @@
               <a:rPr lang="zh-CN" altLang="en-US" dirty="0"/>
               <a:t>响应式编程</a:t>
             </a:r>
-          </a:p>
-        </p:txBody>
-      </p:sp>
-      <p:sp>
-        <p:nvSpPr>
-          <p:cNvPr id="3" name="副标题 2">
-            <a:extLst>
-              <a:ext uri="{FF2B5EF4-FFF2-40B4-BE49-F238E27FC236}">
-                <a16:creationId xmlns:a16="http://schemas.microsoft.com/office/drawing/2014/main" id="{58642772-3ABB-2D1E-3125-31D6E7F86EE6}"/>
-              </a:ext>
-            </a:extLst>
-          </p:cNvPr>
+            <a:endParaRPr lang="zh-CN" altLang="en-US" dirty="0"/>
+          </a:p>
+        </p:txBody>
+      </p:sp>
+      <p:sp>
+        <p:nvSpPr>
+          <p:cNvPr id="3" name="副标题 2"/>
           <p:cNvSpPr>
             <a:spLocks noGrp="1"/>
           </p:cNvSpPr>
@@ -3392,11 +5784,6 @@
         </p:txBody>
       </p:sp>
     </p:spTree>
-    <p:extLst>
-      <p:ext uri="{BB962C8B-B14F-4D97-AF65-F5344CB8AC3E}">
-        <p14:creationId xmlns:p14="http://schemas.microsoft.com/office/powerpoint/2010/main" val="1112888000"/>
-      </p:ext>
-    </p:extLst>
   </p:cSld>
   <p:clrMapOvr>
     <a:masterClrMapping/>
@@ -3423,13 +5810,7 @@
       </p:grpSpPr>
       <p:sp>
         <p:nvSpPr>
-          <p:cNvPr id="4" name="矩形 3">
-            <a:extLst>
-              <a:ext uri="{FF2B5EF4-FFF2-40B4-BE49-F238E27FC236}">
-                <a16:creationId xmlns:a16="http://schemas.microsoft.com/office/drawing/2014/main" id="{745A1949-4526-84D3-BDE1-B065CB1A8123}"/>
-              </a:ext>
-            </a:extLst>
-          </p:cNvPr>
+          <p:cNvPr id="4" name="矩形 3"/>
           <p:cNvSpPr/>
           <p:nvPr/>
         </p:nvSpPr>
@@ -3473,13 +5854,7 @@
       </p:sp>
       <p:sp>
         <p:nvSpPr>
-          <p:cNvPr id="5" name="矩形 4">
-            <a:extLst>
-              <a:ext uri="{FF2B5EF4-FFF2-40B4-BE49-F238E27FC236}">
-                <a16:creationId xmlns:a16="http://schemas.microsoft.com/office/drawing/2014/main" id="{D75F9BDE-A970-B19A-2AFC-0A57E0D9A77E}"/>
-              </a:ext>
-            </a:extLst>
-          </p:cNvPr>
+          <p:cNvPr id="5" name="矩形 4"/>
           <p:cNvSpPr/>
           <p:nvPr/>
         </p:nvSpPr>
@@ -3515,7 +5890,7 @@
             <a:pPr algn="ctr"/>
             <a:r>
               <a:rPr lang="en-US" altLang="zh-CN" dirty="0"/>
-              <a:t>Service A</a:t>
+              <a:t>Service B</a:t>
             </a:r>
             <a:endParaRPr lang="zh-CN" altLang="en-US" dirty="0"/>
           </a:p>
@@ -3523,13 +5898,7 @@
       </p:sp>
       <p:cxnSp>
         <p:nvCxnSpPr>
-          <p:cNvPr id="7" name="直接连接符 6">
-            <a:extLst>
-              <a:ext uri="{FF2B5EF4-FFF2-40B4-BE49-F238E27FC236}">
-                <a16:creationId xmlns:a16="http://schemas.microsoft.com/office/drawing/2014/main" id="{4F5EDD00-9E75-D62F-0CB6-1932FAEB829F}"/>
-              </a:ext>
-            </a:extLst>
-          </p:cNvPr>
+          <p:cNvPr id="7" name="直接连接符 6"/>
           <p:cNvCxnSpPr>
             <a:stCxn id="4" idx="2"/>
           </p:cNvCxnSpPr>
@@ -3561,13 +5930,7 @@
       </p:cxnSp>
       <p:cxnSp>
         <p:nvCxnSpPr>
-          <p:cNvPr id="8" name="直接连接符 7">
-            <a:extLst>
-              <a:ext uri="{FF2B5EF4-FFF2-40B4-BE49-F238E27FC236}">
-                <a16:creationId xmlns:a16="http://schemas.microsoft.com/office/drawing/2014/main" id="{95045C55-37AC-1E18-FC7F-896E8307E270}"/>
-              </a:ext>
-            </a:extLst>
-          </p:cNvPr>
+          <p:cNvPr id="8" name="直接连接符 7"/>
           <p:cNvCxnSpPr/>
           <p:nvPr/>
         </p:nvCxnSpPr>
@@ -3597,13 +5960,7 @@
       </p:cxnSp>
       <p:cxnSp>
         <p:nvCxnSpPr>
-          <p:cNvPr id="10" name="直接箭头连接符 9">
-            <a:extLst>
-              <a:ext uri="{FF2B5EF4-FFF2-40B4-BE49-F238E27FC236}">
-                <a16:creationId xmlns:a16="http://schemas.microsoft.com/office/drawing/2014/main" id="{0A20A8F5-1E5C-812D-85A2-E78F8294144E}"/>
-              </a:ext>
-            </a:extLst>
-          </p:cNvPr>
+          <p:cNvPr id="10" name="直接箭头连接符 9"/>
           <p:cNvCxnSpPr/>
           <p:nvPr/>
         </p:nvCxnSpPr>
@@ -3636,13 +5993,7 @@
       </p:cxnSp>
       <p:sp>
         <p:nvSpPr>
-          <p:cNvPr id="11" name="文本框 10">
-            <a:extLst>
-              <a:ext uri="{FF2B5EF4-FFF2-40B4-BE49-F238E27FC236}">
-                <a16:creationId xmlns:a16="http://schemas.microsoft.com/office/drawing/2014/main" id="{9CCE0AC8-E40E-9DA3-18C0-474D3AC2246F}"/>
-              </a:ext>
-            </a:extLst>
-          </p:cNvPr>
+          <p:cNvPr id="11" name="文本框 10"/>
           <p:cNvSpPr txBox="1"/>
           <p:nvPr/>
         </p:nvSpPr>
@@ -3666,21 +6017,14 @@
               <a:rPr lang="zh-CN" altLang="en-US" dirty="0"/>
               <a:t>请求</a:t>
             </a:r>
+            <a:endParaRPr lang="zh-CN" altLang="en-US" dirty="0"/>
           </a:p>
         </p:txBody>
       </p:sp>
       <p:cxnSp>
         <p:nvCxnSpPr>
-          <p:cNvPr id="12" name="直接箭头连接符 11">
-            <a:extLst>
-              <a:ext uri="{FF2B5EF4-FFF2-40B4-BE49-F238E27FC236}">
-                <a16:creationId xmlns:a16="http://schemas.microsoft.com/office/drawing/2014/main" id="{49356AE1-A3AF-2D11-7CB1-40A2394561B3}"/>
-              </a:ext>
-            </a:extLst>
-          </p:cNvPr>
-          <p:cNvCxnSpPr>
-            <a:cxnSpLocks/>
-          </p:cNvCxnSpPr>
+          <p:cNvPr id="12" name="直接箭头连接符 11"/>
+          <p:cNvCxnSpPr/>
           <p:nvPr/>
         </p:nvCxnSpPr>
         <p:spPr>
@@ -3712,13 +6056,7 @@
       </p:cxnSp>
       <p:sp>
         <p:nvSpPr>
-          <p:cNvPr id="15" name="文本框 14">
-            <a:extLst>
-              <a:ext uri="{FF2B5EF4-FFF2-40B4-BE49-F238E27FC236}">
-                <a16:creationId xmlns:a16="http://schemas.microsoft.com/office/drawing/2014/main" id="{5D0AC9F9-32A4-2D0F-6A22-C48896190CC0}"/>
-              </a:ext>
-            </a:extLst>
-          </p:cNvPr>
+          <p:cNvPr id="15" name="文本框 14"/>
           <p:cNvSpPr txBox="1"/>
           <p:nvPr/>
         </p:nvSpPr>
@@ -3755,6 +6093,7 @@
               <a:rPr lang="en-US" altLang="zh-CN" dirty="0"/>
               <a:t>Thread</a:t>
             </a:r>
+            <a:endParaRPr lang="en-US" altLang="zh-CN" dirty="0"/>
           </a:p>
           <a:p>
             <a:r>
@@ -3767,13 +6106,7 @@
       </p:sp>
       <p:cxnSp>
         <p:nvCxnSpPr>
-          <p:cNvPr id="18" name="直接连接符 17">
-            <a:extLst>
-              <a:ext uri="{FF2B5EF4-FFF2-40B4-BE49-F238E27FC236}">
-                <a16:creationId xmlns:a16="http://schemas.microsoft.com/office/drawing/2014/main" id="{6D0FA039-A444-4F5F-5EC4-3EF43F65A40A}"/>
-              </a:ext>
-            </a:extLst>
-          </p:cNvPr>
+          <p:cNvPr id="18" name="直接连接符 17"/>
           <p:cNvCxnSpPr/>
           <p:nvPr/>
         </p:nvCxnSpPr>
@@ -3803,13 +6136,7 @@
       </p:cxnSp>
       <p:cxnSp>
         <p:nvCxnSpPr>
-          <p:cNvPr id="19" name="直接连接符 18">
-            <a:extLst>
-              <a:ext uri="{FF2B5EF4-FFF2-40B4-BE49-F238E27FC236}">
-                <a16:creationId xmlns:a16="http://schemas.microsoft.com/office/drawing/2014/main" id="{F67F15CF-51AD-F9D7-3186-D8ADEB428656}"/>
-              </a:ext>
-            </a:extLst>
-          </p:cNvPr>
+          <p:cNvPr id="19" name="直接连接符 18"/>
           <p:cNvCxnSpPr/>
           <p:nvPr/>
         </p:nvCxnSpPr>
@@ -3839,13 +6166,7 @@
       </p:cxnSp>
       <p:sp>
         <p:nvSpPr>
-          <p:cNvPr id="20" name="文本框 19">
-            <a:extLst>
-              <a:ext uri="{FF2B5EF4-FFF2-40B4-BE49-F238E27FC236}">
-                <a16:creationId xmlns:a16="http://schemas.microsoft.com/office/drawing/2014/main" id="{0944680C-39EF-92BA-A134-8D3EBE18DF05}"/>
-              </a:ext>
-            </a:extLst>
-          </p:cNvPr>
+          <p:cNvPr id="20" name="文本框 19"/>
           <p:cNvSpPr txBox="1"/>
           <p:nvPr/>
         </p:nvSpPr>
@@ -3875,13 +6196,7 @@
       </p:sp>
       <p:sp>
         <p:nvSpPr>
-          <p:cNvPr id="21" name="文本框 20">
-            <a:extLst>
-              <a:ext uri="{FF2B5EF4-FFF2-40B4-BE49-F238E27FC236}">
-                <a16:creationId xmlns:a16="http://schemas.microsoft.com/office/drawing/2014/main" id="{11B67C37-DA84-5F53-4143-CC751B5AF600}"/>
-              </a:ext>
-            </a:extLst>
-          </p:cNvPr>
+          <p:cNvPr id="21" name="文本框 20"/>
           <p:cNvSpPr txBox="1"/>
           <p:nvPr/>
         </p:nvSpPr>
@@ -3911,13 +6226,7 @@
       </p:sp>
       <p:sp>
         <p:nvSpPr>
-          <p:cNvPr id="22" name="文本框 21">
-            <a:extLst>
-              <a:ext uri="{FF2B5EF4-FFF2-40B4-BE49-F238E27FC236}">
-                <a16:creationId xmlns:a16="http://schemas.microsoft.com/office/drawing/2014/main" id="{6FCBE4A7-BD52-B962-D9AD-F960013065C6}"/>
-              </a:ext>
-            </a:extLst>
-          </p:cNvPr>
+          <p:cNvPr id="22" name="文本框 21"/>
           <p:cNvSpPr txBox="1"/>
           <p:nvPr/>
         </p:nvSpPr>
@@ -3941,6 +6250,7 @@
               <a:rPr lang="en-US" altLang="zh-CN" dirty="0"/>
               <a:t>Processing</a:t>
             </a:r>
+            <a:endParaRPr lang="en-US" altLang="zh-CN" dirty="0"/>
           </a:p>
           <a:p>
             <a:r>
@@ -3952,16 +6262,1251 @@
         </p:txBody>
       </p:sp>
     </p:spTree>
-    <p:extLst>
-      <p:ext uri="{BB962C8B-B14F-4D97-AF65-F5344CB8AC3E}">
-        <p14:creationId xmlns:p14="http://schemas.microsoft.com/office/powerpoint/2010/main" val="2692777719"/>
-      </p:ext>
-    </p:extLst>
   </p:cSld>
   <p:clrMapOvr>
     <a:masterClrMapping/>
   </p:clrMapOvr>
 </p:sld>
+</file>
+
+<file path=ppt/slides/slide3.xml><?xml version="1.0" encoding="utf-8"?>
+<p:sld xmlns:a="http://schemas.openxmlformats.org/drawingml/2006/main" xmlns:r="http://schemas.openxmlformats.org/officeDocument/2006/relationships" xmlns:p="http://schemas.openxmlformats.org/presentationml/2006/main">
+  <p:cSld>
+    <p:spTree>
+      <p:nvGrpSpPr>
+        <p:cNvPr id="1" name=""/>
+        <p:cNvGrpSpPr/>
+        <p:nvPr/>
+      </p:nvGrpSpPr>
+      <p:grpSpPr>
+        <a:xfrm>
+          <a:off x="0" y="0"/>
+          <a:ext cx="0" cy="0"/>
+          <a:chOff x="0" y="0"/>
+          <a:chExt cx="0" cy="0"/>
+        </a:xfrm>
+      </p:grpSpPr>
+      <p:sp>
+        <p:nvSpPr>
+          <p:cNvPr id="4" name="矩形 3"/>
+          <p:cNvSpPr/>
+          <p:nvPr/>
+        </p:nvSpPr>
+        <p:spPr>
+          <a:xfrm>
+            <a:off x="1359877" y="650631"/>
+            <a:ext cx="1992923" cy="844061"/>
+          </a:xfrm>
+          <a:prstGeom prst="rect">
+            <a:avLst/>
+          </a:prstGeom>
+        </p:spPr>
+        <p:style>
+          <a:lnRef idx="2">
+            <a:schemeClr val="accent1">
+              <a:shade val="15000"/>
+            </a:schemeClr>
+          </a:lnRef>
+          <a:fillRef idx="1">
+            <a:schemeClr val="accent1"/>
+          </a:fillRef>
+          <a:effectRef idx="0">
+            <a:schemeClr val="accent1"/>
+          </a:effectRef>
+          <a:fontRef idx="minor">
+            <a:schemeClr val="lt1"/>
+          </a:fontRef>
+        </p:style>
+        <p:txBody>
+          <a:bodyPr rtlCol="0" anchor="ctr"/>
+          <a:lstStyle/>
+          <a:p>
+            <a:pPr algn="ctr"/>
+            <a:r>
+              <a:rPr lang="en-US" altLang="zh-CN" dirty="0"/>
+              <a:t>Service A</a:t>
+            </a:r>
+            <a:endParaRPr lang="zh-CN" altLang="en-US" dirty="0"/>
+          </a:p>
+        </p:txBody>
+      </p:sp>
+      <p:sp>
+        <p:nvSpPr>
+          <p:cNvPr id="5" name="矩形 4"/>
+          <p:cNvSpPr/>
+          <p:nvPr/>
+        </p:nvSpPr>
+        <p:spPr>
+          <a:xfrm>
+            <a:off x="5346555" y="679841"/>
+            <a:ext cx="1992923" cy="844061"/>
+          </a:xfrm>
+          <a:prstGeom prst="rect">
+            <a:avLst/>
+          </a:prstGeom>
+        </p:spPr>
+        <p:style>
+          <a:lnRef idx="2">
+            <a:schemeClr val="accent1">
+              <a:shade val="15000"/>
+            </a:schemeClr>
+          </a:lnRef>
+          <a:fillRef idx="1">
+            <a:schemeClr val="accent1"/>
+          </a:fillRef>
+          <a:effectRef idx="0">
+            <a:schemeClr val="accent1"/>
+          </a:effectRef>
+          <a:fontRef idx="minor">
+            <a:schemeClr val="lt1"/>
+          </a:fontRef>
+        </p:style>
+        <p:txBody>
+          <a:bodyPr rtlCol="0" anchor="ctr"/>
+          <a:lstStyle/>
+          <a:p>
+            <a:pPr algn="ctr"/>
+            <a:r>
+              <a:rPr lang="en-US" altLang="zh-CN" dirty="0"/>
+              <a:t>Service B</a:t>
+            </a:r>
+            <a:endParaRPr lang="zh-CN" altLang="en-US" dirty="0"/>
+          </a:p>
+        </p:txBody>
+      </p:sp>
+      <p:cxnSp>
+        <p:nvCxnSpPr>
+          <p:cNvPr id="7" name="直接连接符 6"/>
+          <p:cNvCxnSpPr>
+            <a:stCxn id="4" idx="2"/>
+          </p:cNvCxnSpPr>
+          <p:nvPr/>
+        </p:nvCxnSpPr>
+        <p:spPr>
+          <a:xfrm>
+            <a:off x="2356339" y="1494692"/>
+            <a:ext cx="11430" cy="4533265"/>
+          </a:xfrm>
+          <a:prstGeom prst="line">
+            <a:avLst/>
+          </a:prstGeom>
+        </p:spPr>
+        <p:style>
+          <a:lnRef idx="3">
+            <a:schemeClr val="accent5"/>
+          </a:lnRef>
+          <a:fillRef idx="0">
+            <a:schemeClr val="accent5"/>
+          </a:fillRef>
+          <a:effectRef idx="2">
+            <a:schemeClr val="accent5"/>
+          </a:effectRef>
+          <a:fontRef idx="minor">
+            <a:schemeClr val="tx1"/>
+          </a:fontRef>
+        </p:style>
+      </p:cxnSp>
+      <p:cxnSp>
+        <p:nvCxnSpPr>
+          <p:cNvPr id="8" name="直接连接符 7"/>
+          <p:cNvCxnSpPr/>
+          <p:nvPr/>
+        </p:nvCxnSpPr>
+        <p:spPr>
+          <a:xfrm>
+            <a:off x="6343017" y="1523902"/>
+            <a:ext cx="4445" cy="4420235"/>
+          </a:xfrm>
+          <a:prstGeom prst="line">
+            <a:avLst/>
+          </a:prstGeom>
+        </p:spPr>
+        <p:style>
+          <a:lnRef idx="3">
+            <a:schemeClr val="accent5"/>
+          </a:lnRef>
+          <a:fillRef idx="0">
+            <a:schemeClr val="accent5"/>
+          </a:fillRef>
+          <a:effectRef idx="2">
+            <a:schemeClr val="accent5"/>
+          </a:effectRef>
+          <a:fontRef idx="minor">
+            <a:schemeClr val="tx1"/>
+          </a:fontRef>
+        </p:style>
+      </p:cxnSp>
+      <p:cxnSp>
+        <p:nvCxnSpPr>
+          <p:cNvPr id="10" name="直接箭头连接符 9"/>
+          <p:cNvCxnSpPr/>
+          <p:nvPr/>
+        </p:nvCxnSpPr>
+        <p:spPr>
+          <a:xfrm>
+            <a:off x="2356338" y="2203938"/>
+            <a:ext cx="3990975" cy="12065"/>
+          </a:xfrm>
+          <a:prstGeom prst="straightConnector1">
+            <a:avLst/>
+          </a:prstGeom>
+          <a:ln>
+            <a:tailEnd type="triangle"/>
+          </a:ln>
+        </p:spPr>
+        <p:style>
+          <a:lnRef idx="2">
+            <a:schemeClr val="accent5"/>
+          </a:lnRef>
+          <a:fillRef idx="0">
+            <a:schemeClr val="accent5"/>
+          </a:fillRef>
+          <a:effectRef idx="1">
+            <a:schemeClr val="accent5"/>
+          </a:effectRef>
+          <a:fontRef idx="minor">
+            <a:schemeClr val="tx1"/>
+          </a:fontRef>
+        </p:style>
+      </p:cxnSp>
+      <p:sp>
+        <p:nvSpPr>
+          <p:cNvPr id="2" name="矩形 1"/>
+          <p:cNvSpPr/>
+          <p:nvPr>
+            <p:custDataLst>
+              <p:tags r:id="rId1"/>
+            </p:custDataLst>
+          </p:nvPr>
+        </p:nvSpPr>
+        <p:spPr>
+          <a:xfrm>
+            <a:off x="9677890" y="679841"/>
+            <a:ext cx="1992923" cy="844061"/>
+          </a:xfrm>
+          <a:prstGeom prst="rect">
+            <a:avLst/>
+          </a:prstGeom>
+        </p:spPr>
+        <p:style>
+          <a:lnRef idx="2">
+            <a:schemeClr val="accent1">
+              <a:shade val="15000"/>
+            </a:schemeClr>
+          </a:lnRef>
+          <a:fillRef idx="1">
+            <a:schemeClr val="accent1"/>
+          </a:fillRef>
+          <a:effectRef idx="0">
+            <a:schemeClr val="accent1"/>
+          </a:effectRef>
+          <a:fontRef idx="minor">
+            <a:schemeClr val="lt1"/>
+          </a:fontRef>
+        </p:style>
+        <p:txBody>
+          <a:bodyPr rtlCol="0" anchor="ctr"/>
+          <a:p>
+            <a:pPr algn="ctr"/>
+            <a:r>
+              <a:rPr lang="en-US" altLang="zh-CN" dirty="0"/>
+              <a:t>Service C</a:t>
+            </a:r>
+            <a:endParaRPr lang="zh-CN" altLang="en-US" dirty="0"/>
+          </a:p>
+        </p:txBody>
+      </p:sp>
+      <p:cxnSp>
+        <p:nvCxnSpPr>
+          <p:cNvPr id="3" name="直接连接符 2"/>
+          <p:cNvCxnSpPr/>
+          <p:nvPr>
+            <p:custDataLst>
+              <p:tags r:id="rId2"/>
+            </p:custDataLst>
+          </p:nvPr>
+        </p:nvCxnSpPr>
+        <p:spPr>
+          <a:xfrm flipH="1">
+            <a:off x="10674351" y="1523902"/>
+            <a:ext cx="1" cy="4114800"/>
+          </a:xfrm>
+          <a:prstGeom prst="line">
+            <a:avLst/>
+          </a:prstGeom>
+        </p:spPr>
+        <p:style>
+          <a:lnRef idx="3">
+            <a:schemeClr val="accent5"/>
+          </a:lnRef>
+          <a:fillRef idx="0">
+            <a:schemeClr val="accent5"/>
+          </a:fillRef>
+          <a:effectRef idx="2">
+            <a:schemeClr val="accent5"/>
+          </a:effectRef>
+          <a:fontRef idx="minor">
+            <a:schemeClr val="tx1"/>
+          </a:fontRef>
+        </p:style>
+      </p:cxnSp>
+      <p:cxnSp>
+        <p:nvCxnSpPr>
+          <p:cNvPr id="6" name="直接箭头连接符 5"/>
+          <p:cNvCxnSpPr/>
+          <p:nvPr>
+            <p:custDataLst>
+              <p:tags r:id="rId3"/>
+            </p:custDataLst>
+          </p:nvPr>
+        </p:nvCxnSpPr>
+        <p:spPr>
+          <a:xfrm flipH="1">
+            <a:off x="2356486" y="2903024"/>
+            <a:ext cx="3990975" cy="38100"/>
+          </a:xfrm>
+          <a:prstGeom prst="straightConnector1">
+            <a:avLst/>
+          </a:prstGeom>
+          <a:ln>
+            <a:tailEnd type="triangle"/>
+          </a:ln>
+        </p:spPr>
+        <p:style>
+          <a:lnRef idx="2">
+            <a:schemeClr val="accent5"/>
+          </a:lnRef>
+          <a:fillRef idx="0">
+            <a:schemeClr val="accent5"/>
+          </a:fillRef>
+          <a:effectRef idx="1">
+            <a:schemeClr val="accent5"/>
+          </a:effectRef>
+          <a:fontRef idx="minor">
+            <a:schemeClr val="tx1"/>
+          </a:fontRef>
+        </p:style>
+      </p:cxnSp>
+      <p:sp>
+        <p:nvSpPr>
+          <p:cNvPr id="9" name="文本框 8"/>
+          <p:cNvSpPr txBox="1"/>
+          <p:nvPr/>
+        </p:nvSpPr>
+        <p:spPr>
+          <a:xfrm>
+            <a:off x="6343015" y="2375535"/>
+            <a:ext cx="785495" cy="368300"/>
+          </a:xfrm>
+          <a:prstGeom prst="rect">
+            <a:avLst/>
+          </a:prstGeom>
+          <a:noFill/>
+        </p:spPr>
+        <p:txBody>
+          <a:bodyPr wrap="square" rtlCol="0">
+            <a:spAutoFit/>
+          </a:bodyPr>
+          <a:p>
+            <a:r>
+              <a:rPr lang="en-US" altLang="zh-CN"/>
+              <a:t>50 ms</a:t>
+            </a:r>
+            <a:endParaRPr lang="en-US" altLang="zh-CN"/>
+          </a:p>
+        </p:txBody>
+      </p:sp>
+      <p:cxnSp>
+        <p:nvCxnSpPr>
+          <p:cNvPr id="13" name="直接箭头连接符 12"/>
+          <p:cNvCxnSpPr/>
+          <p:nvPr>
+            <p:custDataLst>
+              <p:tags r:id="rId4"/>
+            </p:custDataLst>
+          </p:nvPr>
+        </p:nvCxnSpPr>
+        <p:spPr>
+          <a:xfrm>
+            <a:off x="2356338" y="3541248"/>
+            <a:ext cx="8335645" cy="6350"/>
+          </a:xfrm>
+          <a:prstGeom prst="straightConnector1">
+            <a:avLst/>
+          </a:prstGeom>
+          <a:ln>
+            <a:tailEnd type="triangle"/>
+          </a:ln>
+        </p:spPr>
+        <p:style>
+          <a:lnRef idx="2">
+            <a:schemeClr val="accent5"/>
+          </a:lnRef>
+          <a:fillRef idx="0">
+            <a:schemeClr val="accent5"/>
+          </a:fillRef>
+          <a:effectRef idx="1">
+            <a:schemeClr val="accent5"/>
+          </a:effectRef>
+          <a:fontRef idx="minor">
+            <a:schemeClr val="tx1"/>
+          </a:fontRef>
+        </p:style>
+      </p:cxnSp>
+      <p:cxnSp>
+        <p:nvCxnSpPr>
+          <p:cNvPr id="14" name="直接箭头连接符 13"/>
+          <p:cNvCxnSpPr/>
+          <p:nvPr>
+            <p:custDataLst>
+              <p:tags r:id="rId5"/>
+            </p:custDataLst>
+          </p:nvPr>
+        </p:nvCxnSpPr>
+        <p:spPr>
+          <a:xfrm flipH="1" flipV="1">
+            <a:off x="2352041" y="4232079"/>
+            <a:ext cx="8312150" cy="1905"/>
+          </a:xfrm>
+          <a:prstGeom prst="straightConnector1">
+            <a:avLst/>
+          </a:prstGeom>
+          <a:ln>
+            <a:tailEnd type="triangle"/>
+          </a:ln>
+        </p:spPr>
+        <p:style>
+          <a:lnRef idx="2">
+            <a:schemeClr val="accent5"/>
+          </a:lnRef>
+          <a:fillRef idx="0">
+            <a:schemeClr val="accent5"/>
+          </a:fillRef>
+          <a:effectRef idx="1">
+            <a:schemeClr val="accent5"/>
+          </a:effectRef>
+          <a:fontRef idx="minor">
+            <a:schemeClr val="tx1"/>
+          </a:fontRef>
+        </p:style>
+      </p:cxnSp>
+      <p:sp>
+        <p:nvSpPr>
+          <p:cNvPr id="17" name="文本框 16"/>
+          <p:cNvSpPr txBox="1"/>
+          <p:nvPr>
+            <p:custDataLst>
+              <p:tags r:id="rId6"/>
+            </p:custDataLst>
+          </p:nvPr>
+        </p:nvSpPr>
+        <p:spPr>
+          <a:xfrm>
+            <a:off x="10684510" y="3679825"/>
+            <a:ext cx="785495" cy="368300"/>
+          </a:xfrm>
+          <a:prstGeom prst="rect">
+            <a:avLst/>
+          </a:prstGeom>
+          <a:noFill/>
+        </p:spPr>
+        <p:txBody>
+          <a:bodyPr wrap="square" rtlCol="0">
+            <a:spAutoFit/>
+          </a:bodyPr>
+          <a:p>
+            <a:r>
+              <a:rPr lang="en-US" altLang="zh-CN"/>
+              <a:t>60 ms</a:t>
+            </a:r>
+            <a:endParaRPr lang="en-US" altLang="zh-CN"/>
+          </a:p>
+        </p:txBody>
+      </p:sp>
+      <p:sp>
+        <p:nvSpPr>
+          <p:cNvPr id="30" name="任意多边形 29"/>
+          <p:cNvSpPr/>
+          <p:nvPr/>
+        </p:nvSpPr>
+        <p:spPr>
+          <a:xfrm>
+            <a:off x="2378075" y="4778375"/>
+            <a:ext cx="1333500" cy="622300"/>
+          </a:xfrm>
+          <a:custGeom>
+            <a:avLst/>
+            <a:gdLst>
+              <a:gd name="connisteX0" fmla="*/ 0 w 1333510"/>
+              <a:gd name="connsiteY0" fmla="*/ 0 h 622300"/>
+              <a:gd name="connisteX1" fmla="*/ 1333500 w 1333510"/>
+              <a:gd name="connsiteY1" fmla="*/ 368300 h 622300"/>
+              <a:gd name="connisteX2" fmla="*/ 19050 w 1333510"/>
+              <a:gd name="connsiteY2" fmla="*/ 622300 h 622300"/>
+            </a:gdLst>
+            <a:ahLst/>
+            <a:cxnLst>
+              <a:cxn ang="0">
+                <a:pos x="connisteX0" y="connsiteY0"/>
+              </a:cxn>
+              <a:cxn ang="0">
+                <a:pos x="connisteX1" y="connsiteY1"/>
+              </a:cxn>
+              <a:cxn ang="0">
+                <a:pos x="connisteX2" y="connsiteY2"/>
+              </a:cxn>
+            </a:cxnLst>
+            <a:rect l="l" t="t" r="r" b="b"/>
+            <a:pathLst>
+              <a:path w="1333511" h="622300">
+                <a:moveTo>
+                  <a:pt x="0" y="0"/>
+                </a:moveTo>
+                <a:cubicBezTo>
+                  <a:pt x="292735" y="68580"/>
+                  <a:pt x="1329690" y="243840"/>
+                  <a:pt x="1333500" y="368300"/>
+                </a:cubicBezTo>
+                <a:cubicBezTo>
+                  <a:pt x="1337310" y="492760"/>
+                  <a:pt x="308610" y="579120"/>
+                  <a:pt x="19050" y="622300"/>
+                </a:cubicBezTo>
+              </a:path>
+            </a:pathLst>
+          </a:custGeom>
+          <a:noFill/>
+        </p:spPr>
+        <p:style>
+          <a:lnRef idx="2">
+            <a:schemeClr val="accent1">
+              <a:lumMod val="75000"/>
+            </a:schemeClr>
+          </a:lnRef>
+          <a:fillRef idx="1">
+            <a:schemeClr val="accent1"/>
+          </a:fillRef>
+          <a:effectRef idx="0">
+            <a:srgbClr val="FFFFFF"/>
+          </a:effectRef>
+          <a:fontRef idx="minor">
+            <a:schemeClr val="lt1"/>
+          </a:fontRef>
+        </p:style>
+        <p:txBody>
+          <a:bodyPr rtlCol="0" anchor="ctr"/>
+          <a:p>
+            <a:pPr algn="ctr"/>
+            <a:endParaRPr lang="zh-CN" altLang="en-US"/>
+          </a:p>
+        </p:txBody>
+      </p:sp>
+      <p:cxnSp>
+        <p:nvCxnSpPr>
+          <p:cNvPr id="31" name="直接箭头连接符 30"/>
+          <p:cNvCxnSpPr>
+            <a:stCxn id="30" idx="2"/>
+          </p:cNvCxnSpPr>
+          <p:nvPr/>
+        </p:nvCxnSpPr>
+        <p:spPr>
+          <a:xfrm flipH="1" flipV="1">
+            <a:off x="2352675" y="5394325"/>
+            <a:ext cx="44450" cy="6350"/>
+          </a:xfrm>
+          <a:prstGeom prst="straightConnector1">
+            <a:avLst/>
+          </a:prstGeom>
+          <a:ln>
+            <a:tailEnd type="arrow"/>
+          </a:ln>
+        </p:spPr>
+        <p:style>
+          <a:lnRef idx="2">
+            <a:schemeClr val="accent1"/>
+          </a:lnRef>
+          <a:fillRef idx="0">
+            <a:srgbClr val="FFFFFF"/>
+          </a:fillRef>
+          <a:effectRef idx="0">
+            <a:srgbClr val="FFFFFF"/>
+          </a:effectRef>
+          <a:fontRef idx="minor">
+            <a:schemeClr val="tx1"/>
+          </a:fontRef>
+        </p:style>
+      </p:cxnSp>
+      <p:sp>
+        <p:nvSpPr>
+          <p:cNvPr id="32" name="文本框 31"/>
+          <p:cNvSpPr txBox="1"/>
+          <p:nvPr/>
+        </p:nvSpPr>
+        <p:spPr>
+          <a:xfrm>
+            <a:off x="3768725" y="5006975"/>
+            <a:ext cx="4064000" cy="368300"/>
+          </a:xfrm>
+          <a:prstGeom prst="rect">
+            <a:avLst/>
+          </a:prstGeom>
+          <a:noFill/>
+        </p:spPr>
+        <p:txBody>
+          <a:bodyPr wrap="square" rtlCol="0">
+            <a:spAutoFit/>
+          </a:bodyPr>
+          <a:p>
+            <a:r>
+              <a:rPr lang="en-US" altLang="zh-CN"/>
+              <a:t>30ms</a:t>
+            </a:r>
+            <a:endParaRPr lang="en-US" altLang="zh-CN"/>
+          </a:p>
+        </p:txBody>
+      </p:sp>
+    </p:spTree>
+  </p:cSld>
+  <p:clrMapOvr>
+    <a:masterClrMapping/>
+  </p:clrMapOvr>
+</p:sld>
+</file>
+
+<file path=ppt/slides/slide4.xml><?xml version="1.0" encoding="utf-8"?>
+<p:sld xmlns:a="http://schemas.openxmlformats.org/drawingml/2006/main" xmlns:r="http://schemas.openxmlformats.org/officeDocument/2006/relationships" xmlns:p="http://schemas.openxmlformats.org/presentationml/2006/main">
+  <p:cSld>
+    <p:spTree>
+      <p:nvGrpSpPr>
+        <p:cNvPr id="1" name=""/>
+        <p:cNvGrpSpPr/>
+        <p:nvPr/>
+      </p:nvGrpSpPr>
+      <p:grpSpPr>
+        <a:xfrm>
+          <a:off x="0" y="0"/>
+          <a:ext cx="0" cy="0"/>
+          <a:chOff x="0" y="0"/>
+          <a:chExt cx="0" cy="0"/>
+        </a:xfrm>
+      </p:grpSpPr>
+      <p:sp>
+        <p:nvSpPr>
+          <p:cNvPr id="4" name="矩形 3"/>
+          <p:cNvSpPr/>
+          <p:nvPr/>
+        </p:nvSpPr>
+        <p:spPr>
+          <a:xfrm>
+            <a:off x="1446530" y="716915"/>
+            <a:ext cx="1992630" cy="615315"/>
+          </a:xfrm>
+          <a:prstGeom prst="rect">
+            <a:avLst/>
+          </a:prstGeom>
+        </p:spPr>
+        <p:style>
+          <a:lnRef idx="2">
+            <a:schemeClr val="accent1">
+              <a:shade val="15000"/>
+            </a:schemeClr>
+          </a:lnRef>
+          <a:fillRef idx="1">
+            <a:schemeClr val="accent1"/>
+          </a:fillRef>
+          <a:effectRef idx="0">
+            <a:schemeClr val="accent1"/>
+          </a:effectRef>
+          <a:fontRef idx="minor">
+            <a:schemeClr val="lt1"/>
+          </a:fontRef>
+        </p:style>
+        <p:txBody>
+          <a:bodyPr rtlCol="0" anchor="ctr"/>
+          <a:lstStyle/>
+          <a:p>
+            <a:pPr algn="ctr"/>
+            <a:r>
+              <a:rPr lang="en-US" altLang="zh-CN" dirty="0"/>
+              <a:t>Service A</a:t>
+            </a:r>
+            <a:endParaRPr lang="zh-CN" altLang="en-US" dirty="0"/>
+          </a:p>
+        </p:txBody>
+      </p:sp>
+      <p:sp>
+        <p:nvSpPr>
+          <p:cNvPr id="5" name="矩形 4"/>
+          <p:cNvSpPr/>
+          <p:nvPr/>
+        </p:nvSpPr>
+        <p:spPr>
+          <a:xfrm>
+            <a:off x="7776845" y="716915"/>
+            <a:ext cx="1992630" cy="615315"/>
+          </a:xfrm>
+          <a:prstGeom prst="rect">
+            <a:avLst/>
+          </a:prstGeom>
+        </p:spPr>
+        <p:style>
+          <a:lnRef idx="2">
+            <a:schemeClr val="accent1">
+              <a:shade val="15000"/>
+            </a:schemeClr>
+          </a:lnRef>
+          <a:fillRef idx="1">
+            <a:schemeClr val="accent1"/>
+          </a:fillRef>
+          <a:effectRef idx="0">
+            <a:schemeClr val="accent1"/>
+          </a:effectRef>
+          <a:fontRef idx="minor">
+            <a:schemeClr val="lt1"/>
+          </a:fontRef>
+        </p:style>
+        <p:txBody>
+          <a:bodyPr rtlCol="0" anchor="ctr"/>
+          <a:lstStyle/>
+          <a:p>
+            <a:pPr algn="ctr"/>
+            <a:r>
+              <a:rPr lang="en-US" altLang="zh-CN" dirty="0"/>
+              <a:t>Service B</a:t>
+            </a:r>
+            <a:endParaRPr lang="zh-CN" altLang="en-US" dirty="0"/>
+          </a:p>
+        </p:txBody>
+      </p:sp>
+      <p:cxnSp>
+        <p:nvCxnSpPr>
+          <p:cNvPr id="7" name="直接连接符 6"/>
+          <p:cNvCxnSpPr>
+            <a:stCxn id="4" idx="2"/>
+          </p:cNvCxnSpPr>
+          <p:nvPr/>
+        </p:nvCxnSpPr>
+        <p:spPr>
+          <a:xfrm>
+            <a:off x="2442699" y="1332132"/>
+            <a:ext cx="15875" cy="4356735"/>
+          </a:xfrm>
+          <a:prstGeom prst="line">
+            <a:avLst/>
+          </a:prstGeom>
+        </p:spPr>
+        <p:style>
+          <a:lnRef idx="3">
+            <a:schemeClr val="accent5"/>
+          </a:lnRef>
+          <a:fillRef idx="0">
+            <a:schemeClr val="accent5"/>
+          </a:fillRef>
+          <a:effectRef idx="2">
+            <a:schemeClr val="accent5"/>
+          </a:effectRef>
+          <a:fontRef idx="minor">
+            <a:schemeClr val="tx1"/>
+          </a:fontRef>
+        </p:style>
+      </p:cxnSp>
+      <p:cxnSp>
+        <p:nvCxnSpPr>
+          <p:cNvPr id="8" name="直接连接符 7"/>
+          <p:cNvCxnSpPr/>
+          <p:nvPr/>
+        </p:nvCxnSpPr>
+        <p:spPr>
+          <a:xfrm flipH="1">
+            <a:off x="8750937" y="1332132"/>
+            <a:ext cx="22225" cy="4342765"/>
+          </a:xfrm>
+          <a:prstGeom prst="line">
+            <a:avLst/>
+          </a:prstGeom>
+        </p:spPr>
+        <p:style>
+          <a:lnRef idx="3">
+            <a:schemeClr val="accent5"/>
+          </a:lnRef>
+          <a:fillRef idx="0">
+            <a:schemeClr val="accent5"/>
+          </a:fillRef>
+          <a:effectRef idx="2">
+            <a:schemeClr val="accent5"/>
+          </a:effectRef>
+          <a:fontRef idx="minor">
+            <a:schemeClr val="tx1"/>
+          </a:fontRef>
+        </p:style>
+      </p:cxnSp>
+      <p:cxnSp>
+        <p:nvCxnSpPr>
+          <p:cNvPr id="10" name="直接箭头连接符 9"/>
+          <p:cNvCxnSpPr/>
+          <p:nvPr/>
+        </p:nvCxnSpPr>
+        <p:spPr>
+          <a:xfrm>
+            <a:off x="2442698" y="1854053"/>
+            <a:ext cx="6330463" cy="0"/>
+          </a:xfrm>
+          <a:prstGeom prst="straightConnector1">
+            <a:avLst/>
+          </a:prstGeom>
+          <a:ln>
+            <a:tailEnd type="triangle"/>
+          </a:ln>
+        </p:spPr>
+        <p:style>
+          <a:lnRef idx="2">
+            <a:schemeClr val="accent5"/>
+          </a:lnRef>
+          <a:fillRef idx="0">
+            <a:schemeClr val="accent5"/>
+          </a:fillRef>
+          <a:effectRef idx="1">
+            <a:schemeClr val="accent5"/>
+          </a:effectRef>
+          <a:fontRef idx="minor">
+            <a:schemeClr val="tx1"/>
+          </a:fontRef>
+        </p:style>
+      </p:cxnSp>
+      <p:cxnSp>
+        <p:nvCxnSpPr>
+          <p:cNvPr id="12" name="直接箭头连接符 11"/>
+          <p:cNvCxnSpPr/>
+          <p:nvPr/>
+        </p:nvCxnSpPr>
+        <p:spPr>
+          <a:xfrm flipH="1">
+            <a:off x="2413488" y="2466144"/>
+            <a:ext cx="6330463" cy="0"/>
+          </a:xfrm>
+          <a:prstGeom prst="straightConnector1">
+            <a:avLst/>
+          </a:prstGeom>
+          <a:ln>
+            <a:tailEnd type="triangle"/>
+          </a:ln>
+        </p:spPr>
+        <p:style>
+          <a:lnRef idx="2">
+            <a:schemeClr val="accent5"/>
+          </a:lnRef>
+          <a:fillRef idx="0">
+            <a:schemeClr val="accent5"/>
+          </a:fillRef>
+          <a:effectRef idx="1">
+            <a:schemeClr val="accent5"/>
+          </a:effectRef>
+          <a:fontRef idx="minor">
+            <a:schemeClr val="tx1"/>
+          </a:fontRef>
+        </p:style>
+      </p:cxnSp>
+      <p:sp>
+        <p:nvSpPr>
+          <p:cNvPr id="2" name="文本框 1"/>
+          <p:cNvSpPr txBox="1"/>
+          <p:nvPr/>
+        </p:nvSpPr>
+        <p:spPr>
+          <a:xfrm>
+            <a:off x="4297045" y="1485900"/>
+            <a:ext cx="2419350" cy="368300"/>
+          </a:xfrm>
+          <a:prstGeom prst="rect">
+            <a:avLst/>
+          </a:prstGeom>
+          <a:noFill/>
+        </p:spPr>
+        <p:txBody>
+          <a:bodyPr wrap="square" rtlCol="0">
+            <a:spAutoFit/>
+          </a:bodyPr>
+          <a:p>
+            <a:r>
+              <a:rPr lang="en-US" altLang="zh-CN"/>
+              <a:t>Invoking Service</a:t>
+            </a:r>
+            <a:endParaRPr lang="en-US" altLang="zh-CN"/>
+          </a:p>
+        </p:txBody>
+      </p:sp>
+      <p:sp>
+        <p:nvSpPr>
+          <p:cNvPr id="3" name="文本框 2"/>
+          <p:cNvSpPr txBox="1"/>
+          <p:nvPr>
+            <p:custDataLst>
+              <p:tags r:id="rId1"/>
+            </p:custDataLst>
+          </p:nvPr>
+        </p:nvSpPr>
+        <p:spPr>
+          <a:xfrm>
+            <a:off x="4208145" y="2098040"/>
+            <a:ext cx="2981325" cy="368300"/>
+          </a:xfrm>
+          <a:prstGeom prst="rect">
+            <a:avLst/>
+          </a:prstGeom>
+          <a:noFill/>
+        </p:spPr>
+        <p:txBody>
+          <a:bodyPr wrap="square" rtlCol="0">
+            <a:spAutoFit/>
+          </a:bodyPr>
+          <a:p>
+            <a:r>
+              <a:rPr lang="en-US" altLang="zh-CN"/>
+              <a:t>Call return immediately</a:t>
+            </a:r>
+            <a:endParaRPr lang="en-US" altLang="zh-CN"/>
+          </a:p>
+        </p:txBody>
+      </p:sp>
+      <p:cxnSp>
+        <p:nvCxnSpPr>
+          <p:cNvPr id="6" name="直接箭头连接符 5"/>
+          <p:cNvCxnSpPr/>
+          <p:nvPr>
+            <p:custDataLst>
+              <p:tags r:id="rId2"/>
+            </p:custDataLst>
+          </p:nvPr>
+        </p:nvCxnSpPr>
+        <p:spPr>
+          <a:xfrm flipH="1">
+            <a:off x="2442698" y="3078284"/>
+            <a:ext cx="6330463" cy="0"/>
+          </a:xfrm>
+          <a:prstGeom prst="straightConnector1">
+            <a:avLst/>
+          </a:prstGeom>
+          <a:ln>
+            <a:tailEnd type="triangle"/>
+          </a:ln>
+        </p:spPr>
+        <p:style>
+          <a:lnRef idx="2">
+            <a:schemeClr val="accent5"/>
+          </a:lnRef>
+          <a:fillRef idx="0">
+            <a:schemeClr val="accent5"/>
+          </a:fillRef>
+          <a:effectRef idx="1">
+            <a:schemeClr val="accent5"/>
+          </a:effectRef>
+          <a:fontRef idx="minor">
+            <a:schemeClr val="tx1"/>
+          </a:fontRef>
+        </p:style>
+      </p:cxnSp>
+      <p:sp>
+        <p:nvSpPr>
+          <p:cNvPr id="9" name="文本框 8"/>
+          <p:cNvSpPr txBox="1"/>
+          <p:nvPr>
+            <p:custDataLst>
+              <p:tags r:id="rId3"/>
+            </p:custDataLst>
+          </p:nvPr>
+        </p:nvSpPr>
+        <p:spPr>
+          <a:xfrm>
+            <a:off x="4237355" y="2710180"/>
+            <a:ext cx="2981325" cy="368300"/>
+          </a:xfrm>
+          <a:prstGeom prst="rect">
+            <a:avLst/>
+          </a:prstGeom>
+          <a:noFill/>
+        </p:spPr>
+        <p:txBody>
+          <a:bodyPr wrap="square" rtlCol="0">
+            <a:spAutoFit/>
+          </a:bodyPr>
+          <a:p>
+            <a:r>
+              <a:rPr lang="en-US" altLang="zh-CN"/>
+              <a:t>onNext(T item)</a:t>
+            </a:r>
+            <a:endParaRPr lang="en-US" altLang="zh-CN"/>
+          </a:p>
+        </p:txBody>
+      </p:sp>
+      <p:sp>
+        <p:nvSpPr>
+          <p:cNvPr id="13" name="文本框 12"/>
+          <p:cNvSpPr txBox="1"/>
+          <p:nvPr>
+            <p:custDataLst>
+              <p:tags r:id="rId4"/>
+            </p:custDataLst>
+          </p:nvPr>
+        </p:nvSpPr>
+        <p:spPr>
+          <a:xfrm>
+            <a:off x="4297045" y="3322320"/>
+            <a:ext cx="2981325" cy="368300"/>
+          </a:xfrm>
+          <a:prstGeom prst="rect">
+            <a:avLst/>
+          </a:prstGeom>
+          <a:noFill/>
+        </p:spPr>
+        <p:txBody>
+          <a:bodyPr wrap="square" rtlCol="0">
+            <a:spAutoFit/>
+          </a:bodyPr>
+          <a:p>
+            <a:r>
+              <a:rPr lang="en-US" altLang="zh-CN"/>
+              <a:t>......(n items)</a:t>
+            </a:r>
+            <a:endParaRPr lang="en-US" altLang="zh-CN"/>
+          </a:p>
+        </p:txBody>
+      </p:sp>
+      <p:cxnSp>
+        <p:nvCxnSpPr>
+          <p:cNvPr id="14" name="直接箭头连接符 13"/>
+          <p:cNvCxnSpPr/>
+          <p:nvPr>
+            <p:custDataLst>
+              <p:tags r:id="rId5"/>
+            </p:custDataLst>
+          </p:nvPr>
+        </p:nvCxnSpPr>
+        <p:spPr>
+          <a:xfrm flipH="1">
+            <a:off x="2442698" y="4188264"/>
+            <a:ext cx="6330463" cy="0"/>
+          </a:xfrm>
+          <a:prstGeom prst="straightConnector1">
+            <a:avLst/>
+          </a:prstGeom>
+          <a:ln>
+            <a:tailEnd type="triangle"/>
+          </a:ln>
+        </p:spPr>
+        <p:style>
+          <a:lnRef idx="2">
+            <a:schemeClr val="accent5"/>
+          </a:lnRef>
+          <a:fillRef idx="0">
+            <a:schemeClr val="accent5"/>
+          </a:fillRef>
+          <a:effectRef idx="1">
+            <a:schemeClr val="accent5"/>
+          </a:effectRef>
+          <a:fontRef idx="minor">
+            <a:schemeClr val="tx1"/>
+          </a:fontRef>
+        </p:style>
+      </p:cxnSp>
+      <p:sp>
+        <p:nvSpPr>
+          <p:cNvPr id="16" name="文本框 15"/>
+          <p:cNvSpPr txBox="1"/>
+          <p:nvPr>
+            <p:custDataLst>
+              <p:tags r:id="rId6"/>
+            </p:custDataLst>
+          </p:nvPr>
+        </p:nvSpPr>
+        <p:spPr>
+          <a:xfrm>
+            <a:off x="4237355" y="3820160"/>
+            <a:ext cx="2981325" cy="368300"/>
+          </a:xfrm>
+          <a:prstGeom prst="rect">
+            <a:avLst/>
+          </a:prstGeom>
+          <a:noFill/>
+        </p:spPr>
+        <p:txBody>
+          <a:bodyPr wrap="square" rtlCol="0">
+            <a:spAutoFit/>
+          </a:bodyPr>
+          <a:p>
+            <a:r>
+              <a:rPr lang="en-US" altLang="zh-CN"/>
+              <a:t>onNext(T item)</a:t>
+            </a:r>
+            <a:endParaRPr lang="en-US" altLang="zh-CN"/>
+          </a:p>
+        </p:txBody>
+      </p:sp>
+      <p:cxnSp>
+        <p:nvCxnSpPr>
+          <p:cNvPr id="17" name="直接箭头连接符 16"/>
+          <p:cNvCxnSpPr/>
+          <p:nvPr>
+            <p:custDataLst>
+              <p:tags r:id="rId7"/>
+            </p:custDataLst>
+          </p:nvPr>
+        </p:nvCxnSpPr>
+        <p:spPr>
+          <a:xfrm flipH="1">
+            <a:off x="2438253" y="4929944"/>
+            <a:ext cx="6330463" cy="0"/>
+          </a:xfrm>
+          <a:prstGeom prst="straightConnector1">
+            <a:avLst/>
+          </a:prstGeom>
+          <a:ln>
+            <a:tailEnd type="triangle"/>
+          </a:ln>
+        </p:spPr>
+        <p:style>
+          <a:lnRef idx="2">
+            <a:schemeClr val="accent5"/>
+          </a:lnRef>
+          <a:fillRef idx="0">
+            <a:schemeClr val="accent5"/>
+          </a:fillRef>
+          <a:effectRef idx="1">
+            <a:schemeClr val="accent5"/>
+          </a:effectRef>
+          <a:fontRef idx="minor">
+            <a:schemeClr val="tx1"/>
+          </a:fontRef>
+        </p:style>
+      </p:cxnSp>
+      <p:sp>
+        <p:nvSpPr>
+          <p:cNvPr id="23" name="文本框 22"/>
+          <p:cNvSpPr txBox="1"/>
+          <p:nvPr>
+            <p:custDataLst>
+              <p:tags r:id="rId8"/>
+            </p:custDataLst>
+          </p:nvPr>
+        </p:nvSpPr>
+        <p:spPr>
+          <a:xfrm>
+            <a:off x="4232910" y="4561840"/>
+            <a:ext cx="2981325" cy="368300"/>
+          </a:xfrm>
+          <a:prstGeom prst="rect">
+            <a:avLst/>
+          </a:prstGeom>
+          <a:noFill/>
+        </p:spPr>
+        <p:txBody>
+          <a:bodyPr wrap="square" rtlCol="0">
+            <a:spAutoFit/>
+          </a:bodyPr>
+          <a:p>
+            <a:r>
+              <a:rPr lang="en-US" altLang="zh-CN"/>
+              <a:t>onComplete()</a:t>
+            </a:r>
+            <a:endParaRPr lang="en-US" altLang="zh-CN"/>
+          </a:p>
+        </p:txBody>
+      </p:sp>
+    </p:spTree>
+  </p:cSld>
+  <p:clrMapOvr>
+    <a:masterClrMapping/>
+  </p:clrMapOvr>
+</p:sld>
+</file>
+
+<file path=ppt/tags/tag1.xml><?xml version="1.0" encoding="utf-8"?>
+<p:tagLst xmlns:p="http://schemas.openxmlformats.org/presentationml/2006/main">
+  <p:tag name="KSO_WM_BEAUTIFY_FLAG" val=""/>
+</p:tagLst>
+</file>
+
+<file path=ppt/tags/tag10.xml><?xml version="1.0" encoding="utf-8"?>
+<p:tagLst xmlns:p="http://schemas.openxmlformats.org/presentationml/2006/main">
+  <p:tag name="KSO_WM_BEAUTIFY_FLAG" val=""/>
+</p:tagLst>
+</file>
+
+<file path=ppt/tags/tag11.xml><?xml version="1.0" encoding="utf-8"?>
+<p:tagLst xmlns:p="http://schemas.openxmlformats.org/presentationml/2006/main">
+  <p:tag name="KSO_WM_BEAUTIFY_FLAG" val=""/>
+</p:tagLst>
+</file>
+
+<file path=ppt/tags/tag12.xml><?xml version="1.0" encoding="utf-8"?>
+<p:tagLst xmlns:p="http://schemas.openxmlformats.org/presentationml/2006/main">
+  <p:tag name="KSO_WM_BEAUTIFY_FLAG" val=""/>
+</p:tagLst>
+</file>
+
+<file path=ppt/tags/tag13.xml><?xml version="1.0" encoding="utf-8"?>
+<p:tagLst xmlns:p="http://schemas.openxmlformats.org/presentationml/2006/main">
+  <p:tag name="KSO_WM_BEAUTIFY_FLAG" val=""/>
+</p:tagLst>
+</file>
+
+<file path=ppt/tags/tag14.xml><?xml version="1.0" encoding="utf-8"?>
+<p:tagLst xmlns:p="http://schemas.openxmlformats.org/presentationml/2006/main">
+  <p:tag name="KSO_WM_BEAUTIFY_FLAG" val=""/>
+</p:tagLst>
+</file>
+
+<file path=ppt/tags/tag15.xml><?xml version="1.0" encoding="utf-8"?>
+<p:tagLst xmlns:p="http://schemas.openxmlformats.org/presentationml/2006/main">
+  <p:tag name="commondata" val="eyJoZGlkIjoiMjdjYzBiM2JmMDdiNmE0MzdmZGUxMTJkZmU5Yzk1NGMifQ=="/>
+</p:tagLst>
+</file>
+
+<file path=ppt/tags/tag2.xml><?xml version="1.0" encoding="utf-8"?>
+<p:tagLst xmlns:p="http://schemas.openxmlformats.org/presentationml/2006/main">
+  <p:tag name="KSO_WM_BEAUTIFY_FLAG" val=""/>
+</p:tagLst>
+</file>
+
+<file path=ppt/tags/tag3.xml><?xml version="1.0" encoding="utf-8"?>
+<p:tagLst xmlns:p="http://schemas.openxmlformats.org/presentationml/2006/main">
+  <p:tag name="KSO_WM_BEAUTIFY_FLAG" val=""/>
+</p:tagLst>
+</file>
+
+<file path=ppt/tags/tag4.xml><?xml version="1.0" encoding="utf-8"?>
+<p:tagLst xmlns:p="http://schemas.openxmlformats.org/presentationml/2006/main">
+  <p:tag name="KSO_WM_BEAUTIFY_FLAG" val=""/>
+</p:tagLst>
+</file>
+
+<file path=ppt/tags/tag5.xml><?xml version="1.0" encoding="utf-8"?>
+<p:tagLst xmlns:p="http://schemas.openxmlformats.org/presentationml/2006/main">
+  <p:tag name="KSO_WM_BEAUTIFY_FLAG" val=""/>
+</p:tagLst>
+</file>
+
+<file path=ppt/tags/tag6.xml><?xml version="1.0" encoding="utf-8"?>
+<p:tagLst xmlns:p="http://schemas.openxmlformats.org/presentationml/2006/main">
+  <p:tag name="KSO_WM_BEAUTIFY_FLAG" val=""/>
+</p:tagLst>
+</file>
+
+<file path=ppt/tags/tag7.xml><?xml version="1.0" encoding="utf-8"?>
+<p:tagLst xmlns:p="http://schemas.openxmlformats.org/presentationml/2006/main">
+  <p:tag name="KSO_WM_BEAUTIFY_FLAG" val=""/>
+</p:tagLst>
+</file>
+
+<file path=ppt/tags/tag8.xml><?xml version="1.0" encoding="utf-8"?>
+<p:tagLst xmlns:p="http://schemas.openxmlformats.org/presentationml/2006/main">
+  <p:tag name="KSO_WM_BEAUTIFY_FLAG" val=""/>
+</p:tagLst>
+</file>
+
+<file path=ppt/tags/tag9.xml><?xml version="1.0" encoding="utf-8"?>
+<p:tagLst xmlns:p="http://schemas.openxmlformats.org/presentationml/2006/main">
+  <p:tag name="KSO_WM_BEAUTIFY_FLAG" val=""/>
+</p:tagLst>
 </file>
 
 <file path=ppt/theme/theme1.xml><?xml version="1.0" encoding="utf-8"?>
@@ -4007,7 +7552,7 @@
     </a:clrScheme>
     <a:fontScheme name="Office">
       <a:majorFont>
-        <a:latin typeface="等线 Light" panose="020F0302020204030204"/>
+        <a:latin typeface="等线 Light"/>
         <a:ea typeface=""/>
         <a:cs typeface=""/>
         <a:font script="Jpan" typeface="游ゴシック Light"/>
@@ -4040,26 +7585,9 @@
         <a:font script="Viet" typeface="Times New Roman"/>
         <a:font script="Uigh" typeface="Microsoft Uighur"/>
         <a:font script="Geor" typeface="Sylfaen"/>
-        <a:font script="Armn" typeface="Arial"/>
-        <a:font script="Bugi" typeface="Leelawadee UI"/>
-        <a:font script="Bopo" typeface="Microsoft JhengHei"/>
-        <a:font script="Java" typeface="Javanese Text"/>
-        <a:font script="Lisu" typeface="Segoe UI"/>
-        <a:font script="Mymr" typeface="Myanmar Text"/>
-        <a:font script="Nkoo" typeface="Ebrima"/>
-        <a:font script="Olck" typeface="Nirmala UI"/>
-        <a:font script="Osma" typeface="Ebrima"/>
-        <a:font script="Phag" typeface="Phagspa"/>
-        <a:font script="Syrn" typeface="Estrangelo Edessa"/>
-        <a:font script="Syrj" typeface="Estrangelo Edessa"/>
-        <a:font script="Syre" typeface="Estrangelo Edessa"/>
-        <a:font script="Sora" typeface="Nirmala UI"/>
-        <a:font script="Tale" typeface="Microsoft Tai Le"/>
-        <a:font script="Talu" typeface="Microsoft New Tai Lue"/>
-        <a:font script="Tfng" typeface="Ebrima"/>
       </a:majorFont>
       <a:minorFont>
-        <a:latin typeface="等线" panose="020F0502020204030204"/>
+        <a:latin typeface="等线"/>
         <a:ea typeface=""/>
         <a:cs typeface=""/>
         <a:font script="Jpan" typeface="游ゴシック"/>
@@ -4092,23 +7620,6 @@
         <a:font script="Viet" typeface="Arial"/>
         <a:font script="Uigh" typeface="Microsoft Uighur"/>
         <a:font script="Geor" typeface="Sylfaen"/>
-        <a:font script="Armn" typeface="Arial"/>
-        <a:font script="Bugi" typeface="Leelawadee UI"/>
-        <a:font script="Bopo" typeface="Microsoft JhengHei"/>
-        <a:font script="Java" typeface="Javanese Text"/>
-        <a:font script="Lisu" typeface="Segoe UI"/>
-        <a:font script="Mymr" typeface="Myanmar Text"/>
-        <a:font script="Nkoo" typeface="Ebrima"/>
-        <a:font script="Olck" typeface="Nirmala UI"/>
-        <a:font script="Osma" typeface="Ebrima"/>
-        <a:font script="Phag" typeface="Phagspa"/>
-        <a:font script="Syrn" typeface="Estrangelo Edessa"/>
-        <a:font script="Syrj" typeface="Estrangelo Edessa"/>
-        <a:font script="Syre" typeface="Estrangelo Edessa"/>
-        <a:font script="Sora" typeface="Nirmala UI"/>
-        <a:font script="Tale" typeface="Microsoft Tai Le"/>
-        <a:font script="Talu" typeface="Microsoft New Tai Lue"/>
-        <a:font script="Tfng" typeface="Ebrima"/>
       </a:minorFont>
     </a:fontScheme>
     <a:fmtScheme name="Office">
@@ -4249,8 +7760,265 @@
       </a:bgFillStyleLst>
     </a:fmtScheme>
   </a:themeElements>
-  <a:objectDefaults/>
-  <a:extraClrSchemeLst/>
+  <a:extLst>
+    <a:ext uri="{05A4C25C-085E-4340-85A3-A5531E510DB2}">
+      <thm15:themeFamily xmlns:thm15="http://schemas.microsoft.com/office/thememl/2012/main" name="Office Theme" id="{62F939B6-93AF-4DB8-9C6B-D6C7DFDC589F}" vid="{4A3C46E8-61CC-4603-A589-7422A47A8E4A}"/>
+    </a:ext>
+  </a:extLst>
+</a:theme>
+</file>
+
+<file path=ppt/theme/theme2.xml><?xml version="1.0" encoding="utf-8"?>
+<a:theme xmlns:a="http://schemas.openxmlformats.org/drawingml/2006/main" name="1_Office 主题​​">
+  <a:themeElements>
+    <a:clrScheme name="Office">
+      <a:dk1>
+        <a:sysClr val="windowText" lastClr="000000"/>
+      </a:dk1>
+      <a:lt1>
+        <a:sysClr val="window" lastClr="FFFFFF"/>
+      </a:lt1>
+      <a:dk2>
+        <a:srgbClr val="44546A"/>
+      </a:dk2>
+      <a:lt2>
+        <a:srgbClr val="E7E6E6"/>
+      </a:lt2>
+      <a:accent1>
+        <a:srgbClr val="4472C4"/>
+      </a:accent1>
+      <a:accent2>
+        <a:srgbClr val="ED7D31"/>
+      </a:accent2>
+      <a:accent3>
+        <a:srgbClr val="A5A5A5"/>
+      </a:accent3>
+      <a:accent4>
+        <a:srgbClr val="FFC000"/>
+      </a:accent4>
+      <a:accent5>
+        <a:srgbClr val="5B9BD5"/>
+      </a:accent5>
+      <a:accent6>
+        <a:srgbClr val="70AD47"/>
+      </a:accent6>
+      <a:hlink>
+        <a:srgbClr val="0563C1"/>
+      </a:hlink>
+      <a:folHlink>
+        <a:srgbClr val="954F72"/>
+      </a:folHlink>
+    </a:clrScheme>
+    <a:fontScheme name="Office">
+      <a:majorFont>
+        <a:latin typeface="等线 Light"/>
+        <a:ea typeface=""/>
+        <a:cs typeface=""/>
+        <a:font script="Jpan" typeface="游ゴシック Light"/>
+        <a:font script="Hang" typeface="맑은 고딕"/>
+        <a:font script="Hans" typeface="等线 Light"/>
+        <a:font script="Hant" typeface="新細明體"/>
+        <a:font script="Arab" typeface="Times New Roman"/>
+        <a:font script="Hebr" typeface="Times New Roman"/>
+        <a:font script="Thai" typeface="Angsana New"/>
+        <a:font script="Ethi" typeface="Nyala"/>
+        <a:font script="Beng" typeface="Vrinda"/>
+        <a:font script="Gujr" typeface="Shruti"/>
+        <a:font script="Khmr" typeface="MoolBoran"/>
+        <a:font script="Knda" typeface="Tunga"/>
+        <a:font script="Guru" typeface="Raavi"/>
+        <a:font script="Cans" typeface="Euphemia"/>
+        <a:font script="Cher" typeface="Plantagenet Cherokee"/>
+        <a:font script="Yiii" typeface="Microsoft Yi Baiti"/>
+        <a:font script="Tibt" typeface="Microsoft Himalaya"/>
+        <a:font script="Thaa" typeface="MV Boli"/>
+        <a:font script="Deva" typeface="Mangal"/>
+        <a:font script="Telu" typeface="Gautami"/>
+        <a:font script="Taml" typeface="Latha"/>
+        <a:font script="Syrc" typeface="Estrangelo Edessa"/>
+        <a:font script="Orya" typeface="Kalinga"/>
+        <a:font script="Mlym" typeface="Kartika"/>
+        <a:font script="Laoo" typeface="DokChampa"/>
+        <a:font script="Sinh" typeface="Iskoola Pota"/>
+        <a:font script="Mong" typeface="Mongolian Baiti"/>
+        <a:font script="Viet" typeface="Times New Roman"/>
+        <a:font script="Uigh" typeface="Microsoft Uighur"/>
+        <a:font script="Geor" typeface="Sylfaen"/>
+      </a:majorFont>
+      <a:minorFont>
+        <a:latin typeface="等线"/>
+        <a:ea typeface=""/>
+        <a:cs typeface=""/>
+        <a:font script="Jpan" typeface="游ゴシック"/>
+        <a:font script="Hang" typeface="맑은 고딕"/>
+        <a:font script="Hans" typeface="等线"/>
+        <a:font script="Hant" typeface="新細明體"/>
+        <a:font script="Arab" typeface="Arial"/>
+        <a:font script="Hebr" typeface="Arial"/>
+        <a:font script="Thai" typeface="Cordia New"/>
+        <a:font script="Ethi" typeface="Nyala"/>
+        <a:font script="Beng" typeface="Vrinda"/>
+        <a:font script="Gujr" typeface="Shruti"/>
+        <a:font script="Khmr" typeface="DaunPenh"/>
+        <a:font script="Knda" typeface="Tunga"/>
+        <a:font script="Guru" typeface="Raavi"/>
+        <a:font script="Cans" typeface="Euphemia"/>
+        <a:font script="Cher" typeface="Plantagenet Cherokee"/>
+        <a:font script="Yiii" typeface="Microsoft Yi Baiti"/>
+        <a:font script="Tibt" typeface="Microsoft Himalaya"/>
+        <a:font script="Thaa" typeface="MV Boli"/>
+        <a:font script="Deva" typeface="Mangal"/>
+        <a:font script="Telu" typeface="Gautami"/>
+        <a:font script="Taml" typeface="Latha"/>
+        <a:font script="Syrc" typeface="Estrangelo Edessa"/>
+        <a:font script="Orya" typeface="Kalinga"/>
+        <a:font script="Mlym" typeface="Kartika"/>
+        <a:font script="Laoo" typeface="DokChampa"/>
+        <a:font script="Sinh" typeface="Iskoola Pota"/>
+        <a:font script="Mong" typeface="Mongolian Baiti"/>
+        <a:font script="Viet" typeface="Arial"/>
+        <a:font script="Uigh" typeface="Microsoft Uighur"/>
+        <a:font script="Geor" typeface="Sylfaen"/>
+      </a:minorFont>
+    </a:fontScheme>
+    <a:fmtScheme name="Office">
+      <a:fillStyleLst>
+        <a:solidFill>
+          <a:schemeClr val="phClr"/>
+        </a:solidFill>
+        <a:gradFill rotWithShape="1">
+          <a:gsLst>
+            <a:gs pos="0">
+              <a:schemeClr val="phClr">
+                <a:lumMod val="110000"/>
+                <a:satMod val="105000"/>
+                <a:tint val="67000"/>
+              </a:schemeClr>
+            </a:gs>
+            <a:gs pos="50000">
+              <a:schemeClr val="phClr">
+                <a:lumMod val="105000"/>
+                <a:satMod val="103000"/>
+                <a:tint val="73000"/>
+              </a:schemeClr>
+            </a:gs>
+            <a:gs pos="100000">
+              <a:schemeClr val="phClr">
+                <a:lumMod val="105000"/>
+                <a:satMod val="109000"/>
+                <a:tint val="81000"/>
+              </a:schemeClr>
+            </a:gs>
+          </a:gsLst>
+          <a:lin ang="5400000" scaled="0"/>
+        </a:gradFill>
+        <a:gradFill rotWithShape="1">
+          <a:gsLst>
+            <a:gs pos="0">
+              <a:schemeClr val="phClr">
+                <a:satMod val="103000"/>
+                <a:lumMod val="102000"/>
+                <a:tint val="94000"/>
+              </a:schemeClr>
+            </a:gs>
+            <a:gs pos="50000">
+              <a:schemeClr val="phClr">
+                <a:satMod val="110000"/>
+                <a:lumMod val="100000"/>
+                <a:shade val="100000"/>
+              </a:schemeClr>
+            </a:gs>
+            <a:gs pos="100000">
+              <a:schemeClr val="phClr">
+                <a:lumMod val="99000"/>
+                <a:satMod val="120000"/>
+                <a:shade val="78000"/>
+              </a:schemeClr>
+            </a:gs>
+          </a:gsLst>
+          <a:lin ang="5400000" scaled="0"/>
+        </a:gradFill>
+      </a:fillStyleLst>
+      <a:lnStyleLst>
+        <a:ln w="6350" cap="flat" cmpd="sng" algn="ctr">
+          <a:solidFill>
+            <a:schemeClr val="phClr"/>
+          </a:solidFill>
+          <a:prstDash val="solid"/>
+          <a:miter lim="800000"/>
+        </a:ln>
+        <a:ln w="12700" cap="flat" cmpd="sng" algn="ctr">
+          <a:solidFill>
+            <a:schemeClr val="phClr"/>
+          </a:solidFill>
+          <a:prstDash val="solid"/>
+          <a:miter lim="800000"/>
+        </a:ln>
+        <a:ln w="19050" cap="flat" cmpd="sng" algn="ctr">
+          <a:solidFill>
+            <a:schemeClr val="phClr"/>
+          </a:solidFill>
+          <a:prstDash val="solid"/>
+          <a:miter lim="800000"/>
+        </a:ln>
+      </a:lnStyleLst>
+      <a:effectStyleLst>
+        <a:effectStyle>
+          <a:effectLst/>
+        </a:effectStyle>
+        <a:effectStyle>
+          <a:effectLst/>
+        </a:effectStyle>
+        <a:effectStyle>
+          <a:effectLst>
+            <a:outerShdw blurRad="57150" dist="19050" dir="5400000" algn="ctr" rotWithShape="0">
+              <a:srgbClr val="000000">
+                <a:alpha val="63000"/>
+              </a:srgbClr>
+            </a:outerShdw>
+          </a:effectLst>
+        </a:effectStyle>
+      </a:effectStyleLst>
+      <a:bgFillStyleLst>
+        <a:solidFill>
+          <a:schemeClr val="phClr"/>
+        </a:solidFill>
+        <a:solidFill>
+          <a:schemeClr val="phClr">
+            <a:tint val="95000"/>
+            <a:satMod val="170000"/>
+          </a:schemeClr>
+        </a:solidFill>
+        <a:gradFill rotWithShape="1">
+          <a:gsLst>
+            <a:gs pos="0">
+              <a:schemeClr val="phClr">
+                <a:tint val="93000"/>
+                <a:satMod val="150000"/>
+                <a:shade val="98000"/>
+                <a:lumMod val="102000"/>
+              </a:schemeClr>
+            </a:gs>
+            <a:gs pos="50000">
+              <a:schemeClr val="phClr">
+                <a:tint val="98000"/>
+                <a:satMod val="130000"/>
+                <a:shade val="90000"/>
+                <a:lumMod val="103000"/>
+              </a:schemeClr>
+            </a:gs>
+            <a:gs pos="100000">
+              <a:schemeClr val="phClr">
+                <a:shade val="63000"/>
+                <a:satMod val="120000"/>
+              </a:schemeClr>
+            </a:gs>
+          </a:gsLst>
+          <a:lin ang="5400000" scaled="0"/>
+        </a:gradFill>
+      </a:bgFillStyleLst>
+    </a:fmtScheme>
+  </a:themeElements>
   <a:extLst>
     <a:ext uri="{05A4C25C-085E-4340-85A3-A5531E510DB2}">
       <thm15:themeFamily xmlns:thm15="http://schemas.microsoft.com/office/thememl/2012/main" name="Office Theme" id="{62F939B6-93AF-4DB8-9C6B-D6C7DFDC589F}" vid="{4A3C46E8-61CC-4603-A589-7422A47A8E4A}"/>
